--- a/doc/10-Apresentação.pptx
+++ b/doc/10-Apresentação.pptx
@@ -5,10 +5,10 @@
     <p:sldMasterId id="2147483656" r:id="rId1"/>
   </p:sldMasterIdLst>
   <p:notesMasterIdLst>
-    <p:notesMasterId r:id="rId18"/>
+    <p:notesMasterId r:id="rId21"/>
   </p:notesMasterIdLst>
   <p:handoutMasterIdLst>
-    <p:handoutMasterId r:id="rId19"/>
+    <p:handoutMasterId r:id="rId22"/>
   </p:handoutMasterIdLst>
   <p:sldIdLst>
     <p:sldId id="259" r:id="rId2"/>
@@ -26,7 +26,10 @@
     <p:sldId id="367" r:id="rId14"/>
     <p:sldId id="360" r:id="rId15"/>
     <p:sldId id="368" r:id="rId16"/>
-    <p:sldId id="282" r:id="rId17"/>
+    <p:sldId id="370" r:id="rId17"/>
+    <p:sldId id="371" r:id="rId18"/>
+    <p:sldId id="369" r:id="rId19"/>
+    <p:sldId id="282" r:id="rId20"/>
   </p:sldIdLst>
   <p:sldSz cx="11704638" cy="6583363"/>
   <p:notesSz cx="6797675" cy="9928225"/>
@@ -145,6 +148,9 @@
             <p14:sldId id="367"/>
             <p14:sldId id="360"/>
             <p14:sldId id="368"/>
+            <p14:sldId id="370"/>
+            <p14:sldId id="371"/>
+            <p14:sldId id="369"/>
             <p14:sldId id="282"/>
           </p14:sldIdLst>
         </p14:section>
@@ -745,6 +751,321 @@
     </a:lvl9pPr>
   </p:notesStyle>
 </p:notesMaster>
+</file>
+
+<file path=ppt/notesSlides/notesSlide1.xml><?xml version="1.0" encoding="utf-8"?>
+<p:notes xmlns:a="http://schemas.openxmlformats.org/drawingml/2006/main" xmlns:r="http://schemas.openxmlformats.org/officeDocument/2006/relationships" xmlns:p="http://schemas.openxmlformats.org/presentationml/2006/main">
+  <p:cSld>
+    <p:spTree>
+      <p:nvGrpSpPr>
+        <p:cNvPr id="1" name=""/>
+        <p:cNvGrpSpPr/>
+        <p:nvPr/>
+      </p:nvGrpSpPr>
+      <p:grpSpPr>
+        <a:xfrm>
+          <a:off x="0" y="0"/>
+          <a:ext cx="0" cy="0"/>
+          <a:chOff x="0" y="0"/>
+          <a:chExt cx="0" cy="0"/>
+        </a:xfrm>
+      </p:grpSpPr>
+      <p:sp>
+        <p:nvSpPr>
+          <p:cNvPr id="2" name="Slide Image Placeholder 1"/>
+          <p:cNvSpPr>
+            <a:spLocks noGrp="1" noRot="1" noChangeAspect="1"/>
+          </p:cNvSpPr>
+          <p:nvPr>
+            <p:ph type="sldImg"/>
+          </p:nvPr>
+        </p:nvSpPr>
+        <p:spPr/>
+      </p:sp>
+      <p:sp>
+        <p:nvSpPr>
+          <p:cNvPr id="3" name="Notes Placeholder 2"/>
+          <p:cNvSpPr>
+            <a:spLocks noGrp="1"/>
+          </p:cNvSpPr>
+          <p:nvPr>
+            <p:ph type="body" idx="1"/>
+          </p:nvPr>
+        </p:nvSpPr>
+        <p:spPr/>
+        <p:txBody>
+          <a:bodyPr/>
+          <a:lstStyle/>
+          <a:p>
+            <a:pPr marL="285750" indent="-285750" fontAlgn="ctr">
+              <a:buFont typeface="Arial" panose="020B0604020202020204" pitchFamily="34" charset="0"/>
+              <a:buChar char="•"/>
+            </a:pPr>
+            <a:r>
+              <a:rPr lang="pt-PT" sz="1600" b="1" dirty="0" smtClean="0"/>
+              <a:t>Create project</a:t>
+            </a:r>
+            <a:endParaRPr lang="pt-PT" sz="1200" dirty="0" smtClean="0"/>
+          </a:p>
+          <a:p>
+            <a:pPr marL="870966" lvl="1" indent="-285750" fontAlgn="ctr">
+              <a:buFont typeface="Arial" panose="020B0604020202020204" pitchFamily="34" charset="0"/>
+              <a:buChar char="•"/>
+            </a:pPr>
+            <a:r>
+              <a:rPr lang="pt-PT" sz="1600" b="1" dirty="0" smtClean="0"/>
+              <a:t>Add file</a:t>
+            </a:r>
+            <a:endParaRPr lang="pt-PT" sz="1200" dirty="0" smtClean="0"/>
+          </a:p>
+          <a:p>
+            <a:pPr marL="285750" indent="-285750" fontAlgn="ctr">
+              <a:buFont typeface="Arial" panose="020B0604020202020204" pitchFamily="34" charset="0"/>
+              <a:buChar char="•"/>
+            </a:pPr>
+            <a:r>
+              <a:rPr lang="pt-PT" sz="1600" b="1" dirty="0" smtClean="0"/>
+              <a:t>Snake</a:t>
+            </a:r>
+            <a:endParaRPr lang="pt-PT" sz="1200" dirty="0" smtClean="0"/>
+          </a:p>
+          <a:p>
+            <a:pPr marL="870966" lvl="1" indent="-285750" fontAlgn="ctr">
+              <a:buFont typeface="Arial" panose="020B0604020202020204" pitchFamily="34" charset="0"/>
+              <a:buChar char="•"/>
+            </a:pPr>
+            <a:r>
+              <a:rPr lang="pt-PT" sz="1600" b="1" dirty="0" smtClean="0"/>
+              <a:t>Show classification</a:t>
+            </a:r>
+            <a:endParaRPr lang="pt-PT" sz="1200" dirty="0" smtClean="0"/>
+          </a:p>
+          <a:p>
+            <a:pPr marL="870966" lvl="1" indent="-285750" fontAlgn="ctr">
+              <a:buFont typeface="Arial" panose="020B0604020202020204" pitchFamily="34" charset="0"/>
+              <a:buChar char="•"/>
+            </a:pPr>
+            <a:r>
+              <a:rPr lang="pt-PT" sz="1600" b="1" dirty="0" smtClean="0"/>
+              <a:t>Show intellisense</a:t>
+            </a:r>
+            <a:endParaRPr lang="pt-PT" sz="1200" dirty="0" smtClean="0"/>
+          </a:p>
+          <a:p>
+            <a:pPr marL="870966" lvl="1" indent="-285750" fontAlgn="ctr">
+              <a:buFont typeface="Arial" panose="020B0604020202020204" pitchFamily="34" charset="0"/>
+              <a:buChar char="•"/>
+            </a:pPr>
+            <a:r>
+              <a:rPr lang="pt-PT" sz="1600" b="1" dirty="0" smtClean="0"/>
+              <a:t>Show Error Validation</a:t>
+            </a:r>
+            <a:endParaRPr lang="pt-PT" sz="1200" dirty="0" smtClean="0"/>
+          </a:p>
+          <a:p>
+            <a:pPr marL="1456182" lvl="2" indent="-285750" fontAlgn="ctr">
+              <a:buFont typeface="Arial" panose="020B0604020202020204" pitchFamily="34" charset="0"/>
+              <a:buChar char="•"/>
+            </a:pPr>
+            <a:r>
+              <a:rPr lang="pt-PT" sz="1600" b="1" dirty="0" smtClean="0"/>
+              <a:t>Inline</a:t>
+            </a:r>
+            <a:endParaRPr lang="pt-PT" sz="1200" dirty="0" smtClean="0"/>
+          </a:p>
+          <a:p>
+            <a:pPr marL="1456182" lvl="2" indent="-285750" fontAlgn="ctr">
+              <a:buFont typeface="Arial" panose="020B0604020202020204" pitchFamily="34" charset="0"/>
+              <a:buChar char="•"/>
+            </a:pPr>
+            <a:r>
+              <a:rPr lang="pt-PT" sz="1600" b="1" dirty="0" smtClean="0"/>
+              <a:t>Error window</a:t>
+            </a:r>
+            <a:endParaRPr lang="pt-PT" sz="1200" dirty="0" smtClean="0"/>
+          </a:p>
+          <a:p>
+            <a:pPr marL="870966" lvl="1" indent="-285750" fontAlgn="ctr">
+              <a:buFont typeface="Arial" panose="020B0604020202020204" pitchFamily="34" charset="0"/>
+              <a:buChar char="•"/>
+            </a:pPr>
+            <a:r>
+              <a:rPr lang="pt-PT" sz="1600" b="1" dirty="0" smtClean="0"/>
+              <a:t>Show Remote window</a:t>
+            </a:r>
+            <a:endParaRPr lang="pt-PT" sz="1200" dirty="0" smtClean="0"/>
+          </a:p>
+          <a:p>
+            <a:pPr marL="870966" lvl="1" indent="-285750" fontAlgn="ctr">
+              <a:buFont typeface="Arial" panose="020B0604020202020204" pitchFamily="34" charset="0"/>
+              <a:buChar char="•"/>
+            </a:pPr>
+            <a:r>
+              <a:rPr lang="pt-PT" sz="1600" b="1" dirty="0" smtClean="0"/>
+              <a:t>Show ScreenShot window</a:t>
+            </a:r>
+            <a:endParaRPr lang="pt-PT" sz="1200" dirty="0" smtClean="0"/>
+          </a:p>
+          <a:p>
+            <a:pPr marL="870966" lvl="1" indent="-285750" fontAlgn="ctr">
+              <a:buFont typeface="Arial" panose="020B0604020202020204" pitchFamily="34" charset="0"/>
+              <a:buChar char="•"/>
+            </a:pPr>
+            <a:r>
+              <a:rPr lang="pt-PT" sz="1600" b="1" dirty="0" smtClean="0"/>
+              <a:t>Show Deploy</a:t>
+            </a:r>
+            <a:endParaRPr lang="pt-PT" sz="1200" dirty="0" smtClean="0"/>
+          </a:p>
+          <a:p>
+            <a:pPr marL="870966" lvl="1" indent="-285750" fontAlgn="ctr">
+              <a:buFont typeface="Arial" panose="020B0604020202020204" pitchFamily="34" charset="0"/>
+              <a:buChar char="•"/>
+            </a:pPr>
+            <a:r>
+              <a:rPr lang="pt-PT" sz="1600" b="1" dirty="0" smtClean="0"/>
+              <a:t>Show Debug</a:t>
+            </a:r>
+            <a:endParaRPr lang="pt-PT" sz="1200" dirty="0" smtClean="0"/>
+          </a:p>
+          <a:p>
+            <a:pPr marL="1456182" lvl="2" indent="-285750" fontAlgn="ctr">
+              <a:buFont typeface="Arial" panose="020B0604020202020204" pitchFamily="34" charset="0"/>
+              <a:buChar char="•"/>
+            </a:pPr>
+            <a:r>
+              <a:rPr lang="pt-PT" sz="1600" b="1" dirty="0" smtClean="0"/>
+              <a:t>Enter debug mode</a:t>
+            </a:r>
+            <a:endParaRPr lang="pt-PT" sz="1200" dirty="0" smtClean="0"/>
+          </a:p>
+          <a:p>
+            <a:pPr marL="1456182" lvl="2" indent="-285750" fontAlgn="ctr">
+              <a:buFont typeface="Arial" panose="020B0604020202020204" pitchFamily="34" charset="0"/>
+              <a:buChar char="•"/>
+            </a:pPr>
+            <a:r>
+              <a:rPr lang="pt-PT" sz="1600" b="1" dirty="0" smtClean="0"/>
+              <a:t>Show output</a:t>
+            </a:r>
+            <a:endParaRPr lang="pt-PT" sz="1200" dirty="0" smtClean="0"/>
+          </a:p>
+          <a:p>
+            <a:pPr marL="1456182" lvl="2" indent="-285750" fontAlgn="ctr">
+              <a:buFont typeface="Arial" panose="020B0604020202020204" pitchFamily="34" charset="0"/>
+              <a:buChar char="•"/>
+            </a:pPr>
+            <a:r>
+              <a:rPr lang="pt-PT" sz="1600" b="1" dirty="0" smtClean="0"/>
+              <a:t>Navigate call stack</a:t>
+            </a:r>
+            <a:endParaRPr lang="pt-PT" sz="1200" dirty="0" smtClean="0"/>
+          </a:p>
+          <a:p>
+            <a:pPr marL="1456182" lvl="2" indent="-285750" fontAlgn="ctr">
+              <a:buFont typeface="Arial" panose="020B0604020202020204" pitchFamily="34" charset="0"/>
+              <a:buChar char="•"/>
+            </a:pPr>
+            <a:r>
+              <a:rPr lang="pt-PT" sz="1600" b="1" dirty="0" smtClean="0"/>
+              <a:t>Show locals window</a:t>
+            </a:r>
+            <a:endParaRPr lang="pt-PT" sz="1200" dirty="0" smtClean="0"/>
+          </a:p>
+          <a:p>
+            <a:pPr marL="2041398" lvl="3" indent="-285750" fontAlgn="ctr">
+              <a:buFont typeface="Arial" panose="020B0604020202020204" pitchFamily="34" charset="0"/>
+              <a:buChar char="•"/>
+            </a:pPr>
+            <a:r>
+              <a:rPr lang="pt-PT" sz="1600" b="1" dirty="0" smtClean="0"/>
+              <a:t>Expand variable</a:t>
+            </a:r>
+            <a:endParaRPr lang="pt-PT" sz="1200" dirty="0" smtClean="0"/>
+          </a:p>
+          <a:p>
+            <a:pPr marL="1456182" lvl="2" indent="-285750" fontAlgn="ctr">
+              <a:buFont typeface="Arial" panose="020B0604020202020204" pitchFamily="34" charset="0"/>
+              <a:buChar char="•"/>
+            </a:pPr>
+            <a:r>
+              <a:rPr lang="pt-PT" sz="1600" b="1" dirty="0" smtClean="0"/>
+              <a:t>Show watch window</a:t>
+            </a:r>
+            <a:endParaRPr lang="pt-PT" sz="1200" dirty="0" smtClean="0"/>
+          </a:p>
+          <a:p>
+            <a:pPr marL="2041398" lvl="3" indent="-285750" fontAlgn="ctr">
+              <a:buFont typeface="Arial" panose="020B0604020202020204" pitchFamily="34" charset="0"/>
+              <a:buChar char="•"/>
+            </a:pPr>
+            <a:r>
+              <a:rPr lang="pt-PT" sz="1600" b="1" dirty="0" smtClean="0"/>
+              <a:t>Add to watch</a:t>
+            </a:r>
+            <a:endParaRPr lang="pt-PT" sz="1200" dirty="0" smtClean="0"/>
+          </a:p>
+          <a:p>
+            <a:pPr marL="1456182" lvl="2" indent="-285750" fontAlgn="ctr">
+              <a:buFont typeface="Arial" panose="020B0604020202020204" pitchFamily="34" charset="0"/>
+              <a:buChar char="•"/>
+            </a:pPr>
+            <a:r>
+              <a:rPr lang="pt-PT" sz="1600" b="1" dirty="0" smtClean="0"/>
+              <a:t>Step </a:t>
+            </a:r>
+            <a:endParaRPr lang="pt-PT" sz="1200" dirty="0" smtClean="0"/>
+          </a:p>
+          <a:p>
+            <a:pPr marL="1456182" lvl="2" indent="-285750" fontAlgn="ctr">
+              <a:buFont typeface="Arial" panose="020B0604020202020204" pitchFamily="34" charset="0"/>
+              <a:buChar char="•"/>
+            </a:pPr>
+            <a:r>
+              <a:rPr lang="pt-PT" sz="1600" b="1" dirty="0" smtClean="0"/>
+              <a:t>Continue</a:t>
+            </a:r>
+            <a:endParaRPr lang="pt-PT" sz="1200" dirty="0" smtClean="0"/>
+          </a:p>
+          <a:p>
+            <a:endParaRPr lang="en-GB" dirty="0"/>
+          </a:p>
+        </p:txBody>
+      </p:sp>
+      <p:sp>
+        <p:nvSpPr>
+          <p:cNvPr id="4" name="Slide Number Placeholder 3"/>
+          <p:cNvSpPr>
+            <a:spLocks noGrp="1"/>
+          </p:cNvSpPr>
+          <p:nvPr>
+            <p:ph type="sldNum" sz="quarter" idx="10"/>
+          </p:nvPr>
+        </p:nvSpPr>
+        <p:spPr/>
+        <p:txBody>
+          <a:bodyPr/>
+          <a:lstStyle/>
+          <a:p>
+            <a:fld id="{75DDEA6C-8F12-2946-8FEA-AB499F257480}" type="slidenum">
+              <a:rPr lang="en-US" smtClean="0"/>
+              <a:t>18</a:t>
+            </a:fld>
+            <a:endParaRPr lang="en-US"/>
+          </a:p>
+        </p:txBody>
+      </p:sp>
+    </p:spTree>
+    <p:extLst>
+      <p:ext uri="{BB962C8B-B14F-4D97-AF65-F5344CB8AC3E}">
+        <p14:creationId xmlns:p14="http://schemas.microsoft.com/office/powerpoint/2010/main" val="4226071021"/>
+      </p:ext>
+    </p:extLst>
+  </p:cSld>
+  <p:clrMapOvr>
+    <a:masterClrMapping/>
+  </p:clrMapOvr>
+</p:notes>
 </file>
 
 <file path=ppt/slideLayouts/slideLayout1.xml><?xml version="1.0" encoding="utf-8"?>
@@ -2971,6 +3292,13 @@
   <p:clrMapOvr>
     <a:masterClrMapping/>
   </p:clrMapOvr>
+  <p:timing>
+    <p:tnLst>
+      <p:par>
+        <p:cTn id="1" dur="indefinite" restart="never" nodeType="tmRoot"/>
+      </p:par>
+    </p:tnLst>
+  </p:timing>
 </p:sld>
 </file>
 
@@ -3419,6 +3747,13 @@
   <p:clrMapOvr>
     <a:masterClrMapping/>
   </p:clrMapOvr>
+  <p:timing>
+    <p:tnLst>
+      <p:par>
+        <p:cTn id="1" dur="indefinite" restart="never" nodeType="tmRoot"/>
+      </p:par>
+    </p:tnLst>
+  </p:timing>
 </p:sld>
 </file>
 
@@ -3762,6 +4097,13 @@
   <p:clrMapOvr>
     <a:masterClrMapping/>
   </p:clrMapOvr>
+  <p:timing>
+    <p:tnLst>
+      <p:par>
+        <p:cTn id="1" dur="indefinite" restart="never" nodeType="tmRoot"/>
+      </p:par>
+    </p:tnLst>
+  </p:timing>
 </p:sld>
 </file>
 
@@ -4322,6 +4664,13 @@
   <p:clrMapOvr>
     <a:masterClrMapping/>
   </p:clrMapOvr>
+  <p:timing>
+    <p:tnLst>
+      <p:par>
+        <p:cTn id="1" dur="indefinite" restart="never" nodeType="tmRoot"/>
+      </p:par>
+    </p:tnLst>
+  </p:timing>
 </p:sld>
 </file>
 
@@ -4827,6 +5176,13 @@
   <p:clrMapOvr>
     <a:masterClrMapping/>
   </p:clrMapOvr>
+  <p:timing>
+    <p:tnLst>
+      <p:par>
+        <p:cTn id="1" dur="indefinite" restart="never" nodeType="tmRoot"/>
+      </p:par>
+    </p:tnLst>
+  </p:timing>
 </p:sld>
 </file>
 
@@ -5391,6 +5747,13 @@
   <p:clrMapOvr>
     <a:masterClrMapping/>
   </p:clrMapOvr>
+  <p:timing>
+    <p:tnLst>
+      <p:par>
+        <p:cTn id="1" dur="indefinite" restart="never" nodeType="tmRoot"/>
+      </p:par>
+    </p:tnLst>
+  </p:timing>
 </p:sld>
 </file>
 
@@ -5955,6 +6318,13 @@
   <p:clrMapOvr>
     <a:masterClrMapping/>
   </p:clrMapOvr>
+  <p:timing>
+    <p:tnLst>
+      <p:par>
+        <p:cTn id="1" dur="indefinite" restart="never" nodeType="tmRoot"/>
+      </p:par>
+    </p:tnLst>
+  </p:timing>
 </p:sld>
 </file>
 
@@ -5987,6 +6357,1217 @@
         </p:nvSpPr>
         <p:spPr>
           <a:xfrm>
+            <a:off x="596900" y="549031"/>
+            <a:ext cx="10510839" cy="1017588"/>
+          </a:xfrm>
+        </p:spPr>
+        <p:txBody>
+          <a:bodyPr/>
+          <a:lstStyle/>
+          <a:p>
+            <a:r>
+              <a:rPr lang="en-US" dirty="0" smtClean="0"/>
+              <a:t>7-</a:t>
+            </a:r>
+            <a:r>
+              <a:rPr lang="pt-PT" dirty="0"/>
+              <a:t>Integração Visual </a:t>
+            </a:r>
+            <a:r>
+              <a:rPr lang="pt-PT" dirty="0" err="1"/>
+              <a:t>Studio</a:t>
+            </a:r>
+            <a:r>
+              <a:rPr lang="pt-PT" dirty="0"/>
+              <a:t/>
+            </a:r>
+            <a:br>
+              <a:rPr lang="pt-PT" dirty="0"/>
+            </a:br>
+            <a:endParaRPr lang="en-US" dirty="0"/>
+          </a:p>
+        </p:txBody>
+      </p:sp>
+      <p:pic>
+        <p:nvPicPr>
+          <p:cNvPr id="4" name="Picture 2" descr="http://files.isel-adeetc.webnode.pt/200000001-c7234c81be/50000000.png"/>
+          <p:cNvPicPr>
+            <a:picLocks noChangeAspect="1" noChangeArrowheads="1"/>
+          </p:cNvPicPr>
+          <p:nvPr/>
+        </p:nvPicPr>
+        <p:blipFill rotWithShape="1">
+          <a:blip r:embed="rId2">
+            <a:extLst>
+              <a:ext uri="{28A0092B-C50C-407E-A947-70E740481C1C}">
+                <a14:useLocalDpi xmlns:a14="http://schemas.microsoft.com/office/drawing/2010/main" val="0"/>
+              </a:ext>
+            </a:extLst>
+          </a:blip>
+          <a:srcRect r="25933"/>
+          <a:stretch/>
+        </p:blipFill>
+        <p:spPr bwMode="auto">
+          <a:xfrm>
+            <a:off x="9273164" y="5237391"/>
+            <a:ext cx="2277416" cy="1103120"/>
+          </a:xfrm>
+          <a:prstGeom prst="rect">
+            <a:avLst/>
+          </a:prstGeom>
+          <a:noFill/>
+          <a:extLst>
+            <a:ext uri="{909E8E84-426E-40DD-AFC4-6F175D3DCCD1}">
+              <a14:hiddenFill xmlns:a14="http://schemas.microsoft.com/office/drawing/2010/main">
+                <a:solidFill>
+                  <a:srgbClr val="FFFFFF"/>
+                </a:solidFill>
+              </a14:hiddenFill>
+            </a:ext>
+          </a:extLst>
+        </p:spPr>
+      </p:pic>
+      <p:sp>
+        <p:nvSpPr>
+          <p:cNvPr id="8" name="Content Placeholder 6"/>
+          <p:cNvSpPr txBox="1">
+            <a:spLocks/>
+          </p:cNvSpPr>
+          <p:nvPr/>
+        </p:nvSpPr>
+        <p:spPr>
+          <a:xfrm>
+            <a:off x="596900" y="1159660"/>
+            <a:ext cx="9981890" cy="4648286"/>
+          </a:xfrm>
+          <a:prstGeom prst="rect">
+            <a:avLst/>
+          </a:prstGeom>
+        </p:spPr>
+        <p:txBody>
+          <a:bodyPr/>
+          <a:lstStyle>
+            <a:lvl1pPr marL="229617" indent="-229617" algn="l" defTabSz="1170432" rtl="0" eaLnBrk="1" latinLnBrk="0" hangingPunct="1">
+              <a:spcBef>
+                <a:spcPts val="768"/>
+              </a:spcBef>
+              <a:buClr>
+                <a:schemeClr val="accent1"/>
+              </a:buClr>
+              <a:buFont typeface="Arial" pitchFamily="34" charset="0"/>
+              <a:buChar char="•"/>
+              <a:defRPr sz="1800" kern="1200">
+                <a:solidFill>
+                  <a:srgbClr val="323232"/>
+                </a:solidFill>
+                <a:latin typeface="+mn-lt"/>
+                <a:ea typeface="+mn-ea"/>
+                <a:cs typeface="+mn-cs"/>
+              </a:defRPr>
+            </a:lvl1pPr>
+            <a:lvl2pPr marL="460375" indent="-228600" algn="l" defTabSz="1170432" rtl="0" eaLnBrk="1" latinLnBrk="0" hangingPunct="1">
+              <a:spcBef>
+                <a:spcPts val="768"/>
+              </a:spcBef>
+              <a:buClr>
+                <a:schemeClr val="accent1"/>
+              </a:buClr>
+              <a:buFont typeface="Arial" pitchFamily="34" charset="0"/>
+              <a:buChar char="–"/>
+              <a:tabLst/>
+              <a:defRPr sz="1600" kern="1200">
+                <a:solidFill>
+                  <a:srgbClr val="323232"/>
+                </a:solidFill>
+                <a:latin typeface="+mn-lt"/>
+                <a:ea typeface="+mn-ea"/>
+                <a:cs typeface="+mn-cs"/>
+              </a:defRPr>
+            </a:lvl2pPr>
+            <a:lvl3pPr marL="623888" indent="-161925" algn="l" defTabSz="1170432" rtl="0" eaLnBrk="1" latinLnBrk="0" hangingPunct="1">
+              <a:spcBef>
+                <a:spcPts val="768"/>
+              </a:spcBef>
+              <a:buClr>
+                <a:schemeClr val="accent1"/>
+              </a:buClr>
+              <a:buFont typeface="Lucida Grande"/>
+              <a:buChar char="­"/>
+              <a:tabLst/>
+              <a:defRPr sz="1400" kern="1200">
+                <a:solidFill>
+                  <a:srgbClr val="323232"/>
+                </a:solidFill>
+                <a:latin typeface="+mn-lt"/>
+                <a:ea typeface="+mn-ea"/>
+                <a:cs typeface="+mn-cs"/>
+              </a:defRPr>
+            </a:lvl3pPr>
+            <a:lvl4pPr marL="893763" indent="-179388" algn="l" defTabSz="1170432" rtl="0" eaLnBrk="1" latinLnBrk="0" hangingPunct="1">
+              <a:spcBef>
+                <a:spcPts val="768"/>
+              </a:spcBef>
+              <a:buClr>
+                <a:schemeClr val="accent1"/>
+              </a:buClr>
+              <a:buFont typeface="Arial" pitchFamily="34" charset="0"/>
+              <a:buChar char="–"/>
+              <a:tabLst/>
+              <a:defRPr sz="1200" kern="1200">
+                <a:solidFill>
+                  <a:srgbClr val="323232"/>
+                </a:solidFill>
+                <a:latin typeface="+mn-lt"/>
+                <a:ea typeface="+mn-ea"/>
+                <a:cs typeface="+mn-cs"/>
+              </a:defRPr>
+            </a:lvl4pPr>
+            <a:lvl5pPr marL="2633472" indent="-292608" algn="l" defTabSz="1170432" rtl="0" eaLnBrk="1" latinLnBrk="0" hangingPunct="1">
+              <a:spcBef>
+                <a:spcPct val="20000"/>
+              </a:spcBef>
+              <a:buFont typeface="Arial" pitchFamily="34" charset="0"/>
+              <a:buChar char="»"/>
+              <a:defRPr sz="2000" kern="1200">
+                <a:solidFill>
+                  <a:schemeClr val="tx1"/>
+                </a:solidFill>
+                <a:latin typeface="+mj-lt"/>
+                <a:ea typeface="+mn-ea"/>
+                <a:cs typeface="+mn-cs"/>
+              </a:defRPr>
+            </a:lvl5pPr>
+            <a:lvl6pPr marL="3218688" indent="-292608" algn="l" defTabSz="1170432" rtl="0" eaLnBrk="1" latinLnBrk="0" hangingPunct="1">
+              <a:spcBef>
+                <a:spcPct val="20000"/>
+              </a:spcBef>
+              <a:buFont typeface="Arial" pitchFamily="34" charset="0"/>
+              <a:buChar char="•"/>
+              <a:defRPr sz="2600" kern="1200">
+                <a:solidFill>
+                  <a:schemeClr val="tx1"/>
+                </a:solidFill>
+                <a:latin typeface="+mn-lt"/>
+                <a:ea typeface="+mn-ea"/>
+                <a:cs typeface="+mn-cs"/>
+              </a:defRPr>
+            </a:lvl6pPr>
+            <a:lvl7pPr marL="3803904" indent="-292608" algn="l" defTabSz="1170432" rtl="0" eaLnBrk="1" latinLnBrk="0" hangingPunct="1">
+              <a:spcBef>
+                <a:spcPct val="20000"/>
+              </a:spcBef>
+              <a:buFont typeface="Arial" pitchFamily="34" charset="0"/>
+              <a:buChar char="•"/>
+              <a:defRPr sz="2600" kern="1200">
+                <a:solidFill>
+                  <a:schemeClr val="tx1"/>
+                </a:solidFill>
+                <a:latin typeface="+mn-lt"/>
+                <a:ea typeface="+mn-ea"/>
+                <a:cs typeface="+mn-cs"/>
+              </a:defRPr>
+            </a:lvl7pPr>
+            <a:lvl8pPr marL="4389120" indent="-292608" algn="l" defTabSz="1170432" rtl="0" eaLnBrk="1" latinLnBrk="0" hangingPunct="1">
+              <a:spcBef>
+                <a:spcPct val="20000"/>
+              </a:spcBef>
+              <a:buFont typeface="Arial" pitchFamily="34" charset="0"/>
+              <a:buChar char="•"/>
+              <a:defRPr sz="2600" kern="1200">
+                <a:solidFill>
+                  <a:schemeClr val="tx1"/>
+                </a:solidFill>
+                <a:latin typeface="+mn-lt"/>
+                <a:ea typeface="+mn-ea"/>
+                <a:cs typeface="+mn-cs"/>
+              </a:defRPr>
+            </a:lvl8pPr>
+            <a:lvl9pPr marL="4974336" indent="-292608" algn="l" defTabSz="1170432" rtl="0" eaLnBrk="1" latinLnBrk="0" hangingPunct="1">
+              <a:spcBef>
+                <a:spcPct val="20000"/>
+              </a:spcBef>
+              <a:buFont typeface="Arial" pitchFamily="34" charset="0"/>
+              <a:buChar char="•"/>
+              <a:defRPr sz="2600" kern="1200">
+                <a:solidFill>
+                  <a:schemeClr val="tx1"/>
+                </a:solidFill>
+                <a:latin typeface="+mn-lt"/>
+                <a:ea typeface="+mn-ea"/>
+                <a:cs typeface="+mn-cs"/>
+              </a:defRPr>
+            </a:lvl9pPr>
+          </a:lstStyle>
+          <a:p>
+            <a:pPr marL="342900" indent="-342900"/>
+            <a:endParaRPr lang="en-US" sz="2400" dirty="0"/>
+          </a:p>
+        </p:txBody>
+      </p:sp>
+      <p:sp>
+        <p:nvSpPr>
+          <p:cNvPr id="7" name="Content Placeholder 6"/>
+          <p:cNvSpPr txBox="1">
+            <a:spLocks/>
+          </p:cNvSpPr>
+          <p:nvPr/>
+        </p:nvSpPr>
+        <p:spPr>
+          <a:xfrm>
+            <a:off x="749300" y="1077862"/>
+            <a:ext cx="9981890" cy="4981032"/>
+          </a:xfrm>
+          <a:prstGeom prst="rect">
+            <a:avLst/>
+          </a:prstGeom>
+        </p:spPr>
+        <p:txBody>
+          <a:bodyPr/>
+          <a:lstStyle>
+            <a:lvl1pPr marL="229617" indent="-229617" algn="l" defTabSz="1170432" rtl="0" eaLnBrk="1" latinLnBrk="0" hangingPunct="1">
+              <a:spcBef>
+                <a:spcPts val="768"/>
+              </a:spcBef>
+              <a:buClr>
+                <a:schemeClr val="accent1"/>
+              </a:buClr>
+              <a:buFont typeface="Arial" pitchFamily="34" charset="0"/>
+              <a:buChar char="•"/>
+              <a:defRPr sz="1800" kern="1200">
+                <a:solidFill>
+                  <a:srgbClr val="323232"/>
+                </a:solidFill>
+                <a:latin typeface="+mn-lt"/>
+                <a:ea typeface="+mn-ea"/>
+                <a:cs typeface="+mn-cs"/>
+              </a:defRPr>
+            </a:lvl1pPr>
+            <a:lvl2pPr marL="460375" indent="-228600" algn="l" defTabSz="1170432" rtl="0" eaLnBrk="1" latinLnBrk="0" hangingPunct="1">
+              <a:spcBef>
+                <a:spcPts val="768"/>
+              </a:spcBef>
+              <a:buClr>
+                <a:schemeClr val="accent1"/>
+              </a:buClr>
+              <a:buFont typeface="Arial" pitchFamily="34" charset="0"/>
+              <a:buChar char="–"/>
+              <a:tabLst/>
+              <a:defRPr sz="1600" kern="1200">
+                <a:solidFill>
+                  <a:srgbClr val="323232"/>
+                </a:solidFill>
+                <a:latin typeface="+mn-lt"/>
+                <a:ea typeface="+mn-ea"/>
+                <a:cs typeface="+mn-cs"/>
+              </a:defRPr>
+            </a:lvl2pPr>
+            <a:lvl3pPr marL="623888" indent="-161925" algn="l" defTabSz="1170432" rtl="0" eaLnBrk="1" latinLnBrk="0" hangingPunct="1">
+              <a:spcBef>
+                <a:spcPts val="768"/>
+              </a:spcBef>
+              <a:buClr>
+                <a:schemeClr val="accent1"/>
+              </a:buClr>
+              <a:buFont typeface="Lucida Grande"/>
+              <a:buChar char="­"/>
+              <a:tabLst/>
+              <a:defRPr sz="1400" kern="1200">
+                <a:solidFill>
+                  <a:srgbClr val="323232"/>
+                </a:solidFill>
+                <a:latin typeface="+mn-lt"/>
+                <a:ea typeface="+mn-ea"/>
+                <a:cs typeface="+mn-cs"/>
+              </a:defRPr>
+            </a:lvl3pPr>
+            <a:lvl4pPr marL="893763" indent="-179388" algn="l" defTabSz="1170432" rtl="0" eaLnBrk="1" latinLnBrk="0" hangingPunct="1">
+              <a:spcBef>
+                <a:spcPts val="768"/>
+              </a:spcBef>
+              <a:buClr>
+                <a:schemeClr val="accent1"/>
+              </a:buClr>
+              <a:buFont typeface="Arial" pitchFamily="34" charset="0"/>
+              <a:buChar char="–"/>
+              <a:tabLst/>
+              <a:defRPr sz="1200" kern="1200">
+                <a:solidFill>
+                  <a:srgbClr val="323232"/>
+                </a:solidFill>
+                <a:latin typeface="+mn-lt"/>
+                <a:ea typeface="+mn-ea"/>
+                <a:cs typeface="+mn-cs"/>
+              </a:defRPr>
+            </a:lvl4pPr>
+            <a:lvl5pPr marL="2633472" indent="-292608" algn="l" defTabSz="1170432" rtl="0" eaLnBrk="1" latinLnBrk="0" hangingPunct="1">
+              <a:spcBef>
+                <a:spcPct val="20000"/>
+              </a:spcBef>
+              <a:buFont typeface="Arial" pitchFamily="34" charset="0"/>
+              <a:buChar char="»"/>
+              <a:defRPr sz="2000" kern="1200">
+                <a:solidFill>
+                  <a:schemeClr val="tx1"/>
+                </a:solidFill>
+                <a:latin typeface="+mj-lt"/>
+                <a:ea typeface="+mn-ea"/>
+                <a:cs typeface="+mn-cs"/>
+              </a:defRPr>
+            </a:lvl5pPr>
+            <a:lvl6pPr marL="3218688" indent="-292608" algn="l" defTabSz="1170432" rtl="0" eaLnBrk="1" latinLnBrk="0" hangingPunct="1">
+              <a:spcBef>
+                <a:spcPct val="20000"/>
+              </a:spcBef>
+              <a:buFont typeface="Arial" pitchFamily="34" charset="0"/>
+              <a:buChar char="•"/>
+              <a:defRPr sz="2600" kern="1200">
+                <a:solidFill>
+                  <a:schemeClr val="tx1"/>
+                </a:solidFill>
+                <a:latin typeface="+mn-lt"/>
+                <a:ea typeface="+mn-ea"/>
+                <a:cs typeface="+mn-cs"/>
+              </a:defRPr>
+            </a:lvl6pPr>
+            <a:lvl7pPr marL="3803904" indent="-292608" algn="l" defTabSz="1170432" rtl="0" eaLnBrk="1" latinLnBrk="0" hangingPunct="1">
+              <a:spcBef>
+                <a:spcPct val="20000"/>
+              </a:spcBef>
+              <a:buFont typeface="Arial" pitchFamily="34" charset="0"/>
+              <a:buChar char="•"/>
+              <a:defRPr sz="2600" kern="1200">
+                <a:solidFill>
+                  <a:schemeClr val="tx1"/>
+                </a:solidFill>
+                <a:latin typeface="+mn-lt"/>
+                <a:ea typeface="+mn-ea"/>
+                <a:cs typeface="+mn-cs"/>
+              </a:defRPr>
+            </a:lvl7pPr>
+            <a:lvl8pPr marL="4389120" indent="-292608" algn="l" defTabSz="1170432" rtl="0" eaLnBrk="1" latinLnBrk="0" hangingPunct="1">
+              <a:spcBef>
+                <a:spcPct val="20000"/>
+              </a:spcBef>
+              <a:buFont typeface="Arial" pitchFamily="34" charset="0"/>
+              <a:buChar char="•"/>
+              <a:defRPr sz="2600" kern="1200">
+                <a:solidFill>
+                  <a:schemeClr val="tx1"/>
+                </a:solidFill>
+                <a:latin typeface="+mn-lt"/>
+                <a:ea typeface="+mn-ea"/>
+                <a:cs typeface="+mn-cs"/>
+              </a:defRPr>
+            </a:lvl8pPr>
+            <a:lvl9pPr marL="4974336" indent="-292608" algn="l" defTabSz="1170432" rtl="0" eaLnBrk="1" latinLnBrk="0" hangingPunct="1">
+              <a:spcBef>
+                <a:spcPct val="20000"/>
+              </a:spcBef>
+              <a:buFont typeface="Arial" pitchFamily="34" charset="0"/>
+              <a:buChar char="•"/>
+              <a:defRPr sz="2600" kern="1200">
+                <a:solidFill>
+                  <a:schemeClr val="tx1"/>
+                </a:solidFill>
+                <a:latin typeface="+mn-lt"/>
+                <a:ea typeface="+mn-ea"/>
+                <a:cs typeface="+mn-cs"/>
+              </a:defRPr>
+            </a:lvl9pPr>
+          </a:lstStyle>
+          <a:p>
+            <a:pPr marL="342900" indent="-342900"/>
+            <a:r>
+              <a:rPr lang="pt-PT" sz="2400" dirty="0" smtClean="0"/>
+              <a:t>Register</a:t>
+            </a:r>
+          </a:p>
+          <a:p>
+            <a:pPr marL="342900" indent="-342900"/>
+            <a:r>
+              <a:rPr lang="pt-PT" sz="2400" dirty="0" smtClean="0"/>
+              <a:t>Launcher </a:t>
+            </a:r>
+            <a:endParaRPr lang="pt-PT" sz="2400" dirty="0" smtClean="0"/>
+          </a:p>
+          <a:p>
+            <a:pPr marL="342900" indent="-342900"/>
+            <a:r>
+              <a:rPr lang="pt-PT" sz="2400" dirty="0" smtClean="0"/>
+              <a:t>Debugger Engine</a:t>
+            </a:r>
+            <a:endParaRPr lang="pt-PT" sz="2000" dirty="0" smtClean="0"/>
+          </a:p>
+          <a:p>
+            <a:pPr marL="573658" lvl="1" indent="-342900"/>
+            <a:endParaRPr lang="pt-PT" sz="2000" dirty="0"/>
+          </a:p>
+        </p:txBody>
+      </p:sp>
+      <p:pic>
+        <p:nvPicPr>
+          <p:cNvPr id="6" name="Picture 5"/>
+          <p:cNvPicPr>
+            <a:picLocks noChangeAspect="1"/>
+          </p:cNvPicPr>
+          <p:nvPr/>
+        </p:nvPicPr>
+        <p:blipFill>
+          <a:blip r:embed="rId3"/>
+          <a:stretch>
+            <a:fillRect/>
+          </a:stretch>
+        </p:blipFill>
+        <p:spPr>
+          <a:xfrm>
+            <a:off x="3863935" y="1236899"/>
+            <a:ext cx="7523560" cy="3834238"/>
+          </a:xfrm>
+          <a:prstGeom prst="rect">
+            <a:avLst/>
+          </a:prstGeom>
+        </p:spPr>
+      </p:pic>
+    </p:spTree>
+    <p:extLst>
+      <p:ext uri="{BB962C8B-B14F-4D97-AF65-F5344CB8AC3E}">
+        <p14:creationId xmlns:p14="http://schemas.microsoft.com/office/powerpoint/2010/main" val="456010404"/>
+      </p:ext>
+    </p:extLst>
+  </p:cSld>
+  <p:clrMapOvr>
+    <a:masterClrMapping/>
+  </p:clrMapOvr>
+  <p:timing>
+    <p:tnLst>
+      <p:par>
+        <p:cTn id="1" dur="indefinite" restart="never" nodeType="tmRoot"/>
+      </p:par>
+    </p:tnLst>
+  </p:timing>
+</p:sld>
+</file>
+
+<file path=ppt/slides/slide17.xml><?xml version="1.0" encoding="utf-8"?>
+<p:sld xmlns:a="http://schemas.openxmlformats.org/drawingml/2006/main" xmlns:r="http://schemas.openxmlformats.org/officeDocument/2006/relationships" xmlns:p="http://schemas.openxmlformats.org/presentationml/2006/main">
+  <p:cSld>
+    <p:spTree>
+      <p:nvGrpSpPr>
+        <p:cNvPr id="1" name=""/>
+        <p:cNvGrpSpPr/>
+        <p:nvPr/>
+      </p:nvGrpSpPr>
+      <p:grpSpPr>
+        <a:xfrm>
+          <a:off x="0" y="0"/>
+          <a:ext cx="0" cy="0"/>
+          <a:chOff x="0" y="0"/>
+          <a:chExt cx="0" cy="0"/>
+        </a:xfrm>
+      </p:grpSpPr>
+      <p:sp>
+        <p:nvSpPr>
+          <p:cNvPr id="2" name="Title 1"/>
+          <p:cNvSpPr>
+            <a:spLocks noGrp="1"/>
+          </p:cNvSpPr>
+          <p:nvPr>
+            <p:ph type="title"/>
+          </p:nvPr>
+        </p:nvSpPr>
+        <p:spPr>
+          <a:xfrm>
+            <a:off x="596900" y="549031"/>
+            <a:ext cx="10510839" cy="1017588"/>
+          </a:xfrm>
+        </p:spPr>
+        <p:txBody>
+          <a:bodyPr/>
+          <a:lstStyle/>
+          <a:p>
+            <a:r>
+              <a:rPr lang="en-US" dirty="0" smtClean="0"/>
+              <a:t>7-</a:t>
+            </a:r>
+            <a:r>
+              <a:rPr lang="pt-PT" dirty="0"/>
+              <a:t>Integração Visual </a:t>
+            </a:r>
+            <a:r>
+              <a:rPr lang="pt-PT" dirty="0" err="1"/>
+              <a:t>Studio</a:t>
+            </a:r>
+            <a:r>
+              <a:rPr lang="pt-PT" dirty="0"/>
+              <a:t/>
+            </a:r>
+            <a:br>
+              <a:rPr lang="pt-PT" dirty="0"/>
+            </a:br>
+            <a:endParaRPr lang="en-US" dirty="0"/>
+          </a:p>
+        </p:txBody>
+      </p:sp>
+      <p:pic>
+        <p:nvPicPr>
+          <p:cNvPr id="4" name="Picture 2" descr="http://files.isel-adeetc.webnode.pt/200000001-c7234c81be/50000000.png"/>
+          <p:cNvPicPr>
+            <a:picLocks noChangeAspect="1" noChangeArrowheads="1"/>
+          </p:cNvPicPr>
+          <p:nvPr/>
+        </p:nvPicPr>
+        <p:blipFill rotWithShape="1">
+          <a:blip r:embed="rId2">
+            <a:extLst>
+              <a:ext uri="{28A0092B-C50C-407E-A947-70E740481C1C}">
+                <a14:useLocalDpi xmlns:a14="http://schemas.microsoft.com/office/drawing/2010/main" val="0"/>
+              </a:ext>
+            </a:extLst>
+          </a:blip>
+          <a:srcRect r="25933"/>
+          <a:stretch/>
+        </p:blipFill>
+        <p:spPr bwMode="auto">
+          <a:xfrm>
+            <a:off x="9273164" y="5237391"/>
+            <a:ext cx="2277416" cy="1103120"/>
+          </a:xfrm>
+          <a:prstGeom prst="rect">
+            <a:avLst/>
+          </a:prstGeom>
+          <a:noFill/>
+          <a:extLst>
+            <a:ext uri="{909E8E84-426E-40DD-AFC4-6F175D3DCCD1}">
+              <a14:hiddenFill xmlns:a14="http://schemas.microsoft.com/office/drawing/2010/main">
+                <a:solidFill>
+                  <a:srgbClr val="FFFFFF"/>
+                </a:solidFill>
+              </a14:hiddenFill>
+            </a:ext>
+          </a:extLst>
+        </p:spPr>
+      </p:pic>
+      <p:sp>
+        <p:nvSpPr>
+          <p:cNvPr id="8" name="Content Placeholder 6"/>
+          <p:cNvSpPr txBox="1">
+            <a:spLocks/>
+          </p:cNvSpPr>
+          <p:nvPr/>
+        </p:nvSpPr>
+        <p:spPr>
+          <a:xfrm>
+            <a:off x="596900" y="1159660"/>
+            <a:ext cx="9981890" cy="4648286"/>
+          </a:xfrm>
+          <a:prstGeom prst="rect">
+            <a:avLst/>
+          </a:prstGeom>
+        </p:spPr>
+        <p:txBody>
+          <a:bodyPr/>
+          <a:lstStyle>
+            <a:lvl1pPr marL="229617" indent="-229617" algn="l" defTabSz="1170432" rtl="0" eaLnBrk="1" latinLnBrk="0" hangingPunct="1">
+              <a:spcBef>
+                <a:spcPts val="768"/>
+              </a:spcBef>
+              <a:buClr>
+                <a:schemeClr val="accent1"/>
+              </a:buClr>
+              <a:buFont typeface="Arial" pitchFamily="34" charset="0"/>
+              <a:buChar char="•"/>
+              <a:defRPr sz="1800" kern="1200">
+                <a:solidFill>
+                  <a:srgbClr val="323232"/>
+                </a:solidFill>
+                <a:latin typeface="+mn-lt"/>
+                <a:ea typeface="+mn-ea"/>
+                <a:cs typeface="+mn-cs"/>
+              </a:defRPr>
+            </a:lvl1pPr>
+            <a:lvl2pPr marL="460375" indent="-228600" algn="l" defTabSz="1170432" rtl="0" eaLnBrk="1" latinLnBrk="0" hangingPunct="1">
+              <a:spcBef>
+                <a:spcPts val="768"/>
+              </a:spcBef>
+              <a:buClr>
+                <a:schemeClr val="accent1"/>
+              </a:buClr>
+              <a:buFont typeface="Arial" pitchFamily="34" charset="0"/>
+              <a:buChar char="–"/>
+              <a:tabLst/>
+              <a:defRPr sz="1600" kern="1200">
+                <a:solidFill>
+                  <a:srgbClr val="323232"/>
+                </a:solidFill>
+                <a:latin typeface="+mn-lt"/>
+                <a:ea typeface="+mn-ea"/>
+                <a:cs typeface="+mn-cs"/>
+              </a:defRPr>
+            </a:lvl2pPr>
+            <a:lvl3pPr marL="623888" indent="-161925" algn="l" defTabSz="1170432" rtl="0" eaLnBrk="1" latinLnBrk="0" hangingPunct="1">
+              <a:spcBef>
+                <a:spcPts val="768"/>
+              </a:spcBef>
+              <a:buClr>
+                <a:schemeClr val="accent1"/>
+              </a:buClr>
+              <a:buFont typeface="Lucida Grande"/>
+              <a:buChar char="­"/>
+              <a:tabLst/>
+              <a:defRPr sz="1400" kern="1200">
+                <a:solidFill>
+                  <a:srgbClr val="323232"/>
+                </a:solidFill>
+                <a:latin typeface="+mn-lt"/>
+                <a:ea typeface="+mn-ea"/>
+                <a:cs typeface="+mn-cs"/>
+              </a:defRPr>
+            </a:lvl3pPr>
+            <a:lvl4pPr marL="893763" indent="-179388" algn="l" defTabSz="1170432" rtl="0" eaLnBrk="1" latinLnBrk="0" hangingPunct="1">
+              <a:spcBef>
+                <a:spcPts val="768"/>
+              </a:spcBef>
+              <a:buClr>
+                <a:schemeClr val="accent1"/>
+              </a:buClr>
+              <a:buFont typeface="Arial" pitchFamily="34" charset="0"/>
+              <a:buChar char="–"/>
+              <a:tabLst/>
+              <a:defRPr sz="1200" kern="1200">
+                <a:solidFill>
+                  <a:srgbClr val="323232"/>
+                </a:solidFill>
+                <a:latin typeface="+mn-lt"/>
+                <a:ea typeface="+mn-ea"/>
+                <a:cs typeface="+mn-cs"/>
+              </a:defRPr>
+            </a:lvl4pPr>
+            <a:lvl5pPr marL="2633472" indent="-292608" algn="l" defTabSz="1170432" rtl="0" eaLnBrk="1" latinLnBrk="0" hangingPunct="1">
+              <a:spcBef>
+                <a:spcPct val="20000"/>
+              </a:spcBef>
+              <a:buFont typeface="Arial" pitchFamily="34" charset="0"/>
+              <a:buChar char="»"/>
+              <a:defRPr sz="2000" kern="1200">
+                <a:solidFill>
+                  <a:schemeClr val="tx1"/>
+                </a:solidFill>
+                <a:latin typeface="+mj-lt"/>
+                <a:ea typeface="+mn-ea"/>
+                <a:cs typeface="+mn-cs"/>
+              </a:defRPr>
+            </a:lvl5pPr>
+            <a:lvl6pPr marL="3218688" indent="-292608" algn="l" defTabSz="1170432" rtl="0" eaLnBrk="1" latinLnBrk="0" hangingPunct="1">
+              <a:spcBef>
+                <a:spcPct val="20000"/>
+              </a:spcBef>
+              <a:buFont typeface="Arial" pitchFamily="34" charset="0"/>
+              <a:buChar char="•"/>
+              <a:defRPr sz="2600" kern="1200">
+                <a:solidFill>
+                  <a:schemeClr val="tx1"/>
+                </a:solidFill>
+                <a:latin typeface="+mn-lt"/>
+                <a:ea typeface="+mn-ea"/>
+                <a:cs typeface="+mn-cs"/>
+              </a:defRPr>
+            </a:lvl6pPr>
+            <a:lvl7pPr marL="3803904" indent="-292608" algn="l" defTabSz="1170432" rtl="0" eaLnBrk="1" latinLnBrk="0" hangingPunct="1">
+              <a:spcBef>
+                <a:spcPct val="20000"/>
+              </a:spcBef>
+              <a:buFont typeface="Arial" pitchFamily="34" charset="0"/>
+              <a:buChar char="•"/>
+              <a:defRPr sz="2600" kern="1200">
+                <a:solidFill>
+                  <a:schemeClr val="tx1"/>
+                </a:solidFill>
+                <a:latin typeface="+mn-lt"/>
+                <a:ea typeface="+mn-ea"/>
+                <a:cs typeface="+mn-cs"/>
+              </a:defRPr>
+            </a:lvl7pPr>
+            <a:lvl8pPr marL="4389120" indent="-292608" algn="l" defTabSz="1170432" rtl="0" eaLnBrk="1" latinLnBrk="0" hangingPunct="1">
+              <a:spcBef>
+                <a:spcPct val="20000"/>
+              </a:spcBef>
+              <a:buFont typeface="Arial" pitchFamily="34" charset="0"/>
+              <a:buChar char="•"/>
+              <a:defRPr sz="2600" kern="1200">
+                <a:solidFill>
+                  <a:schemeClr val="tx1"/>
+                </a:solidFill>
+                <a:latin typeface="+mn-lt"/>
+                <a:ea typeface="+mn-ea"/>
+                <a:cs typeface="+mn-cs"/>
+              </a:defRPr>
+            </a:lvl8pPr>
+            <a:lvl9pPr marL="4974336" indent="-292608" algn="l" defTabSz="1170432" rtl="0" eaLnBrk="1" latinLnBrk="0" hangingPunct="1">
+              <a:spcBef>
+                <a:spcPct val="20000"/>
+              </a:spcBef>
+              <a:buFont typeface="Arial" pitchFamily="34" charset="0"/>
+              <a:buChar char="•"/>
+              <a:defRPr sz="2600" kern="1200">
+                <a:solidFill>
+                  <a:schemeClr val="tx1"/>
+                </a:solidFill>
+                <a:latin typeface="+mn-lt"/>
+                <a:ea typeface="+mn-ea"/>
+                <a:cs typeface="+mn-cs"/>
+              </a:defRPr>
+            </a:lvl9pPr>
+          </a:lstStyle>
+          <a:p>
+            <a:pPr marL="342900" indent="-342900"/>
+            <a:endParaRPr lang="en-US" sz="2400" dirty="0"/>
+          </a:p>
+        </p:txBody>
+      </p:sp>
+      <p:sp>
+        <p:nvSpPr>
+          <p:cNvPr id="7" name="Content Placeholder 6"/>
+          <p:cNvSpPr txBox="1">
+            <a:spLocks/>
+          </p:cNvSpPr>
+          <p:nvPr/>
+        </p:nvSpPr>
+        <p:spPr>
+          <a:xfrm>
+            <a:off x="749300" y="1077862"/>
+            <a:ext cx="9981890" cy="4981032"/>
+          </a:xfrm>
+          <a:prstGeom prst="rect">
+            <a:avLst/>
+          </a:prstGeom>
+        </p:spPr>
+        <p:txBody>
+          <a:bodyPr/>
+          <a:lstStyle>
+            <a:lvl1pPr marL="229617" indent="-229617" algn="l" defTabSz="1170432" rtl="0" eaLnBrk="1" latinLnBrk="0" hangingPunct="1">
+              <a:spcBef>
+                <a:spcPts val="768"/>
+              </a:spcBef>
+              <a:buClr>
+                <a:schemeClr val="accent1"/>
+              </a:buClr>
+              <a:buFont typeface="Arial" pitchFamily="34" charset="0"/>
+              <a:buChar char="•"/>
+              <a:defRPr sz="1800" kern="1200">
+                <a:solidFill>
+                  <a:srgbClr val="323232"/>
+                </a:solidFill>
+                <a:latin typeface="+mn-lt"/>
+                <a:ea typeface="+mn-ea"/>
+                <a:cs typeface="+mn-cs"/>
+              </a:defRPr>
+            </a:lvl1pPr>
+            <a:lvl2pPr marL="460375" indent="-228600" algn="l" defTabSz="1170432" rtl="0" eaLnBrk="1" latinLnBrk="0" hangingPunct="1">
+              <a:spcBef>
+                <a:spcPts val="768"/>
+              </a:spcBef>
+              <a:buClr>
+                <a:schemeClr val="accent1"/>
+              </a:buClr>
+              <a:buFont typeface="Arial" pitchFamily="34" charset="0"/>
+              <a:buChar char="–"/>
+              <a:tabLst/>
+              <a:defRPr sz="1600" kern="1200">
+                <a:solidFill>
+                  <a:srgbClr val="323232"/>
+                </a:solidFill>
+                <a:latin typeface="+mn-lt"/>
+                <a:ea typeface="+mn-ea"/>
+                <a:cs typeface="+mn-cs"/>
+              </a:defRPr>
+            </a:lvl2pPr>
+            <a:lvl3pPr marL="623888" indent="-161925" algn="l" defTabSz="1170432" rtl="0" eaLnBrk="1" latinLnBrk="0" hangingPunct="1">
+              <a:spcBef>
+                <a:spcPts val="768"/>
+              </a:spcBef>
+              <a:buClr>
+                <a:schemeClr val="accent1"/>
+              </a:buClr>
+              <a:buFont typeface="Lucida Grande"/>
+              <a:buChar char="­"/>
+              <a:tabLst/>
+              <a:defRPr sz="1400" kern="1200">
+                <a:solidFill>
+                  <a:srgbClr val="323232"/>
+                </a:solidFill>
+                <a:latin typeface="+mn-lt"/>
+                <a:ea typeface="+mn-ea"/>
+                <a:cs typeface="+mn-cs"/>
+              </a:defRPr>
+            </a:lvl3pPr>
+            <a:lvl4pPr marL="893763" indent="-179388" algn="l" defTabSz="1170432" rtl="0" eaLnBrk="1" latinLnBrk="0" hangingPunct="1">
+              <a:spcBef>
+                <a:spcPts val="768"/>
+              </a:spcBef>
+              <a:buClr>
+                <a:schemeClr val="accent1"/>
+              </a:buClr>
+              <a:buFont typeface="Arial" pitchFamily="34" charset="0"/>
+              <a:buChar char="–"/>
+              <a:tabLst/>
+              <a:defRPr sz="1200" kern="1200">
+                <a:solidFill>
+                  <a:srgbClr val="323232"/>
+                </a:solidFill>
+                <a:latin typeface="+mn-lt"/>
+                <a:ea typeface="+mn-ea"/>
+                <a:cs typeface="+mn-cs"/>
+              </a:defRPr>
+            </a:lvl4pPr>
+            <a:lvl5pPr marL="2633472" indent="-292608" algn="l" defTabSz="1170432" rtl="0" eaLnBrk="1" latinLnBrk="0" hangingPunct="1">
+              <a:spcBef>
+                <a:spcPct val="20000"/>
+              </a:spcBef>
+              <a:buFont typeface="Arial" pitchFamily="34" charset="0"/>
+              <a:buChar char="»"/>
+              <a:defRPr sz="2000" kern="1200">
+                <a:solidFill>
+                  <a:schemeClr val="tx1"/>
+                </a:solidFill>
+                <a:latin typeface="+mj-lt"/>
+                <a:ea typeface="+mn-ea"/>
+                <a:cs typeface="+mn-cs"/>
+              </a:defRPr>
+            </a:lvl5pPr>
+            <a:lvl6pPr marL="3218688" indent="-292608" algn="l" defTabSz="1170432" rtl="0" eaLnBrk="1" latinLnBrk="0" hangingPunct="1">
+              <a:spcBef>
+                <a:spcPct val="20000"/>
+              </a:spcBef>
+              <a:buFont typeface="Arial" pitchFamily="34" charset="0"/>
+              <a:buChar char="•"/>
+              <a:defRPr sz="2600" kern="1200">
+                <a:solidFill>
+                  <a:schemeClr val="tx1"/>
+                </a:solidFill>
+                <a:latin typeface="+mn-lt"/>
+                <a:ea typeface="+mn-ea"/>
+                <a:cs typeface="+mn-cs"/>
+              </a:defRPr>
+            </a:lvl6pPr>
+            <a:lvl7pPr marL="3803904" indent="-292608" algn="l" defTabSz="1170432" rtl="0" eaLnBrk="1" latinLnBrk="0" hangingPunct="1">
+              <a:spcBef>
+                <a:spcPct val="20000"/>
+              </a:spcBef>
+              <a:buFont typeface="Arial" pitchFamily="34" charset="0"/>
+              <a:buChar char="•"/>
+              <a:defRPr sz="2600" kern="1200">
+                <a:solidFill>
+                  <a:schemeClr val="tx1"/>
+                </a:solidFill>
+                <a:latin typeface="+mn-lt"/>
+                <a:ea typeface="+mn-ea"/>
+                <a:cs typeface="+mn-cs"/>
+              </a:defRPr>
+            </a:lvl7pPr>
+            <a:lvl8pPr marL="4389120" indent="-292608" algn="l" defTabSz="1170432" rtl="0" eaLnBrk="1" latinLnBrk="0" hangingPunct="1">
+              <a:spcBef>
+                <a:spcPct val="20000"/>
+              </a:spcBef>
+              <a:buFont typeface="Arial" pitchFamily="34" charset="0"/>
+              <a:buChar char="•"/>
+              <a:defRPr sz="2600" kern="1200">
+                <a:solidFill>
+                  <a:schemeClr val="tx1"/>
+                </a:solidFill>
+                <a:latin typeface="+mn-lt"/>
+                <a:ea typeface="+mn-ea"/>
+                <a:cs typeface="+mn-cs"/>
+              </a:defRPr>
+            </a:lvl8pPr>
+            <a:lvl9pPr marL="4974336" indent="-292608" algn="l" defTabSz="1170432" rtl="0" eaLnBrk="1" latinLnBrk="0" hangingPunct="1">
+              <a:spcBef>
+                <a:spcPct val="20000"/>
+              </a:spcBef>
+              <a:buFont typeface="Arial" pitchFamily="34" charset="0"/>
+              <a:buChar char="•"/>
+              <a:defRPr sz="2600" kern="1200">
+                <a:solidFill>
+                  <a:schemeClr val="tx1"/>
+                </a:solidFill>
+                <a:latin typeface="+mn-lt"/>
+                <a:ea typeface="+mn-ea"/>
+                <a:cs typeface="+mn-cs"/>
+              </a:defRPr>
+            </a:lvl9pPr>
+          </a:lstStyle>
+          <a:p>
+            <a:pPr marL="342900" indent="-342900"/>
+            <a:r>
+              <a:rPr lang="pt-PT" sz="2400" dirty="0" smtClean="0"/>
+              <a:t>DebuggedProcess</a:t>
+            </a:r>
+          </a:p>
+          <a:p>
+            <a:pPr marL="342900" indent="-342900"/>
+            <a:r>
+              <a:rPr lang="pt-PT" sz="2400" dirty="0" smtClean="0"/>
+              <a:t>EngineCallback</a:t>
+            </a:r>
+          </a:p>
+          <a:p>
+            <a:pPr marL="342900" indent="-342900"/>
+            <a:r>
+              <a:rPr lang="pt-PT" sz="2400" dirty="0" smtClean="0"/>
+              <a:t>RokuController</a:t>
+            </a:r>
+          </a:p>
+          <a:p>
+            <a:pPr marL="342900" indent="-342900"/>
+            <a:r>
+              <a:rPr lang="pt-PT" sz="2400" dirty="0" smtClean="0"/>
+              <a:t>TcpTransporter</a:t>
+            </a:r>
+          </a:p>
+          <a:p>
+            <a:pPr marL="342900" indent="-342900"/>
+            <a:r>
+              <a:rPr lang="pt-PT" sz="2400" dirty="0" smtClean="0"/>
+              <a:t>Parser</a:t>
+            </a:r>
+          </a:p>
+          <a:p>
+            <a:pPr marL="0" indent="0">
+              <a:buNone/>
+            </a:pPr>
+            <a:endParaRPr lang="pt-PT" sz="2000" dirty="0" smtClean="0"/>
+          </a:p>
+          <a:p>
+            <a:pPr marL="573658" lvl="1" indent="-342900"/>
+            <a:endParaRPr lang="pt-PT" sz="2000" dirty="0"/>
+          </a:p>
+        </p:txBody>
+      </p:sp>
+      <p:pic>
+        <p:nvPicPr>
+          <p:cNvPr id="9" name="Picture 8"/>
+          <p:cNvPicPr>
+            <a:picLocks noChangeAspect="1"/>
+          </p:cNvPicPr>
+          <p:nvPr/>
+        </p:nvPicPr>
+        <p:blipFill>
+          <a:blip r:embed="rId3"/>
+          <a:stretch>
+            <a:fillRect/>
+          </a:stretch>
+        </p:blipFill>
+        <p:spPr>
+          <a:xfrm>
+            <a:off x="4560921" y="1159659"/>
+            <a:ext cx="6954951" cy="4077731"/>
+          </a:xfrm>
+          <a:prstGeom prst="rect">
+            <a:avLst/>
+          </a:prstGeom>
+        </p:spPr>
+      </p:pic>
+    </p:spTree>
+    <p:extLst>
+      <p:ext uri="{BB962C8B-B14F-4D97-AF65-F5344CB8AC3E}">
+        <p14:creationId xmlns:p14="http://schemas.microsoft.com/office/powerpoint/2010/main" val="415741314"/>
+      </p:ext>
+    </p:extLst>
+  </p:cSld>
+  <p:clrMapOvr>
+    <a:masterClrMapping/>
+  </p:clrMapOvr>
+  <p:timing>
+    <p:tnLst>
+      <p:par>
+        <p:cTn id="1" dur="indefinite" restart="never" nodeType="tmRoot"/>
+      </p:par>
+    </p:tnLst>
+  </p:timing>
+</p:sld>
+</file>
+
+<file path=ppt/slides/slide18.xml><?xml version="1.0" encoding="utf-8"?>
+<p:sld xmlns:a="http://schemas.openxmlformats.org/drawingml/2006/main" xmlns:r="http://schemas.openxmlformats.org/officeDocument/2006/relationships" xmlns:p="http://schemas.openxmlformats.org/presentationml/2006/main">
+  <p:cSld>
+    <p:spTree>
+      <p:nvGrpSpPr>
+        <p:cNvPr id="1" name=""/>
+        <p:cNvGrpSpPr/>
+        <p:nvPr/>
+      </p:nvGrpSpPr>
+      <p:grpSpPr>
+        <a:xfrm>
+          <a:off x="0" y="0"/>
+          <a:ext cx="0" cy="0"/>
+          <a:chOff x="0" y="0"/>
+          <a:chExt cx="0" cy="0"/>
+        </a:xfrm>
+      </p:grpSpPr>
+      <p:sp>
+        <p:nvSpPr>
+          <p:cNvPr id="6" name="Title 5"/>
+          <p:cNvSpPr>
+            <a:spLocks noGrp="1"/>
+          </p:cNvSpPr>
+          <p:nvPr>
+            <p:ph type="title"/>
+          </p:nvPr>
+        </p:nvSpPr>
+        <p:spPr>
+          <a:xfrm>
+            <a:off x="596901" y="584200"/>
+            <a:ext cx="10510838" cy="520700"/>
+          </a:xfrm>
+        </p:spPr>
+        <p:txBody>
+          <a:bodyPr/>
+          <a:lstStyle/>
+          <a:p>
+            <a:r>
+              <a:rPr lang="en-US" dirty="0"/>
+              <a:t>7-</a:t>
+            </a:r>
+            <a:r>
+              <a:rPr lang="pt-PT" dirty="0"/>
+              <a:t>Integração Visual Studio</a:t>
+            </a:r>
+            <a:r>
+              <a:rPr lang="pt-PT" dirty="0"/>
+              <a:t/>
+            </a:r>
+            <a:br>
+              <a:rPr lang="pt-PT" dirty="0"/>
+            </a:br>
+            <a:r>
+              <a:rPr lang="en-US" dirty="0"/>
+              <a:t> </a:t>
+            </a:r>
+          </a:p>
+        </p:txBody>
+      </p:sp>
+      <p:sp>
+        <p:nvSpPr>
+          <p:cNvPr id="7" name="Content Placeholder 6"/>
+          <p:cNvSpPr>
+            <a:spLocks noGrp="1"/>
+          </p:cNvSpPr>
+          <p:nvPr>
+            <p:ph sz="half" idx="1"/>
+          </p:nvPr>
+        </p:nvSpPr>
+        <p:spPr>
+          <a:xfrm>
+            <a:off x="596901" y="1413208"/>
+            <a:ext cx="3331043" cy="3734780"/>
+          </a:xfrm>
+        </p:spPr>
+        <p:txBody>
+          <a:bodyPr/>
+          <a:lstStyle/>
+          <a:p>
+            <a:r>
+              <a:rPr lang="pt-PT" sz="6000" dirty="0" smtClean="0"/>
+              <a:t>Demo</a:t>
+            </a:r>
+            <a:endParaRPr lang="pt-PT" sz="6000" dirty="0"/>
+          </a:p>
+          <a:p>
+            <a:pPr marL="342900" indent="-342900">
+              <a:buFont typeface="+mj-lt"/>
+              <a:buAutoNum type="arabicPeriod"/>
+            </a:pPr>
+            <a:endParaRPr lang="en-US" sz="6600" dirty="0"/>
+          </a:p>
+        </p:txBody>
+      </p:sp>
+      <p:pic>
+        <p:nvPicPr>
+          <p:cNvPr id="1026" name="Picture 2" descr="http://files.isel-adeetc.webnode.pt/200000001-c7234c81be/50000000.png"/>
+          <p:cNvPicPr>
+            <a:picLocks noChangeAspect="1" noChangeArrowheads="1"/>
+          </p:cNvPicPr>
+          <p:nvPr/>
+        </p:nvPicPr>
+        <p:blipFill rotWithShape="1">
+          <a:blip r:embed="rId3">
+            <a:extLst>
+              <a:ext uri="{28A0092B-C50C-407E-A947-70E740481C1C}">
+                <a14:useLocalDpi xmlns:a14="http://schemas.microsoft.com/office/drawing/2010/main" val="0"/>
+              </a:ext>
+            </a:extLst>
+          </a:blip>
+          <a:srcRect r="25933"/>
+          <a:stretch/>
+        </p:blipFill>
+        <p:spPr bwMode="auto">
+          <a:xfrm>
+            <a:off x="9273164" y="5237391"/>
+            <a:ext cx="2277416" cy="1103120"/>
+          </a:xfrm>
+          <a:prstGeom prst="rect">
+            <a:avLst/>
+          </a:prstGeom>
+          <a:noFill/>
+          <a:extLst>
+            <a:ext uri="{909E8E84-426E-40DD-AFC4-6F175D3DCCD1}">
+              <a14:hiddenFill xmlns:a14="http://schemas.microsoft.com/office/drawing/2010/main">
+                <a:solidFill>
+                  <a:srgbClr val="FFFFFF"/>
+                </a:solidFill>
+              </a14:hiddenFill>
+            </a:ext>
+          </a:extLst>
+        </p:spPr>
+      </p:pic>
+    </p:spTree>
+    <p:extLst>
+      <p:ext uri="{BB962C8B-B14F-4D97-AF65-F5344CB8AC3E}">
+        <p14:creationId xmlns:p14="http://schemas.microsoft.com/office/powerpoint/2010/main" val="4187701856"/>
+      </p:ext>
+    </p:extLst>
+  </p:cSld>
+  <p:clrMapOvr>
+    <a:masterClrMapping/>
+  </p:clrMapOvr>
+  <p:timing>
+    <p:tnLst>
+      <p:par>
+        <p:cTn id="1" dur="indefinite" restart="never" nodeType="tmRoot"/>
+      </p:par>
+    </p:tnLst>
+  </p:timing>
+</p:sld>
+</file>
+
+<file path=ppt/slides/slide19.xml><?xml version="1.0" encoding="utf-8"?>
+<p:sld xmlns:a="http://schemas.openxmlformats.org/drawingml/2006/main" xmlns:r="http://schemas.openxmlformats.org/officeDocument/2006/relationships" xmlns:p="http://schemas.openxmlformats.org/presentationml/2006/main">
+  <p:cSld>
+    <p:spTree>
+      <p:nvGrpSpPr>
+        <p:cNvPr id="1" name=""/>
+        <p:cNvGrpSpPr/>
+        <p:nvPr/>
+      </p:nvGrpSpPr>
+      <p:grpSpPr>
+        <a:xfrm>
+          <a:off x="0" y="0"/>
+          <a:ext cx="0" cy="0"/>
+          <a:chOff x="0" y="0"/>
+          <a:chExt cx="0" cy="0"/>
+        </a:xfrm>
+      </p:grpSpPr>
+      <p:sp>
+        <p:nvSpPr>
+          <p:cNvPr id="2" name="Title 1"/>
+          <p:cNvSpPr>
+            <a:spLocks noGrp="1"/>
+          </p:cNvSpPr>
+          <p:nvPr>
+            <p:ph type="title"/>
+          </p:nvPr>
+        </p:nvSpPr>
+        <p:spPr>
+          <a:xfrm>
             <a:off x="551682" y="1094763"/>
             <a:ext cx="10510839" cy="3110471"/>
           </a:xfrm>
@@ -6104,6 +7685,13 @@
   <p:clrMapOvr>
     <a:masterClrMapping/>
   </p:clrMapOvr>
+  <p:timing>
+    <p:tnLst>
+      <p:par>
+        <p:cTn id="1" dur="indefinite" restart="never" nodeType="tmRoot"/>
+      </p:par>
+    </p:tnLst>
+  </p:timing>
 </p:sld>
 </file>
 
@@ -6319,6 +7907,13 @@
   <p:clrMapOvr>
     <a:masterClrMapping/>
   </p:clrMapOvr>
+  <p:timing>
+    <p:tnLst>
+      <p:par>
+        <p:cTn id="1" dur="indefinite" restart="never" nodeType="tmRoot"/>
+      </p:par>
+    </p:tnLst>
+  </p:timing>
 </p:sld>
 </file>
 
@@ -6713,6 +8308,13 @@
   <p:clrMapOvr>
     <a:masterClrMapping/>
   </p:clrMapOvr>
+  <p:timing>
+    <p:tnLst>
+      <p:par>
+        <p:cTn id="1" dur="indefinite" restart="never" nodeType="tmRoot"/>
+      </p:par>
+    </p:tnLst>
+  </p:timing>
 </p:sld>
 </file>
 
@@ -6973,6 +8575,13 @@
   <p:clrMapOvr>
     <a:masterClrMapping/>
   </p:clrMapOvr>
+  <p:timing>
+    <p:tnLst>
+      <p:par>
+        <p:cTn id="1" dur="indefinite" restart="never" nodeType="tmRoot"/>
+      </p:par>
+    </p:tnLst>
+  </p:timing>
 </p:sld>
 </file>
 
@@ -7134,6 +8743,13 @@
   <p:clrMapOvr>
     <a:masterClrMapping/>
   </p:clrMapOvr>
+  <p:timing>
+    <p:tnLst>
+      <p:par>
+        <p:cTn id="1" dur="indefinite" restart="never" nodeType="tmRoot"/>
+      </p:par>
+    </p:tnLst>
+  </p:timing>
 </p:sld>
 </file>
 
@@ -7385,6 +9001,13 @@
   <p:clrMapOvr>
     <a:masterClrMapping/>
   </p:clrMapOvr>
+  <p:timing>
+    <p:tnLst>
+      <p:par>
+        <p:cTn id="1" dur="indefinite" restart="never" nodeType="tmRoot"/>
+      </p:par>
+    </p:tnLst>
+  </p:timing>
 </p:sld>
 </file>
 
@@ -7620,6 +9243,13 @@
   <p:clrMapOvr>
     <a:masterClrMapping/>
   </p:clrMapOvr>
+  <p:timing>
+    <p:tnLst>
+      <p:par>
+        <p:cTn id="1" dur="indefinite" restart="never" nodeType="tmRoot"/>
+      </p:par>
+    </p:tnLst>
+  </p:timing>
 </p:sld>
 </file>
 
@@ -7834,6 +9464,13 @@
   <p:clrMapOvr>
     <a:masterClrMapping/>
   </p:clrMapOvr>
+  <p:timing>
+    <p:tnLst>
+      <p:par>
+        <p:cTn id="1" dur="indefinite" restart="never" nodeType="tmRoot"/>
+      </p:par>
+    </p:tnLst>
+  </p:timing>
 </p:sld>
 </file>
 
@@ -8196,6 +9833,13 @@
   <p:clrMapOvr>
     <a:masterClrMapping/>
   </p:clrMapOvr>
+  <p:timing>
+    <p:tnLst>
+      <p:par>
+        <p:cTn id="1" dur="indefinite" restart="never" nodeType="tmRoot"/>
+      </p:par>
+    </p:tnLst>
+  </p:timing>
 </p:sld>
 </file>
 

--- a/doc/10-Apresentação.pptx
+++ b/doc/10-Apresentação.pptx
@@ -5,10 +5,10 @@
     <p:sldMasterId id="2147483656" r:id="rId1"/>
   </p:sldMasterIdLst>
   <p:notesMasterIdLst>
-    <p:notesMasterId r:id="rId21"/>
+    <p:notesMasterId r:id="rId23"/>
   </p:notesMasterIdLst>
   <p:handoutMasterIdLst>
-    <p:handoutMasterId r:id="rId22"/>
+    <p:handoutMasterId r:id="rId24"/>
   </p:handoutMasterIdLst>
   <p:sldIdLst>
     <p:sldId id="259" r:id="rId2"/>
@@ -25,11 +25,13 @@
     <p:sldId id="359" r:id="rId13"/>
     <p:sldId id="367" r:id="rId14"/>
     <p:sldId id="360" r:id="rId15"/>
-    <p:sldId id="368" r:id="rId16"/>
-    <p:sldId id="370" r:id="rId17"/>
-    <p:sldId id="371" r:id="rId18"/>
-    <p:sldId id="369" r:id="rId19"/>
-    <p:sldId id="282" r:id="rId20"/>
+    <p:sldId id="372" r:id="rId16"/>
+    <p:sldId id="368" r:id="rId17"/>
+    <p:sldId id="370" r:id="rId18"/>
+    <p:sldId id="371" r:id="rId19"/>
+    <p:sldId id="369" r:id="rId20"/>
+    <p:sldId id="373" r:id="rId21"/>
+    <p:sldId id="282" r:id="rId22"/>
   </p:sldIdLst>
   <p:sldSz cx="11704638" cy="6583363"/>
   <p:notesSz cx="6797675" cy="9928225"/>
@@ -147,10 +149,12 @@
             <p14:sldId id="359"/>
             <p14:sldId id="367"/>
             <p14:sldId id="360"/>
+            <p14:sldId id="372"/>
             <p14:sldId id="368"/>
             <p14:sldId id="370"/>
             <p14:sldId id="371"/>
             <p14:sldId id="369"/>
+            <p14:sldId id="373"/>
             <p14:sldId id="282"/>
           </p14:sldIdLst>
         </p14:section>
@@ -287,7 +291,7 @@
             </a:lvl1pPr>
           </a:lstStyle>
           <a:p>
-            <a:endParaRPr lang="en-GB"/>
+            <a:endParaRPr lang="en-GB" dirty="0"/>
           </a:p>
         </p:txBody>
       </p:sp>
@@ -320,7 +324,7 @@
           <a:p>
             <a:fld id="{D332FDB8-6624-44F2-B55F-76766B54F52E}" type="datetimeFigureOut">
               <a:rPr lang="en-GB" smtClean="0"/>
-              <a:t>01/02/2017</a:t>
+              <a:t>02/02/2017</a:t>
             </a:fld>
             <a:endParaRPr lang="en-GB" dirty="0"/>
           </a:p>
@@ -353,7 +357,7 @@
             </a:lvl1pPr>
           </a:lstStyle>
           <a:p>
-            <a:endParaRPr lang="en-GB"/>
+            <a:endParaRPr lang="en-GB" dirty="0"/>
           </a:p>
         </p:txBody>
       </p:sp>
@@ -388,7 +392,7 @@
               <a:rPr lang="en-GB" smtClean="0"/>
               <a:t>‹#›</a:t>
             </a:fld>
-            <a:endParaRPr lang="en-GB"/>
+            <a:endParaRPr lang="en-GB" dirty="0"/>
           </a:p>
         </p:txBody>
       </p:sp>
@@ -452,7 +456,7 @@
             </a:lvl1pPr>
           </a:lstStyle>
           <a:p>
-            <a:endParaRPr lang="en-US"/>
+            <a:endParaRPr lang="en-US" dirty="0"/>
           </a:p>
         </p:txBody>
       </p:sp>
@@ -485,9 +489,9 @@
           <a:p>
             <a:fld id="{0A6461F5-529A-C842-AC66-1C38DB5F2C5F}" type="datetimeFigureOut">
               <a:rPr lang="en-US" smtClean="0"/>
-              <a:t>2/1/2017</a:t>
+              <a:t>2/2/2017</a:t>
             </a:fld>
-            <a:endParaRPr lang="en-US"/>
+            <a:endParaRPr lang="en-US" dirty="0"/>
           </a:p>
         </p:txBody>
       </p:sp>
@@ -520,7 +524,7 @@
           <a:bodyPr vert="horz" lIns="91440" tIns="45720" rIns="91440" bIns="45720" rtlCol="0" anchor="ctr"/>
           <a:lstStyle/>
           <a:p>
-            <a:endParaRPr lang="en-US"/>
+            <a:endParaRPr lang="en-US" dirty="0"/>
           </a:p>
         </p:txBody>
       </p:sp>
@@ -611,7 +615,7 @@
             </a:lvl1pPr>
           </a:lstStyle>
           <a:p>
-            <a:endParaRPr lang="en-US"/>
+            <a:endParaRPr lang="en-US" dirty="0"/>
           </a:p>
         </p:txBody>
       </p:sp>
@@ -646,7 +650,7 @@
               <a:rPr lang="en-US" smtClean="0"/>
               <a:t>‹#›</a:t>
             </a:fld>
-            <a:endParaRPr lang="en-US"/>
+            <a:endParaRPr lang="en-US" dirty="0"/>
           </a:p>
         </p:txBody>
       </p:sp>
@@ -1049,9 +1053,9 @@
           <a:p>
             <a:fld id="{75DDEA6C-8F12-2946-8FEA-AB499F257480}" type="slidenum">
               <a:rPr lang="en-US" smtClean="0"/>
-              <a:t>18</a:t>
+              <a:t>19</a:t>
             </a:fld>
-            <a:endParaRPr lang="en-US"/>
+            <a:endParaRPr lang="en-US" dirty="0"/>
           </a:p>
         </p:txBody>
       </p:sp>
@@ -1059,6 +1063,321 @@
     <p:extLst>
       <p:ext uri="{BB962C8B-B14F-4D97-AF65-F5344CB8AC3E}">
         <p14:creationId xmlns:p14="http://schemas.microsoft.com/office/powerpoint/2010/main" val="4226071021"/>
+      </p:ext>
+    </p:extLst>
+  </p:cSld>
+  <p:clrMapOvr>
+    <a:masterClrMapping/>
+  </p:clrMapOvr>
+</p:notes>
+</file>
+
+<file path=ppt/notesSlides/notesSlide2.xml><?xml version="1.0" encoding="utf-8"?>
+<p:notes xmlns:a="http://schemas.openxmlformats.org/drawingml/2006/main" xmlns:r="http://schemas.openxmlformats.org/officeDocument/2006/relationships" xmlns:p="http://schemas.openxmlformats.org/presentationml/2006/main">
+  <p:cSld>
+    <p:spTree>
+      <p:nvGrpSpPr>
+        <p:cNvPr id="1" name=""/>
+        <p:cNvGrpSpPr/>
+        <p:nvPr/>
+      </p:nvGrpSpPr>
+      <p:grpSpPr>
+        <a:xfrm>
+          <a:off x="0" y="0"/>
+          <a:ext cx="0" cy="0"/>
+          <a:chOff x="0" y="0"/>
+          <a:chExt cx="0" cy="0"/>
+        </a:xfrm>
+      </p:grpSpPr>
+      <p:sp>
+        <p:nvSpPr>
+          <p:cNvPr id="2" name="Slide Image Placeholder 1"/>
+          <p:cNvSpPr>
+            <a:spLocks noGrp="1" noRot="1" noChangeAspect="1"/>
+          </p:cNvSpPr>
+          <p:nvPr>
+            <p:ph type="sldImg"/>
+          </p:nvPr>
+        </p:nvSpPr>
+        <p:spPr/>
+      </p:sp>
+      <p:sp>
+        <p:nvSpPr>
+          <p:cNvPr id="3" name="Notes Placeholder 2"/>
+          <p:cNvSpPr>
+            <a:spLocks noGrp="1"/>
+          </p:cNvSpPr>
+          <p:nvPr>
+            <p:ph type="body" idx="1"/>
+          </p:nvPr>
+        </p:nvSpPr>
+        <p:spPr/>
+        <p:txBody>
+          <a:bodyPr/>
+          <a:lstStyle/>
+          <a:p>
+            <a:pPr marL="285750" indent="-285750" fontAlgn="ctr">
+              <a:buFont typeface="Arial" panose="020B0604020202020204" pitchFamily="34" charset="0"/>
+              <a:buChar char="•"/>
+            </a:pPr>
+            <a:r>
+              <a:rPr lang="pt-PT" sz="1600" b="1" dirty="0" smtClean="0"/>
+              <a:t>Create project</a:t>
+            </a:r>
+            <a:endParaRPr lang="pt-PT" sz="1200" dirty="0" smtClean="0"/>
+          </a:p>
+          <a:p>
+            <a:pPr marL="870966" lvl="1" indent="-285750" fontAlgn="ctr">
+              <a:buFont typeface="Arial" panose="020B0604020202020204" pitchFamily="34" charset="0"/>
+              <a:buChar char="•"/>
+            </a:pPr>
+            <a:r>
+              <a:rPr lang="pt-PT" sz="1600" b="1" dirty="0" smtClean="0"/>
+              <a:t>Add file</a:t>
+            </a:r>
+            <a:endParaRPr lang="pt-PT" sz="1200" dirty="0" smtClean="0"/>
+          </a:p>
+          <a:p>
+            <a:pPr marL="285750" indent="-285750" fontAlgn="ctr">
+              <a:buFont typeface="Arial" panose="020B0604020202020204" pitchFamily="34" charset="0"/>
+              <a:buChar char="•"/>
+            </a:pPr>
+            <a:r>
+              <a:rPr lang="pt-PT" sz="1600" b="1" dirty="0" smtClean="0"/>
+              <a:t>Snake</a:t>
+            </a:r>
+            <a:endParaRPr lang="pt-PT" sz="1200" dirty="0" smtClean="0"/>
+          </a:p>
+          <a:p>
+            <a:pPr marL="870966" lvl="1" indent="-285750" fontAlgn="ctr">
+              <a:buFont typeface="Arial" panose="020B0604020202020204" pitchFamily="34" charset="0"/>
+              <a:buChar char="•"/>
+            </a:pPr>
+            <a:r>
+              <a:rPr lang="pt-PT" sz="1600" b="1" dirty="0" smtClean="0"/>
+              <a:t>Show classification</a:t>
+            </a:r>
+            <a:endParaRPr lang="pt-PT" sz="1200" dirty="0" smtClean="0"/>
+          </a:p>
+          <a:p>
+            <a:pPr marL="870966" lvl="1" indent="-285750" fontAlgn="ctr">
+              <a:buFont typeface="Arial" panose="020B0604020202020204" pitchFamily="34" charset="0"/>
+              <a:buChar char="•"/>
+            </a:pPr>
+            <a:r>
+              <a:rPr lang="pt-PT" sz="1600" b="1" dirty="0" smtClean="0"/>
+              <a:t>Show intellisense</a:t>
+            </a:r>
+            <a:endParaRPr lang="pt-PT" sz="1200" dirty="0" smtClean="0"/>
+          </a:p>
+          <a:p>
+            <a:pPr marL="870966" lvl="1" indent="-285750" fontAlgn="ctr">
+              <a:buFont typeface="Arial" panose="020B0604020202020204" pitchFamily="34" charset="0"/>
+              <a:buChar char="•"/>
+            </a:pPr>
+            <a:r>
+              <a:rPr lang="pt-PT" sz="1600" b="1" dirty="0" smtClean="0"/>
+              <a:t>Show Error Validation</a:t>
+            </a:r>
+            <a:endParaRPr lang="pt-PT" sz="1200" dirty="0" smtClean="0"/>
+          </a:p>
+          <a:p>
+            <a:pPr marL="1456182" lvl="2" indent="-285750" fontAlgn="ctr">
+              <a:buFont typeface="Arial" panose="020B0604020202020204" pitchFamily="34" charset="0"/>
+              <a:buChar char="•"/>
+            </a:pPr>
+            <a:r>
+              <a:rPr lang="pt-PT" sz="1600" b="1" dirty="0" smtClean="0"/>
+              <a:t>Inline</a:t>
+            </a:r>
+            <a:endParaRPr lang="pt-PT" sz="1200" dirty="0" smtClean="0"/>
+          </a:p>
+          <a:p>
+            <a:pPr marL="1456182" lvl="2" indent="-285750" fontAlgn="ctr">
+              <a:buFont typeface="Arial" panose="020B0604020202020204" pitchFamily="34" charset="0"/>
+              <a:buChar char="•"/>
+            </a:pPr>
+            <a:r>
+              <a:rPr lang="pt-PT" sz="1600" b="1" dirty="0" smtClean="0"/>
+              <a:t>Error window</a:t>
+            </a:r>
+            <a:endParaRPr lang="pt-PT" sz="1200" dirty="0" smtClean="0"/>
+          </a:p>
+          <a:p>
+            <a:pPr marL="870966" lvl="1" indent="-285750" fontAlgn="ctr">
+              <a:buFont typeface="Arial" panose="020B0604020202020204" pitchFamily="34" charset="0"/>
+              <a:buChar char="•"/>
+            </a:pPr>
+            <a:r>
+              <a:rPr lang="pt-PT" sz="1600" b="1" dirty="0" smtClean="0"/>
+              <a:t>Show Remote window</a:t>
+            </a:r>
+            <a:endParaRPr lang="pt-PT" sz="1200" dirty="0" smtClean="0"/>
+          </a:p>
+          <a:p>
+            <a:pPr marL="870966" lvl="1" indent="-285750" fontAlgn="ctr">
+              <a:buFont typeface="Arial" panose="020B0604020202020204" pitchFamily="34" charset="0"/>
+              <a:buChar char="•"/>
+            </a:pPr>
+            <a:r>
+              <a:rPr lang="pt-PT" sz="1600" b="1" dirty="0" smtClean="0"/>
+              <a:t>Show ScreenShot window</a:t>
+            </a:r>
+            <a:endParaRPr lang="pt-PT" sz="1200" dirty="0" smtClean="0"/>
+          </a:p>
+          <a:p>
+            <a:pPr marL="870966" lvl="1" indent="-285750" fontAlgn="ctr">
+              <a:buFont typeface="Arial" panose="020B0604020202020204" pitchFamily="34" charset="0"/>
+              <a:buChar char="•"/>
+            </a:pPr>
+            <a:r>
+              <a:rPr lang="pt-PT" sz="1600" b="1" dirty="0" smtClean="0"/>
+              <a:t>Show Deploy</a:t>
+            </a:r>
+            <a:endParaRPr lang="pt-PT" sz="1200" dirty="0" smtClean="0"/>
+          </a:p>
+          <a:p>
+            <a:pPr marL="870966" lvl="1" indent="-285750" fontAlgn="ctr">
+              <a:buFont typeface="Arial" panose="020B0604020202020204" pitchFamily="34" charset="0"/>
+              <a:buChar char="•"/>
+            </a:pPr>
+            <a:r>
+              <a:rPr lang="pt-PT" sz="1600" b="1" dirty="0" smtClean="0"/>
+              <a:t>Show Debug</a:t>
+            </a:r>
+            <a:endParaRPr lang="pt-PT" sz="1200" dirty="0" smtClean="0"/>
+          </a:p>
+          <a:p>
+            <a:pPr marL="1456182" lvl="2" indent="-285750" fontAlgn="ctr">
+              <a:buFont typeface="Arial" panose="020B0604020202020204" pitchFamily="34" charset="0"/>
+              <a:buChar char="•"/>
+            </a:pPr>
+            <a:r>
+              <a:rPr lang="pt-PT" sz="1600" b="1" dirty="0" smtClean="0"/>
+              <a:t>Enter debug mode</a:t>
+            </a:r>
+            <a:endParaRPr lang="pt-PT" sz="1200" dirty="0" smtClean="0"/>
+          </a:p>
+          <a:p>
+            <a:pPr marL="1456182" lvl="2" indent="-285750" fontAlgn="ctr">
+              <a:buFont typeface="Arial" panose="020B0604020202020204" pitchFamily="34" charset="0"/>
+              <a:buChar char="•"/>
+            </a:pPr>
+            <a:r>
+              <a:rPr lang="pt-PT" sz="1600" b="1" dirty="0" smtClean="0"/>
+              <a:t>Show output</a:t>
+            </a:r>
+            <a:endParaRPr lang="pt-PT" sz="1200" dirty="0" smtClean="0"/>
+          </a:p>
+          <a:p>
+            <a:pPr marL="1456182" lvl="2" indent="-285750" fontAlgn="ctr">
+              <a:buFont typeface="Arial" panose="020B0604020202020204" pitchFamily="34" charset="0"/>
+              <a:buChar char="•"/>
+            </a:pPr>
+            <a:r>
+              <a:rPr lang="pt-PT" sz="1600" b="1" dirty="0" smtClean="0"/>
+              <a:t>Navigate call stack</a:t>
+            </a:r>
+            <a:endParaRPr lang="pt-PT" sz="1200" dirty="0" smtClean="0"/>
+          </a:p>
+          <a:p>
+            <a:pPr marL="1456182" lvl="2" indent="-285750" fontAlgn="ctr">
+              <a:buFont typeface="Arial" panose="020B0604020202020204" pitchFamily="34" charset="0"/>
+              <a:buChar char="•"/>
+            </a:pPr>
+            <a:r>
+              <a:rPr lang="pt-PT" sz="1600" b="1" dirty="0" smtClean="0"/>
+              <a:t>Show locals window</a:t>
+            </a:r>
+            <a:endParaRPr lang="pt-PT" sz="1200" dirty="0" smtClean="0"/>
+          </a:p>
+          <a:p>
+            <a:pPr marL="2041398" lvl="3" indent="-285750" fontAlgn="ctr">
+              <a:buFont typeface="Arial" panose="020B0604020202020204" pitchFamily="34" charset="0"/>
+              <a:buChar char="•"/>
+            </a:pPr>
+            <a:r>
+              <a:rPr lang="pt-PT" sz="1600" b="1" dirty="0" smtClean="0"/>
+              <a:t>Expand variable</a:t>
+            </a:r>
+            <a:endParaRPr lang="pt-PT" sz="1200" dirty="0" smtClean="0"/>
+          </a:p>
+          <a:p>
+            <a:pPr marL="1456182" lvl="2" indent="-285750" fontAlgn="ctr">
+              <a:buFont typeface="Arial" panose="020B0604020202020204" pitchFamily="34" charset="0"/>
+              <a:buChar char="•"/>
+            </a:pPr>
+            <a:r>
+              <a:rPr lang="pt-PT" sz="1600" b="1" dirty="0" smtClean="0"/>
+              <a:t>Show watch window</a:t>
+            </a:r>
+            <a:endParaRPr lang="pt-PT" sz="1200" dirty="0" smtClean="0"/>
+          </a:p>
+          <a:p>
+            <a:pPr marL="2041398" lvl="3" indent="-285750" fontAlgn="ctr">
+              <a:buFont typeface="Arial" panose="020B0604020202020204" pitchFamily="34" charset="0"/>
+              <a:buChar char="•"/>
+            </a:pPr>
+            <a:r>
+              <a:rPr lang="pt-PT" sz="1600" b="1" dirty="0" smtClean="0"/>
+              <a:t>Add to watch</a:t>
+            </a:r>
+            <a:endParaRPr lang="pt-PT" sz="1200" dirty="0" smtClean="0"/>
+          </a:p>
+          <a:p>
+            <a:pPr marL="1456182" lvl="2" indent="-285750" fontAlgn="ctr">
+              <a:buFont typeface="Arial" panose="020B0604020202020204" pitchFamily="34" charset="0"/>
+              <a:buChar char="•"/>
+            </a:pPr>
+            <a:r>
+              <a:rPr lang="pt-PT" sz="1600" b="1" dirty="0" smtClean="0"/>
+              <a:t>Step </a:t>
+            </a:r>
+            <a:endParaRPr lang="pt-PT" sz="1200" dirty="0" smtClean="0"/>
+          </a:p>
+          <a:p>
+            <a:pPr marL="1456182" lvl="2" indent="-285750" fontAlgn="ctr">
+              <a:buFont typeface="Arial" panose="020B0604020202020204" pitchFamily="34" charset="0"/>
+              <a:buChar char="•"/>
+            </a:pPr>
+            <a:r>
+              <a:rPr lang="pt-PT" sz="1600" b="1" dirty="0" smtClean="0"/>
+              <a:t>Continue</a:t>
+            </a:r>
+            <a:endParaRPr lang="pt-PT" sz="1200" dirty="0" smtClean="0"/>
+          </a:p>
+          <a:p>
+            <a:endParaRPr lang="en-GB" dirty="0"/>
+          </a:p>
+        </p:txBody>
+      </p:sp>
+      <p:sp>
+        <p:nvSpPr>
+          <p:cNvPr id="4" name="Slide Number Placeholder 3"/>
+          <p:cNvSpPr>
+            <a:spLocks noGrp="1"/>
+          </p:cNvSpPr>
+          <p:nvPr>
+            <p:ph type="sldNum" sz="quarter" idx="10"/>
+          </p:nvPr>
+        </p:nvSpPr>
+        <p:spPr/>
+        <p:txBody>
+          <a:bodyPr/>
+          <a:lstStyle/>
+          <a:p>
+            <a:fld id="{75DDEA6C-8F12-2946-8FEA-AB499F257480}" type="slidenum">
+              <a:rPr lang="en-US" smtClean="0"/>
+              <a:t>20</a:t>
+            </a:fld>
+            <a:endParaRPr lang="en-US" dirty="0"/>
+          </a:p>
+        </p:txBody>
+      </p:sp>
+    </p:spTree>
+    <p:extLst>
+      <p:ext uri="{BB962C8B-B14F-4D97-AF65-F5344CB8AC3E}">
+        <p14:creationId xmlns:p14="http://schemas.microsoft.com/office/powerpoint/2010/main" val="766549501"/>
       </p:ext>
     </p:extLst>
   </p:cSld>
@@ -3524,7 +3843,7 @@
               <a:t>Program	: </a:t>
             </a:r>
             <a:r>
-              <a:rPr lang="en-GB" sz="1600" b="1" dirty="0" err="1"/>
+              <a:rPr lang="en-GB" sz="1600" b="1" dirty="0"/>
               <a:t>SourceElements</a:t>
             </a:r>
             <a:r>
@@ -3540,7 +3859,7 @@
               <a:t>$$ = </a:t>
             </a:r>
             <a:r>
-              <a:rPr lang="en-GB" sz="1600" b="1" dirty="0" err="1"/>
+              <a:rPr lang="en-GB" sz="1600" b="1" dirty="0"/>
               <a:t>BuildProgramNode</a:t>
             </a:r>
             <a:r>
@@ -3557,7 +3876,7 @@
           </a:p>
           <a:p>
             <a:r>
-              <a:rPr lang="en-GB" sz="1600" b="1" dirty="0" err="1"/>
+              <a:rPr lang="en-GB" sz="1600" b="1" dirty="0"/>
               <a:t>SourceElements</a:t>
             </a:r>
             <a:endParaRPr lang="en-GB" sz="1600" b="1" dirty="0"/>
@@ -3568,7 +3887,7 @@
               <a:t>	: </a:t>
             </a:r>
             <a:r>
-              <a:rPr lang="en-GB" sz="1600" b="1" dirty="0" err="1"/>
+              <a:rPr lang="en-GB" sz="1600" b="1" dirty="0"/>
               <a:t>EolOpt</a:t>
             </a:r>
             <a:r>
@@ -3592,7 +3911,7 @@
               <a:t>$$ = </a:t>
             </a:r>
             <a:r>
-              <a:rPr lang="en-GB" sz="1600" b="1" dirty="0" err="1"/>
+              <a:rPr lang="en-GB" sz="1600" b="1" dirty="0"/>
               <a:t>BuildSourceElementsNode</a:t>
             </a:r>
             <a:r>
@@ -3606,7 +3925,7 @@
               <a:t>	| </a:t>
             </a:r>
             <a:r>
-              <a:rPr lang="en-GB" sz="1600" b="1" dirty="0" err="1"/>
+              <a:rPr lang="en-GB" sz="1600" b="1" dirty="0"/>
               <a:t>EolOpt</a:t>
             </a:r>
             <a:r>
@@ -3614,7 +3933,7 @@
               <a:t> </a:t>
             </a:r>
             <a:r>
-              <a:rPr lang="en-GB" sz="1600" b="1" dirty="0" err="1"/>
+              <a:rPr lang="en-GB" sz="1600" b="1" dirty="0"/>
               <a:t>SourceElement</a:t>
             </a:r>
             <a:r>
@@ -3622,7 +3941,7 @@
               <a:t> </a:t>
             </a:r>
             <a:r>
-              <a:rPr lang="en-GB" sz="1600" b="1" dirty="0" err="1"/>
+              <a:rPr lang="en-GB" sz="1600" b="1" dirty="0"/>
               <a:t>SourceElements</a:t>
             </a:r>
             <a:r>
@@ -3630,7 +3949,7 @@
               <a:t>	{ $$ = </a:t>
             </a:r>
             <a:r>
-              <a:rPr lang="en-GB" sz="1600" b="1" dirty="0" err="1" smtClean="0"/>
+              <a:rPr lang="en-GB" sz="1600" b="1" dirty="0" smtClean="0"/>
               <a:t>BuildSourceElementsNode</a:t>
             </a:r>
             <a:r>
@@ -3649,7 +3968,7 @@
           </a:p>
           <a:p>
             <a:r>
-              <a:rPr lang="en-GB" sz="1600" b="1" dirty="0" err="1"/>
+              <a:rPr lang="en-GB" sz="1600" b="1" dirty="0"/>
               <a:t>SourceElement</a:t>
             </a:r>
             <a:endParaRPr lang="en-GB" sz="1600" b="1" dirty="0"/>
@@ -3660,7 +3979,7 @@
               <a:t>	: </a:t>
             </a:r>
             <a:r>
-              <a:rPr lang="en-GB" sz="1600" b="1" dirty="0" err="1"/>
+              <a:rPr lang="en-GB" sz="1600" b="1" dirty="0"/>
               <a:t>SubDeclaration</a:t>
             </a:r>
             <a:r>
@@ -3676,7 +3995,7 @@
               <a:t>$$ = </a:t>
             </a:r>
             <a:r>
-              <a:rPr lang="en-GB" sz="1600" b="1" dirty="0" err="1"/>
+              <a:rPr lang="en-GB" sz="1600" b="1" dirty="0"/>
               <a:t>BuildSourceElementNode</a:t>
             </a:r>
             <a:r>
@@ -3690,7 +4009,7 @@
               <a:t>	| </a:t>
             </a:r>
             <a:r>
-              <a:rPr lang="en-GB" sz="1600" b="1" dirty="0" err="1"/>
+              <a:rPr lang="en-GB" sz="1600" b="1" dirty="0"/>
               <a:t>FunctionDeclaration</a:t>
             </a:r>
             <a:r>
@@ -3698,7 +4017,7 @@
               <a:t>		{ $$ = </a:t>
             </a:r>
             <a:r>
-              <a:rPr lang="en-GB" sz="1600" b="1" dirty="0" err="1"/>
+              <a:rPr lang="en-GB" sz="1600" b="1" dirty="0"/>
               <a:t>BuildSourceElementNode</a:t>
             </a:r>
             <a:r>
@@ -3712,7 +4031,7 @@
               <a:t>	| </a:t>
             </a:r>
             <a:r>
-              <a:rPr lang="en-GB" sz="1600" b="1" dirty="0" err="1"/>
+              <a:rPr lang="en-GB" sz="1600" b="1" dirty="0"/>
               <a:t>bsLibrary</a:t>
             </a:r>
             <a:r>
@@ -3720,7 +4039,7 @@
               <a:t> </a:t>
             </a:r>
             <a:r>
-              <a:rPr lang="en-GB" sz="1600" b="1" dirty="0" err="1"/>
+              <a:rPr lang="en-GB" sz="1600" b="1" dirty="0"/>
               <a:t>bsStr</a:t>
             </a:r>
             <a:endParaRPr lang="en-GB" sz="1600" b="1" dirty="0"/>
@@ -4584,17 +4903,10 @@
           <a:p>
             <a:pPr marL="573658" lvl="1" indent="-342900"/>
             <a:r>
-              <a:rPr lang="en-US" sz="2200" dirty="0"/>
-              <a:t>Remover </a:t>
-            </a:r>
-            <a:r>
-              <a:rPr lang="en-US" sz="2200" dirty="0" err="1"/>
-              <a:t>código</a:t>
-            </a:r>
-            <a:r>
-              <a:rPr lang="en-US" sz="2200" dirty="0"/>
-              <a:t> de debug</a:t>
-            </a:r>
+              <a:rPr lang="en-US" sz="2200" dirty="0" smtClean="0"/>
+              <a:t>Remove debug code</a:t>
+            </a:r>
+            <a:endParaRPr lang="en-US" sz="2200" dirty="0"/>
           </a:p>
           <a:p>
             <a:pPr marL="342900" indent="-342900"/>
@@ -4620,12 +4932,12 @@
           <a:p>
             <a:pPr marL="573658" lvl="1" indent="-342900"/>
             <a:r>
-              <a:rPr lang="en-US" sz="2200" dirty="0" err="1"/>
-              <a:t>Muiti</a:t>
+              <a:rPr lang="en-US" sz="2200" dirty="0" smtClean="0"/>
+              <a:t>Multi-part </a:t>
             </a:r>
             <a:r>
               <a:rPr lang="en-US" sz="2200" dirty="0"/>
-              <a:t>-part form</a:t>
+              <a:t>form</a:t>
             </a:r>
           </a:p>
         </p:txBody>
@@ -5138,7 +5450,7 @@
           </a:p>
           <a:p>
             <a:pPr marL="342900" indent="-342900"/>
-            <a:endParaRPr lang="en-US" sz="2400" dirty="0" err="1" smtClean="0"/>
+            <a:endParaRPr lang="en-US" sz="2400" dirty="0" smtClean="0"/>
           </a:p>
         </p:txBody>
       </p:sp>
@@ -6207,111 +6519,45 @@
           <a:p>
             <a:pPr marL="342900" indent="-342900"/>
             <a:r>
-              <a:rPr lang="en-US" sz="2400" dirty="0"/>
-              <a:t>Project Type</a:t>
+              <a:rPr lang="pt-PT" sz="3200" dirty="0" smtClean="0"/>
+              <a:t>Used Extension Points</a:t>
             </a:r>
           </a:p>
           <a:p>
             <a:pPr marL="573658" lvl="1" indent="-342900"/>
             <a:r>
-              <a:rPr lang="pt-PT" sz="2200" dirty="0" smtClean="0"/>
-              <a:t>Main project</a:t>
+              <a:rPr lang="pt-PT" sz="2800" dirty="0" smtClean="0"/>
+              <a:t>Project Template</a:t>
             </a:r>
           </a:p>
           <a:p>
             <a:pPr marL="573658" lvl="1" indent="-342900"/>
             <a:r>
-              <a:rPr lang="pt-PT" sz="2200" dirty="0" smtClean="0"/>
-              <a:t>Installer</a:t>
+              <a:rPr lang="pt-PT" sz="2800" dirty="0" smtClean="0"/>
+              <a:t>Item Template</a:t>
             </a:r>
           </a:p>
           <a:p>
             <a:pPr marL="573658" lvl="1" indent="-342900"/>
             <a:r>
-              <a:rPr lang="pt-PT" sz="2200" dirty="0" smtClean="0"/>
-              <a:t>Project/Item Templates</a:t>
-            </a:r>
-          </a:p>
-          <a:p>
-            <a:pPr marL="342900" indent="-342900"/>
-            <a:r>
-              <a:rPr lang="pt-PT" sz="2400" dirty="0" smtClean="0"/>
-              <a:t>Builder/Deploy</a:t>
+              <a:rPr lang="pt-PT" sz="2800" dirty="0" smtClean="0"/>
+              <a:t>VsPackage</a:t>
             </a:r>
           </a:p>
           <a:p>
             <a:pPr marL="573658" lvl="1" indent="-342900"/>
             <a:r>
-              <a:rPr lang="pt-PT" sz="2200" dirty="0" smtClean="0"/>
-              <a:t>Build tasks</a:t>
-            </a:r>
-          </a:p>
-          <a:p>
-            <a:pPr marL="342900" indent="-342900"/>
-            <a:r>
-              <a:rPr lang="pt-PT" sz="2400" dirty="0" smtClean="0"/>
-              <a:t>Editor Extensions</a:t>
-            </a:r>
-          </a:p>
-          <a:p>
-            <a:pPr marL="573658" lvl="1" indent="-342900"/>
-            <a:r>
-              <a:rPr lang="pt-PT" sz="2200" dirty="0" smtClean="0"/>
-              <a:t>Laguage service</a:t>
-            </a:r>
-          </a:p>
-          <a:p>
-            <a:pPr marL="342900" indent="-342900"/>
-            <a:r>
-              <a:rPr lang="pt-PT" sz="2400" dirty="0" smtClean="0"/>
-              <a:t>Debugger integration</a:t>
-            </a:r>
-          </a:p>
-          <a:p>
-            <a:pPr marL="573658" lvl="1" indent="-342900"/>
-            <a:r>
-              <a:rPr lang="pt-PT" sz="2200" dirty="0" smtClean="0"/>
-              <a:t>Debugger Engine</a:t>
-            </a:r>
-          </a:p>
-          <a:p>
-            <a:pPr marL="573658" lvl="1" indent="-342900"/>
-            <a:r>
-              <a:rPr lang="pt-PT" sz="2200" dirty="0" smtClean="0"/>
-              <a:t>Telnet</a:t>
-            </a:r>
-            <a:endParaRPr lang="pt-PT" sz="2200" dirty="0"/>
+              <a:rPr lang="pt-PT" sz="2800" dirty="0" smtClean="0"/>
+              <a:t>MefComponent</a:t>
+            </a:r>
+            <a:endParaRPr lang="pt-PT" sz="2800" dirty="0"/>
           </a:p>
         </p:txBody>
       </p:sp>
-      <p:pic>
-        <p:nvPicPr>
-          <p:cNvPr id="3" name="Picture 2"/>
-          <p:cNvPicPr>
-            <a:picLocks noChangeAspect="1"/>
-          </p:cNvPicPr>
-          <p:nvPr/>
-        </p:nvPicPr>
-        <p:blipFill>
-          <a:blip r:embed="rId3"/>
-          <a:stretch>
-            <a:fillRect/>
-          </a:stretch>
-        </p:blipFill>
-        <p:spPr>
-          <a:xfrm>
-            <a:off x="4791896" y="2215725"/>
-            <a:ext cx="5730737" cy="2536156"/>
-          </a:xfrm>
-          <a:prstGeom prst="rect">
-            <a:avLst/>
-          </a:prstGeom>
-        </p:spPr>
-      </p:pic>
     </p:spTree>
     <p:extLst>
       <p:ext uri="{BB962C8B-B14F-4D97-AF65-F5344CB8AC3E}">
-        <p14:creationId xmlns:p14="http://schemas.microsoft.com/office/powerpoint/2010/main" val="3124796050"/>
+        <p14:creationId xmlns:p14="http://schemas.microsoft.com/office/powerpoint/2010/main" val="4077747656"/>
       </p:ext>
     </p:extLst>
   </p:cSld>
@@ -6778,35 +7024,86 @@
           <a:p>
             <a:pPr marL="342900" indent="-342900"/>
             <a:r>
+              <a:rPr lang="en-US" sz="2400" dirty="0"/>
+              <a:t>Project Type</a:t>
+            </a:r>
+          </a:p>
+          <a:p>
+            <a:pPr marL="573658" lvl="1" indent="-342900"/>
+            <a:r>
+              <a:rPr lang="pt-PT" sz="2200" dirty="0" smtClean="0"/>
+              <a:t>Main project</a:t>
+            </a:r>
+          </a:p>
+          <a:p>
+            <a:pPr marL="573658" lvl="1" indent="-342900"/>
+            <a:r>
+              <a:rPr lang="pt-PT" sz="2200" dirty="0" smtClean="0"/>
+              <a:t>Installer</a:t>
+            </a:r>
+          </a:p>
+          <a:p>
+            <a:pPr marL="573658" lvl="1" indent="-342900"/>
+            <a:r>
+              <a:rPr lang="pt-PT" sz="2200" dirty="0" smtClean="0"/>
+              <a:t>Project/Item Templates</a:t>
+            </a:r>
+          </a:p>
+          <a:p>
+            <a:pPr marL="342900" indent="-342900"/>
+            <a:r>
               <a:rPr lang="pt-PT" sz="2400" dirty="0" smtClean="0"/>
-              <a:t>Register</a:t>
+              <a:t>Builder/Deploy</a:t>
+            </a:r>
+          </a:p>
+          <a:p>
+            <a:pPr marL="573658" lvl="1" indent="-342900"/>
+            <a:r>
+              <a:rPr lang="pt-PT" sz="2200" dirty="0" smtClean="0"/>
+              <a:t>Build tasks</a:t>
             </a:r>
           </a:p>
           <a:p>
             <a:pPr marL="342900" indent="-342900"/>
             <a:r>
               <a:rPr lang="pt-PT" sz="2400" dirty="0" smtClean="0"/>
-              <a:t>Launcher </a:t>
-            </a:r>
-            <a:endParaRPr lang="pt-PT" sz="2400" dirty="0" smtClean="0"/>
+              <a:t>Editor Extensions</a:t>
+            </a:r>
+          </a:p>
+          <a:p>
+            <a:pPr marL="573658" lvl="1" indent="-342900"/>
+            <a:r>
+              <a:rPr lang="pt-PT" sz="2200" dirty="0" smtClean="0"/>
+              <a:t>Laguage service</a:t>
+            </a:r>
           </a:p>
           <a:p>
             <a:pPr marL="342900" indent="-342900"/>
             <a:r>
               <a:rPr lang="pt-PT" sz="2400" dirty="0" smtClean="0"/>
+              <a:t>Debugger integration</a:t>
+            </a:r>
+          </a:p>
+          <a:p>
+            <a:pPr marL="573658" lvl="1" indent="-342900"/>
+            <a:r>
+              <a:rPr lang="pt-PT" sz="2200" dirty="0" smtClean="0"/>
               <a:t>Debugger Engine</a:t>
             </a:r>
-            <a:endParaRPr lang="pt-PT" sz="2000" dirty="0" smtClean="0"/>
           </a:p>
           <a:p>
             <a:pPr marL="573658" lvl="1" indent="-342900"/>
-            <a:endParaRPr lang="pt-PT" sz="2000" dirty="0"/>
+            <a:r>
+              <a:rPr lang="pt-PT" sz="2200" dirty="0" smtClean="0"/>
+              <a:t>Telnet</a:t>
+            </a:r>
+            <a:endParaRPr lang="pt-PT" sz="2200" dirty="0"/>
           </a:p>
         </p:txBody>
       </p:sp>
       <p:pic>
         <p:nvPicPr>
-          <p:cNvPr id="6" name="Picture 5"/>
+          <p:cNvPr id="3" name="Picture 2"/>
           <p:cNvPicPr>
             <a:picLocks noChangeAspect="1"/>
           </p:cNvPicPr>
@@ -6820,8 +7117,8 @@
         </p:blipFill>
         <p:spPr>
           <a:xfrm>
-            <a:off x="3863935" y="1236899"/>
-            <a:ext cx="7523560" cy="3834238"/>
+            <a:off x="4791896" y="2215725"/>
+            <a:ext cx="5730737" cy="2536156"/>
           </a:xfrm>
           <a:prstGeom prst="rect">
             <a:avLst/>
@@ -6831,7 +7128,7 @@
     </p:spTree>
     <p:extLst>
       <p:ext uri="{BB962C8B-B14F-4D97-AF65-F5344CB8AC3E}">
-        <p14:creationId xmlns:p14="http://schemas.microsoft.com/office/powerpoint/2010/main" val="456010404"/>
+        <p14:creationId xmlns:p14="http://schemas.microsoft.com/office/powerpoint/2010/main" val="3124796050"/>
       </p:ext>
     </p:extLst>
   </p:cSld>
@@ -7299,41 +7596,22 @@
             <a:pPr marL="342900" indent="-342900"/>
             <a:r>
               <a:rPr lang="pt-PT" sz="2400" dirty="0" smtClean="0"/>
-              <a:t>DebuggedProcess</a:t>
+              <a:t>Register</a:t>
             </a:r>
           </a:p>
           <a:p>
             <a:pPr marL="342900" indent="-342900"/>
             <a:r>
               <a:rPr lang="pt-PT" sz="2400" dirty="0" smtClean="0"/>
-              <a:t>EngineCallback</a:t>
+              <a:t>Launcher </a:t>
             </a:r>
           </a:p>
           <a:p>
             <a:pPr marL="342900" indent="-342900"/>
             <a:r>
               <a:rPr lang="pt-PT" sz="2400" dirty="0" smtClean="0"/>
-              <a:t>RokuController</a:t>
-            </a:r>
-          </a:p>
-          <a:p>
-            <a:pPr marL="342900" indent="-342900"/>
-            <a:r>
-              <a:rPr lang="pt-PT" sz="2400" dirty="0" smtClean="0"/>
-              <a:t>TcpTransporter</a:t>
-            </a:r>
-          </a:p>
-          <a:p>
-            <a:pPr marL="342900" indent="-342900"/>
-            <a:r>
-              <a:rPr lang="pt-PT" sz="2400" dirty="0" smtClean="0"/>
-              <a:t>Parser</a:t>
-            </a:r>
-          </a:p>
-          <a:p>
-            <a:pPr marL="0" indent="0">
-              <a:buNone/>
-            </a:pPr>
+              <a:t>Debugger Engine</a:t>
+            </a:r>
             <a:endParaRPr lang="pt-PT" sz="2000" dirty="0" smtClean="0"/>
           </a:p>
           <a:p>
@@ -7344,7 +7622,7 @@
       </p:sp>
       <p:pic>
         <p:nvPicPr>
-          <p:cNvPr id="9" name="Picture 8"/>
+          <p:cNvPr id="6" name="Picture 5"/>
           <p:cNvPicPr>
             <a:picLocks noChangeAspect="1"/>
           </p:cNvPicPr>
@@ -7358,8 +7636,8 @@
         </p:blipFill>
         <p:spPr>
           <a:xfrm>
-            <a:off x="4560921" y="1159659"/>
-            <a:ext cx="6954951" cy="4077731"/>
+            <a:off x="3863935" y="1236899"/>
+            <a:ext cx="7523560" cy="3834238"/>
           </a:xfrm>
           <a:prstGeom prst="rect">
             <a:avLst/>
@@ -7369,7 +7647,7 @@
     </p:spTree>
     <p:extLst>
       <p:ext uri="{BB962C8B-B14F-4D97-AF65-F5344CB8AC3E}">
-        <p14:creationId xmlns:p14="http://schemas.microsoft.com/office/powerpoint/2010/main" val="415741314"/>
+        <p14:creationId xmlns:p14="http://schemas.microsoft.com/office/powerpoint/2010/main" val="456010404"/>
       </p:ext>
     </p:extLst>
   </p:cSld>
@@ -7405,7 +7683,7 @@
       </p:grpSpPr>
       <p:sp>
         <p:nvSpPr>
-          <p:cNvPr id="6" name="Title 5"/>
+          <p:cNvPr id="2" name="Title 1"/>
           <p:cNvSpPr>
             <a:spLocks noGrp="1"/>
           </p:cNvSpPr>
@@ -7415,8 +7693,8 @@
         </p:nvSpPr>
         <p:spPr>
           <a:xfrm>
-            <a:off x="596901" y="584200"/>
-            <a:ext cx="10510838" cy="520700"/>
+            <a:off x="596900" y="549031"/>
+            <a:ext cx="10510839" cy="1017588"/>
           </a:xfrm>
         </p:spPr>
         <p:txBody>
@@ -7424,12 +7702,16 @@
           <a:lstStyle/>
           <a:p>
             <a:r>
-              <a:rPr lang="en-US" dirty="0"/>
+              <a:rPr lang="en-US" dirty="0" smtClean="0"/>
               <a:t>7-</a:t>
             </a:r>
             <a:r>
               <a:rPr lang="pt-PT" dirty="0"/>
-              <a:t>Integração Visual Studio</a:t>
+              <a:t>Integração Visual </a:t>
+            </a:r>
+            <a:r>
+              <a:rPr lang="pt-PT" dirty="0" err="1"/>
+              <a:t>Studio</a:t>
             </a:r>
             <a:r>
               <a:rPr lang="pt-PT" dirty="0"/>
@@ -7438,58 +7720,20 @@
             <a:br>
               <a:rPr lang="pt-PT" dirty="0"/>
             </a:br>
-            <a:r>
-              <a:rPr lang="en-US" dirty="0"/>
-              <a:t> </a:t>
-            </a:r>
-          </a:p>
-        </p:txBody>
-      </p:sp>
-      <p:sp>
-        <p:nvSpPr>
-          <p:cNvPr id="7" name="Content Placeholder 6"/>
-          <p:cNvSpPr>
-            <a:spLocks noGrp="1"/>
-          </p:cNvSpPr>
-          <p:nvPr>
-            <p:ph sz="half" idx="1"/>
-          </p:nvPr>
-        </p:nvSpPr>
-        <p:spPr>
-          <a:xfrm>
-            <a:off x="596901" y="1413208"/>
-            <a:ext cx="3331043" cy="3734780"/>
-          </a:xfrm>
-        </p:spPr>
-        <p:txBody>
-          <a:bodyPr/>
-          <a:lstStyle/>
-          <a:p>
-            <a:r>
-              <a:rPr lang="pt-PT" sz="6000" dirty="0" smtClean="0"/>
-              <a:t>Demo</a:t>
-            </a:r>
-            <a:endParaRPr lang="pt-PT" sz="6000" dirty="0"/>
-          </a:p>
-          <a:p>
-            <a:pPr marL="342900" indent="-342900">
-              <a:buFont typeface="+mj-lt"/>
-              <a:buAutoNum type="arabicPeriod"/>
-            </a:pPr>
-            <a:endParaRPr lang="en-US" sz="6600" dirty="0"/>
+            <a:endParaRPr lang="en-US" dirty="0"/>
           </a:p>
         </p:txBody>
       </p:sp>
       <p:pic>
         <p:nvPicPr>
-          <p:cNvPr id="1026" name="Picture 2" descr="http://files.isel-adeetc.webnode.pt/200000001-c7234c81be/50000000.png"/>
+          <p:cNvPr id="4" name="Picture 2" descr="http://files.isel-adeetc.webnode.pt/200000001-c7234c81be/50000000.png"/>
           <p:cNvPicPr>
             <a:picLocks noChangeAspect="1" noChangeArrowheads="1"/>
           </p:cNvPicPr>
           <p:nvPr/>
         </p:nvPicPr>
         <p:blipFill rotWithShape="1">
-          <a:blip r:embed="rId3">
+          <a:blip r:embed="rId2">
             <a:extLst>
               <a:ext uri="{28A0092B-C50C-407E-A947-70E740481C1C}">
                 <a14:useLocalDpi xmlns:a14="http://schemas.microsoft.com/office/drawing/2010/main" val="0"/>
@@ -7519,10 +7763,429 @@
           </a:extLst>
         </p:spPr>
       </p:pic>
+      <p:sp>
+        <p:nvSpPr>
+          <p:cNvPr id="8" name="Content Placeholder 6"/>
+          <p:cNvSpPr txBox="1">
+            <a:spLocks/>
+          </p:cNvSpPr>
+          <p:nvPr/>
+        </p:nvSpPr>
+        <p:spPr>
+          <a:xfrm>
+            <a:off x="596900" y="1159660"/>
+            <a:ext cx="9981890" cy="4648286"/>
+          </a:xfrm>
+          <a:prstGeom prst="rect">
+            <a:avLst/>
+          </a:prstGeom>
+        </p:spPr>
+        <p:txBody>
+          <a:bodyPr/>
+          <a:lstStyle>
+            <a:lvl1pPr marL="229617" indent="-229617" algn="l" defTabSz="1170432" rtl="0" eaLnBrk="1" latinLnBrk="0" hangingPunct="1">
+              <a:spcBef>
+                <a:spcPts val="768"/>
+              </a:spcBef>
+              <a:buClr>
+                <a:schemeClr val="accent1"/>
+              </a:buClr>
+              <a:buFont typeface="Arial" pitchFamily="34" charset="0"/>
+              <a:buChar char="•"/>
+              <a:defRPr sz="1800" kern="1200">
+                <a:solidFill>
+                  <a:srgbClr val="323232"/>
+                </a:solidFill>
+                <a:latin typeface="+mn-lt"/>
+                <a:ea typeface="+mn-ea"/>
+                <a:cs typeface="+mn-cs"/>
+              </a:defRPr>
+            </a:lvl1pPr>
+            <a:lvl2pPr marL="460375" indent="-228600" algn="l" defTabSz="1170432" rtl="0" eaLnBrk="1" latinLnBrk="0" hangingPunct="1">
+              <a:spcBef>
+                <a:spcPts val="768"/>
+              </a:spcBef>
+              <a:buClr>
+                <a:schemeClr val="accent1"/>
+              </a:buClr>
+              <a:buFont typeface="Arial" pitchFamily="34" charset="0"/>
+              <a:buChar char="–"/>
+              <a:tabLst/>
+              <a:defRPr sz="1600" kern="1200">
+                <a:solidFill>
+                  <a:srgbClr val="323232"/>
+                </a:solidFill>
+                <a:latin typeface="+mn-lt"/>
+                <a:ea typeface="+mn-ea"/>
+                <a:cs typeface="+mn-cs"/>
+              </a:defRPr>
+            </a:lvl2pPr>
+            <a:lvl3pPr marL="623888" indent="-161925" algn="l" defTabSz="1170432" rtl="0" eaLnBrk="1" latinLnBrk="0" hangingPunct="1">
+              <a:spcBef>
+                <a:spcPts val="768"/>
+              </a:spcBef>
+              <a:buClr>
+                <a:schemeClr val="accent1"/>
+              </a:buClr>
+              <a:buFont typeface="Lucida Grande"/>
+              <a:buChar char="­"/>
+              <a:tabLst/>
+              <a:defRPr sz="1400" kern="1200">
+                <a:solidFill>
+                  <a:srgbClr val="323232"/>
+                </a:solidFill>
+                <a:latin typeface="+mn-lt"/>
+                <a:ea typeface="+mn-ea"/>
+                <a:cs typeface="+mn-cs"/>
+              </a:defRPr>
+            </a:lvl3pPr>
+            <a:lvl4pPr marL="893763" indent="-179388" algn="l" defTabSz="1170432" rtl="0" eaLnBrk="1" latinLnBrk="0" hangingPunct="1">
+              <a:spcBef>
+                <a:spcPts val="768"/>
+              </a:spcBef>
+              <a:buClr>
+                <a:schemeClr val="accent1"/>
+              </a:buClr>
+              <a:buFont typeface="Arial" pitchFamily="34" charset="0"/>
+              <a:buChar char="–"/>
+              <a:tabLst/>
+              <a:defRPr sz="1200" kern="1200">
+                <a:solidFill>
+                  <a:srgbClr val="323232"/>
+                </a:solidFill>
+                <a:latin typeface="+mn-lt"/>
+                <a:ea typeface="+mn-ea"/>
+                <a:cs typeface="+mn-cs"/>
+              </a:defRPr>
+            </a:lvl4pPr>
+            <a:lvl5pPr marL="2633472" indent="-292608" algn="l" defTabSz="1170432" rtl="0" eaLnBrk="1" latinLnBrk="0" hangingPunct="1">
+              <a:spcBef>
+                <a:spcPct val="20000"/>
+              </a:spcBef>
+              <a:buFont typeface="Arial" pitchFamily="34" charset="0"/>
+              <a:buChar char="»"/>
+              <a:defRPr sz="2000" kern="1200">
+                <a:solidFill>
+                  <a:schemeClr val="tx1"/>
+                </a:solidFill>
+                <a:latin typeface="+mj-lt"/>
+                <a:ea typeface="+mn-ea"/>
+                <a:cs typeface="+mn-cs"/>
+              </a:defRPr>
+            </a:lvl5pPr>
+            <a:lvl6pPr marL="3218688" indent="-292608" algn="l" defTabSz="1170432" rtl="0" eaLnBrk="1" latinLnBrk="0" hangingPunct="1">
+              <a:spcBef>
+                <a:spcPct val="20000"/>
+              </a:spcBef>
+              <a:buFont typeface="Arial" pitchFamily="34" charset="0"/>
+              <a:buChar char="•"/>
+              <a:defRPr sz="2600" kern="1200">
+                <a:solidFill>
+                  <a:schemeClr val="tx1"/>
+                </a:solidFill>
+                <a:latin typeface="+mn-lt"/>
+                <a:ea typeface="+mn-ea"/>
+                <a:cs typeface="+mn-cs"/>
+              </a:defRPr>
+            </a:lvl6pPr>
+            <a:lvl7pPr marL="3803904" indent="-292608" algn="l" defTabSz="1170432" rtl="0" eaLnBrk="1" latinLnBrk="0" hangingPunct="1">
+              <a:spcBef>
+                <a:spcPct val="20000"/>
+              </a:spcBef>
+              <a:buFont typeface="Arial" pitchFamily="34" charset="0"/>
+              <a:buChar char="•"/>
+              <a:defRPr sz="2600" kern="1200">
+                <a:solidFill>
+                  <a:schemeClr val="tx1"/>
+                </a:solidFill>
+                <a:latin typeface="+mn-lt"/>
+                <a:ea typeface="+mn-ea"/>
+                <a:cs typeface="+mn-cs"/>
+              </a:defRPr>
+            </a:lvl7pPr>
+            <a:lvl8pPr marL="4389120" indent="-292608" algn="l" defTabSz="1170432" rtl="0" eaLnBrk="1" latinLnBrk="0" hangingPunct="1">
+              <a:spcBef>
+                <a:spcPct val="20000"/>
+              </a:spcBef>
+              <a:buFont typeface="Arial" pitchFamily="34" charset="0"/>
+              <a:buChar char="•"/>
+              <a:defRPr sz="2600" kern="1200">
+                <a:solidFill>
+                  <a:schemeClr val="tx1"/>
+                </a:solidFill>
+                <a:latin typeface="+mn-lt"/>
+                <a:ea typeface="+mn-ea"/>
+                <a:cs typeface="+mn-cs"/>
+              </a:defRPr>
+            </a:lvl8pPr>
+            <a:lvl9pPr marL="4974336" indent="-292608" algn="l" defTabSz="1170432" rtl="0" eaLnBrk="1" latinLnBrk="0" hangingPunct="1">
+              <a:spcBef>
+                <a:spcPct val="20000"/>
+              </a:spcBef>
+              <a:buFont typeface="Arial" pitchFamily="34" charset="0"/>
+              <a:buChar char="•"/>
+              <a:defRPr sz="2600" kern="1200">
+                <a:solidFill>
+                  <a:schemeClr val="tx1"/>
+                </a:solidFill>
+                <a:latin typeface="+mn-lt"/>
+                <a:ea typeface="+mn-ea"/>
+                <a:cs typeface="+mn-cs"/>
+              </a:defRPr>
+            </a:lvl9pPr>
+          </a:lstStyle>
+          <a:p>
+            <a:pPr marL="342900" indent="-342900"/>
+            <a:endParaRPr lang="en-US" sz="2400" dirty="0"/>
+          </a:p>
+        </p:txBody>
+      </p:sp>
+      <p:sp>
+        <p:nvSpPr>
+          <p:cNvPr id="7" name="Content Placeholder 6"/>
+          <p:cNvSpPr txBox="1">
+            <a:spLocks/>
+          </p:cNvSpPr>
+          <p:nvPr/>
+        </p:nvSpPr>
+        <p:spPr>
+          <a:xfrm>
+            <a:off x="749300" y="1077862"/>
+            <a:ext cx="9981890" cy="4981032"/>
+          </a:xfrm>
+          <a:prstGeom prst="rect">
+            <a:avLst/>
+          </a:prstGeom>
+        </p:spPr>
+        <p:txBody>
+          <a:bodyPr/>
+          <a:lstStyle>
+            <a:lvl1pPr marL="229617" indent="-229617" algn="l" defTabSz="1170432" rtl="0" eaLnBrk="1" latinLnBrk="0" hangingPunct="1">
+              <a:spcBef>
+                <a:spcPts val="768"/>
+              </a:spcBef>
+              <a:buClr>
+                <a:schemeClr val="accent1"/>
+              </a:buClr>
+              <a:buFont typeface="Arial" pitchFamily="34" charset="0"/>
+              <a:buChar char="•"/>
+              <a:defRPr sz="1800" kern="1200">
+                <a:solidFill>
+                  <a:srgbClr val="323232"/>
+                </a:solidFill>
+                <a:latin typeface="+mn-lt"/>
+                <a:ea typeface="+mn-ea"/>
+                <a:cs typeface="+mn-cs"/>
+              </a:defRPr>
+            </a:lvl1pPr>
+            <a:lvl2pPr marL="460375" indent="-228600" algn="l" defTabSz="1170432" rtl="0" eaLnBrk="1" latinLnBrk="0" hangingPunct="1">
+              <a:spcBef>
+                <a:spcPts val="768"/>
+              </a:spcBef>
+              <a:buClr>
+                <a:schemeClr val="accent1"/>
+              </a:buClr>
+              <a:buFont typeface="Arial" pitchFamily="34" charset="0"/>
+              <a:buChar char="–"/>
+              <a:tabLst/>
+              <a:defRPr sz="1600" kern="1200">
+                <a:solidFill>
+                  <a:srgbClr val="323232"/>
+                </a:solidFill>
+                <a:latin typeface="+mn-lt"/>
+                <a:ea typeface="+mn-ea"/>
+                <a:cs typeface="+mn-cs"/>
+              </a:defRPr>
+            </a:lvl2pPr>
+            <a:lvl3pPr marL="623888" indent="-161925" algn="l" defTabSz="1170432" rtl="0" eaLnBrk="1" latinLnBrk="0" hangingPunct="1">
+              <a:spcBef>
+                <a:spcPts val="768"/>
+              </a:spcBef>
+              <a:buClr>
+                <a:schemeClr val="accent1"/>
+              </a:buClr>
+              <a:buFont typeface="Lucida Grande"/>
+              <a:buChar char="­"/>
+              <a:tabLst/>
+              <a:defRPr sz="1400" kern="1200">
+                <a:solidFill>
+                  <a:srgbClr val="323232"/>
+                </a:solidFill>
+                <a:latin typeface="+mn-lt"/>
+                <a:ea typeface="+mn-ea"/>
+                <a:cs typeface="+mn-cs"/>
+              </a:defRPr>
+            </a:lvl3pPr>
+            <a:lvl4pPr marL="893763" indent="-179388" algn="l" defTabSz="1170432" rtl="0" eaLnBrk="1" latinLnBrk="0" hangingPunct="1">
+              <a:spcBef>
+                <a:spcPts val="768"/>
+              </a:spcBef>
+              <a:buClr>
+                <a:schemeClr val="accent1"/>
+              </a:buClr>
+              <a:buFont typeface="Arial" pitchFamily="34" charset="0"/>
+              <a:buChar char="–"/>
+              <a:tabLst/>
+              <a:defRPr sz="1200" kern="1200">
+                <a:solidFill>
+                  <a:srgbClr val="323232"/>
+                </a:solidFill>
+                <a:latin typeface="+mn-lt"/>
+                <a:ea typeface="+mn-ea"/>
+                <a:cs typeface="+mn-cs"/>
+              </a:defRPr>
+            </a:lvl4pPr>
+            <a:lvl5pPr marL="2633472" indent="-292608" algn="l" defTabSz="1170432" rtl="0" eaLnBrk="1" latinLnBrk="0" hangingPunct="1">
+              <a:spcBef>
+                <a:spcPct val="20000"/>
+              </a:spcBef>
+              <a:buFont typeface="Arial" pitchFamily="34" charset="0"/>
+              <a:buChar char="»"/>
+              <a:defRPr sz="2000" kern="1200">
+                <a:solidFill>
+                  <a:schemeClr val="tx1"/>
+                </a:solidFill>
+                <a:latin typeface="+mj-lt"/>
+                <a:ea typeface="+mn-ea"/>
+                <a:cs typeface="+mn-cs"/>
+              </a:defRPr>
+            </a:lvl5pPr>
+            <a:lvl6pPr marL="3218688" indent="-292608" algn="l" defTabSz="1170432" rtl="0" eaLnBrk="1" latinLnBrk="0" hangingPunct="1">
+              <a:spcBef>
+                <a:spcPct val="20000"/>
+              </a:spcBef>
+              <a:buFont typeface="Arial" pitchFamily="34" charset="0"/>
+              <a:buChar char="•"/>
+              <a:defRPr sz="2600" kern="1200">
+                <a:solidFill>
+                  <a:schemeClr val="tx1"/>
+                </a:solidFill>
+                <a:latin typeface="+mn-lt"/>
+                <a:ea typeface="+mn-ea"/>
+                <a:cs typeface="+mn-cs"/>
+              </a:defRPr>
+            </a:lvl6pPr>
+            <a:lvl7pPr marL="3803904" indent="-292608" algn="l" defTabSz="1170432" rtl="0" eaLnBrk="1" latinLnBrk="0" hangingPunct="1">
+              <a:spcBef>
+                <a:spcPct val="20000"/>
+              </a:spcBef>
+              <a:buFont typeface="Arial" pitchFamily="34" charset="0"/>
+              <a:buChar char="•"/>
+              <a:defRPr sz="2600" kern="1200">
+                <a:solidFill>
+                  <a:schemeClr val="tx1"/>
+                </a:solidFill>
+                <a:latin typeface="+mn-lt"/>
+                <a:ea typeface="+mn-ea"/>
+                <a:cs typeface="+mn-cs"/>
+              </a:defRPr>
+            </a:lvl7pPr>
+            <a:lvl8pPr marL="4389120" indent="-292608" algn="l" defTabSz="1170432" rtl="0" eaLnBrk="1" latinLnBrk="0" hangingPunct="1">
+              <a:spcBef>
+                <a:spcPct val="20000"/>
+              </a:spcBef>
+              <a:buFont typeface="Arial" pitchFamily="34" charset="0"/>
+              <a:buChar char="•"/>
+              <a:defRPr sz="2600" kern="1200">
+                <a:solidFill>
+                  <a:schemeClr val="tx1"/>
+                </a:solidFill>
+                <a:latin typeface="+mn-lt"/>
+                <a:ea typeface="+mn-ea"/>
+                <a:cs typeface="+mn-cs"/>
+              </a:defRPr>
+            </a:lvl8pPr>
+            <a:lvl9pPr marL="4974336" indent="-292608" algn="l" defTabSz="1170432" rtl="0" eaLnBrk="1" latinLnBrk="0" hangingPunct="1">
+              <a:spcBef>
+                <a:spcPct val="20000"/>
+              </a:spcBef>
+              <a:buFont typeface="Arial" pitchFamily="34" charset="0"/>
+              <a:buChar char="•"/>
+              <a:defRPr sz="2600" kern="1200">
+                <a:solidFill>
+                  <a:schemeClr val="tx1"/>
+                </a:solidFill>
+                <a:latin typeface="+mn-lt"/>
+                <a:ea typeface="+mn-ea"/>
+                <a:cs typeface="+mn-cs"/>
+              </a:defRPr>
+            </a:lvl9pPr>
+          </a:lstStyle>
+          <a:p>
+            <a:pPr marL="342900" indent="-342900"/>
+            <a:r>
+              <a:rPr lang="pt-PT" sz="2400" dirty="0" smtClean="0"/>
+              <a:t>DebuggedProcess</a:t>
+            </a:r>
+          </a:p>
+          <a:p>
+            <a:pPr marL="342900" indent="-342900"/>
+            <a:r>
+              <a:rPr lang="pt-PT" sz="2400" dirty="0" smtClean="0"/>
+              <a:t>EngineCallback</a:t>
+            </a:r>
+          </a:p>
+          <a:p>
+            <a:pPr marL="342900" indent="-342900"/>
+            <a:r>
+              <a:rPr lang="pt-PT" sz="2400" dirty="0" smtClean="0"/>
+              <a:t>RokuController</a:t>
+            </a:r>
+          </a:p>
+          <a:p>
+            <a:pPr marL="342900" indent="-342900"/>
+            <a:r>
+              <a:rPr lang="pt-PT" sz="2400" dirty="0" smtClean="0"/>
+              <a:t>TcpTransporter</a:t>
+            </a:r>
+          </a:p>
+          <a:p>
+            <a:pPr marL="342900" indent="-342900"/>
+            <a:r>
+              <a:rPr lang="pt-PT" sz="2400" dirty="0" smtClean="0"/>
+              <a:t>Parser</a:t>
+            </a:r>
+          </a:p>
+          <a:p>
+            <a:pPr marL="0" indent="0">
+              <a:buNone/>
+            </a:pPr>
+            <a:endParaRPr lang="pt-PT" sz="2000" dirty="0" smtClean="0"/>
+          </a:p>
+          <a:p>
+            <a:pPr marL="573658" lvl="1" indent="-342900"/>
+            <a:endParaRPr lang="pt-PT" sz="2000" dirty="0"/>
+          </a:p>
+        </p:txBody>
+      </p:sp>
+      <p:pic>
+        <p:nvPicPr>
+          <p:cNvPr id="9" name="Picture 8"/>
+          <p:cNvPicPr>
+            <a:picLocks noChangeAspect="1"/>
+          </p:cNvPicPr>
+          <p:nvPr/>
+        </p:nvPicPr>
+        <p:blipFill>
+          <a:blip r:embed="rId3"/>
+          <a:stretch>
+            <a:fillRect/>
+          </a:stretch>
+        </p:blipFill>
+        <p:spPr>
+          <a:xfrm>
+            <a:off x="4152788" y="1159660"/>
+            <a:ext cx="6954951" cy="4077731"/>
+          </a:xfrm>
+          <a:prstGeom prst="rect">
+            <a:avLst/>
+          </a:prstGeom>
+        </p:spPr>
+      </p:pic>
     </p:spTree>
     <p:extLst>
       <p:ext uri="{BB962C8B-B14F-4D97-AF65-F5344CB8AC3E}">
-        <p14:creationId xmlns:p14="http://schemas.microsoft.com/office/powerpoint/2010/main" val="4187701856"/>
+        <p14:creationId xmlns:p14="http://schemas.microsoft.com/office/powerpoint/2010/main" val="415741314"/>
       </p:ext>
     </p:extLst>
   </p:cSld>
@@ -7558,7 +8221,7 @@
       </p:grpSpPr>
       <p:sp>
         <p:nvSpPr>
-          <p:cNvPr id="2" name="Title 1"/>
+          <p:cNvPr id="6" name="Title 5"/>
           <p:cNvSpPr>
             <a:spLocks noGrp="1"/>
           </p:cNvSpPr>
@@ -7568,8 +8231,8 @@
         </p:nvSpPr>
         <p:spPr>
           <a:xfrm>
-            <a:off x="551682" y="1094763"/>
-            <a:ext cx="10510839" cy="3110471"/>
+            <a:off x="596901" y="584200"/>
+            <a:ext cx="10510838" cy="520700"/>
           </a:xfrm>
         </p:spPr>
         <p:txBody>
@@ -7577,108 +8240,101 @@
           <a:lstStyle/>
           <a:p>
             <a:r>
-              <a:rPr lang="en-GB" sz="6600" dirty="0">
-                <a:solidFill>
-                  <a:srgbClr val="FFFFFF"/>
-                </a:solidFill>
-              </a:rPr>
-              <a:t>Questions?</a:t>
-            </a:r>
-            <a:r>
-              <a:rPr lang="en-GB" dirty="0">
-                <a:solidFill>
-                  <a:srgbClr val="FFFFFF"/>
-                </a:solidFill>
-              </a:rPr>
-              <a:t/>
+              <a:rPr lang="en-US" dirty="0"/>
+              <a:t>7-</a:t>
+            </a:r>
+            <a:r>
+              <a:rPr lang="pt-PT" dirty="0"/>
+              <a:t>Integração Visual Studio</a:t>
             </a:r>
             <a:br>
-              <a:rPr lang="en-GB" dirty="0">
-                <a:solidFill>
-                  <a:srgbClr val="FFFFFF"/>
-                </a:solidFill>
-              </a:rPr>
+              <a:rPr lang="pt-PT" dirty="0"/>
             </a:br>
             <a:r>
-              <a:rPr lang="en-GB" dirty="0">
-                <a:solidFill>
-                  <a:srgbClr val="FFFFFF"/>
-                </a:solidFill>
-              </a:rPr>
-              <a:t/>
-            </a:r>
-            <a:br>
-              <a:rPr lang="en-GB" dirty="0">
-                <a:solidFill>
-                  <a:srgbClr val="FFFFFF"/>
-                </a:solidFill>
-              </a:rPr>
-            </a:br>
-            <a:r>
-              <a:rPr lang="en-GB" dirty="0">
-                <a:solidFill>
-                  <a:srgbClr val="FFFFFF"/>
-                </a:solidFill>
-              </a:rPr>
-              <a:t/>
-            </a:r>
-            <a:br>
-              <a:rPr lang="en-GB" dirty="0">
-                <a:solidFill>
-                  <a:srgbClr val="FFFFFF"/>
-                </a:solidFill>
-              </a:rPr>
-            </a:br>
-            <a:r>
-              <a:rPr lang="en-GB" dirty="0">
-                <a:solidFill>
-                  <a:srgbClr val="FFFFFF"/>
-                </a:solidFill>
-              </a:rPr>
-              <a:t/>
-            </a:r>
-            <a:br>
-              <a:rPr lang="en-GB" dirty="0">
-                <a:solidFill>
-                  <a:srgbClr val="FFFFFF"/>
-                </a:solidFill>
-              </a:rPr>
-            </a:br>
-            <a:r>
-              <a:rPr lang="en-GB" dirty="0">
-                <a:solidFill>
-                  <a:srgbClr val="FFFFFF"/>
-                </a:solidFill>
-              </a:rPr>
-              <a:t/>
-            </a:r>
-            <a:br>
-              <a:rPr lang="en-GB" dirty="0">
-                <a:solidFill>
-                  <a:srgbClr val="FFFFFF"/>
-                </a:solidFill>
-              </a:rPr>
-            </a:br>
-            <a:r>
-              <a:rPr lang="en-GB">
-                <a:solidFill>
-                  <a:srgbClr val="FFFFFF"/>
-                </a:solidFill>
-              </a:rPr>
-              <a:t>Thanks!</a:t>
-            </a:r>
-            <a:endParaRPr lang="en-US" dirty="0">
-              <a:solidFill>
-                <a:srgbClr val="FFFFFF"/>
-              </a:solidFill>
-            </a:endParaRPr>
+              <a:rPr lang="en-US" dirty="0"/>
+              <a:t> </a:t>
+            </a:r>
           </a:p>
         </p:txBody>
       </p:sp>
+      <p:sp>
+        <p:nvSpPr>
+          <p:cNvPr id="7" name="Content Placeholder 6"/>
+          <p:cNvSpPr>
+            <a:spLocks noGrp="1"/>
+          </p:cNvSpPr>
+          <p:nvPr>
+            <p:ph sz="half" idx="1"/>
+          </p:nvPr>
+        </p:nvSpPr>
+        <p:spPr>
+          <a:xfrm>
+            <a:off x="596901" y="1413208"/>
+            <a:ext cx="3331043" cy="3734780"/>
+          </a:xfrm>
+        </p:spPr>
+        <p:txBody>
+          <a:bodyPr/>
+          <a:lstStyle/>
+          <a:p>
+            <a:r>
+              <a:rPr lang="pt-PT" sz="6000" dirty="0" smtClean="0"/>
+              <a:t>Demo</a:t>
+            </a:r>
+            <a:endParaRPr lang="pt-PT" sz="6000" dirty="0"/>
+          </a:p>
+          <a:p>
+            <a:pPr marL="342900" indent="-342900">
+              <a:buFont typeface="+mj-lt"/>
+              <a:buAutoNum type="arabicPeriod"/>
+            </a:pPr>
+            <a:endParaRPr lang="en-US" sz="6600" dirty="0"/>
+          </a:p>
+        </p:txBody>
+      </p:sp>
+      <p:pic>
+        <p:nvPicPr>
+          <p:cNvPr id="1026" name="Picture 2" descr="http://files.isel-adeetc.webnode.pt/200000001-c7234c81be/50000000.png"/>
+          <p:cNvPicPr>
+            <a:picLocks noChangeAspect="1" noChangeArrowheads="1"/>
+          </p:cNvPicPr>
+          <p:nvPr/>
+        </p:nvPicPr>
+        <p:blipFill rotWithShape="1">
+          <a:blip r:embed="rId3">
+            <a:extLst>
+              <a:ext uri="{28A0092B-C50C-407E-A947-70E740481C1C}">
+                <a14:useLocalDpi xmlns:a14="http://schemas.microsoft.com/office/drawing/2010/main" val="0"/>
+              </a:ext>
+            </a:extLst>
+          </a:blip>
+          <a:srcRect r="25933"/>
+          <a:stretch/>
+        </p:blipFill>
+        <p:spPr bwMode="auto">
+          <a:xfrm>
+            <a:off x="9273164" y="5237391"/>
+            <a:ext cx="2277416" cy="1103120"/>
+          </a:xfrm>
+          <a:prstGeom prst="rect">
+            <a:avLst/>
+          </a:prstGeom>
+          <a:noFill/>
+          <a:extLst>
+            <a:ext uri="{909E8E84-426E-40DD-AFC4-6F175D3DCCD1}">
+              <a14:hiddenFill xmlns:a14="http://schemas.microsoft.com/office/drawing/2010/main">
+                <a:solidFill>
+                  <a:srgbClr val="FFFFFF"/>
+                </a:solidFill>
+              </a14:hiddenFill>
+            </a:ext>
+          </a:extLst>
+        </p:spPr>
+      </p:pic>
     </p:spTree>
     <p:extLst>
       <p:ext uri="{BB962C8B-B14F-4D97-AF65-F5344CB8AC3E}">
-        <p14:creationId xmlns:p14="http://schemas.microsoft.com/office/powerpoint/2010/main" val="3830144737"/>
+        <p14:creationId xmlns:p14="http://schemas.microsoft.com/office/powerpoint/2010/main" val="4187701856"/>
       </p:ext>
     </p:extLst>
   </p:cSld>
@@ -7755,8 +8411,8 @@
         </p:nvSpPr>
         <p:spPr>
           <a:xfrm>
-            <a:off x="596900" y="1601789"/>
-            <a:ext cx="9981890" cy="4054474"/>
+            <a:off x="596901" y="1182916"/>
+            <a:ext cx="9981890" cy="4650955"/>
           </a:xfrm>
         </p:spPr>
         <p:txBody>
@@ -7833,19 +8489,21 @@
             </a:pPr>
             <a:r>
               <a:rPr lang="pt-PT" sz="3200" dirty="0"/>
-              <a:t>Visual </a:t>
-            </a:r>
-            <a:r>
-              <a:rPr lang="pt-PT" sz="3200" dirty="0" err="1"/>
-              <a:t>Studio</a:t>
-            </a:r>
-            <a:r>
-              <a:rPr lang="pt-PT" sz="3200" dirty="0"/>
-              <a:t> </a:t>
-            </a:r>
-            <a:r>
-              <a:rPr lang="pt-PT" sz="3200" dirty="0" err="1"/>
+              <a:t>Visual Studio </a:t>
+            </a:r>
+            <a:r>
+              <a:rPr lang="pt-PT" sz="3200" dirty="0" smtClean="0"/>
               <a:t>Extension</a:t>
+            </a:r>
+          </a:p>
+          <a:p>
+            <a:pPr marL="342900" indent="-342900">
+              <a:buFont typeface="+mj-lt"/>
+              <a:buAutoNum type="arabicParenR"/>
+            </a:pPr>
+            <a:r>
+              <a:rPr lang="pt-PT" sz="3200" dirty="0" smtClean="0"/>
+              <a:t>Conclusion</a:t>
             </a:r>
             <a:endParaRPr lang="pt-PT" sz="3200" dirty="0"/>
           </a:p>
@@ -7901,6 +8559,370 @@
     <p:extLst>
       <p:ext uri="{BB962C8B-B14F-4D97-AF65-F5344CB8AC3E}">
         <p14:creationId xmlns:p14="http://schemas.microsoft.com/office/powerpoint/2010/main" val="3938790311"/>
+      </p:ext>
+    </p:extLst>
+  </p:cSld>
+  <p:clrMapOvr>
+    <a:masterClrMapping/>
+  </p:clrMapOvr>
+  <p:timing>
+    <p:tnLst>
+      <p:par>
+        <p:cTn id="1" dur="indefinite" restart="never" nodeType="tmRoot"/>
+      </p:par>
+    </p:tnLst>
+  </p:timing>
+</p:sld>
+</file>
+
+<file path=ppt/slides/slide20.xml><?xml version="1.0" encoding="utf-8"?>
+<p:sld xmlns:a="http://schemas.openxmlformats.org/drawingml/2006/main" xmlns:r="http://schemas.openxmlformats.org/officeDocument/2006/relationships" xmlns:p="http://schemas.openxmlformats.org/presentationml/2006/main">
+  <p:cSld>
+    <p:spTree>
+      <p:nvGrpSpPr>
+        <p:cNvPr id="1" name=""/>
+        <p:cNvGrpSpPr/>
+        <p:nvPr/>
+      </p:nvGrpSpPr>
+      <p:grpSpPr>
+        <a:xfrm>
+          <a:off x="0" y="0"/>
+          <a:ext cx="0" cy="0"/>
+          <a:chOff x="0" y="0"/>
+          <a:chExt cx="0" cy="0"/>
+        </a:xfrm>
+      </p:grpSpPr>
+      <p:sp>
+        <p:nvSpPr>
+          <p:cNvPr id="6" name="Title 5"/>
+          <p:cNvSpPr>
+            <a:spLocks noGrp="1"/>
+          </p:cNvSpPr>
+          <p:nvPr>
+            <p:ph type="title"/>
+          </p:nvPr>
+        </p:nvSpPr>
+        <p:spPr>
+          <a:xfrm>
+            <a:off x="596901" y="584200"/>
+            <a:ext cx="10510838" cy="520700"/>
+          </a:xfrm>
+        </p:spPr>
+        <p:txBody>
+          <a:bodyPr/>
+          <a:lstStyle/>
+          <a:p>
+            <a:r>
+              <a:rPr lang="en-US" dirty="0" smtClean="0"/>
+              <a:t>8-</a:t>
+            </a:r>
+            <a:r>
+              <a:rPr lang="pt-PT" dirty="0" smtClean="0"/>
+              <a:t>Conclusion</a:t>
+            </a:r>
+            <a:r>
+              <a:rPr lang="pt-PT" dirty="0"/>
+              <a:t/>
+            </a:r>
+            <a:br>
+              <a:rPr lang="pt-PT" dirty="0"/>
+            </a:br>
+            <a:r>
+              <a:rPr lang="en-US" dirty="0"/>
+              <a:t> </a:t>
+            </a:r>
+          </a:p>
+        </p:txBody>
+      </p:sp>
+      <p:sp>
+        <p:nvSpPr>
+          <p:cNvPr id="7" name="Content Placeholder 6"/>
+          <p:cNvSpPr>
+            <a:spLocks noGrp="1"/>
+          </p:cNvSpPr>
+          <p:nvPr>
+            <p:ph sz="half" idx="1"/>
+          </p:nvPr>
+        </p:nvSpPr>
+        <p:spPr>
+          <a:xfrm>
+            <a:off x="596901" y="1413208"/>
+            <a:ext cx="9059163" cy="4630976"/>
+          </a:xfrm>
+        </p:spPr>
+        <p:txBody>
+          <a:bodyPr/>
+          <a:lstStyle/>
+          <a:p>
+            <a:r>
+              <a:rPr lang="pt-PT" sz="2400" dirty="0" smtClean="0"/>
+              <a:t>Improvements</a:t>
+            </a:r>
+          </a:p>
+          <a:p>
+            <a:pPr lvl="1"/>
+            <a:r>
+              <a:rPr lang="pt-PT" sz="2000" dirty="0" smtClean="0"/>
+              <a:t>Support All BrightScript Statments</a:t>
+            </a:r>
+          </a:p>
+          <a:p>
+            <a:pPr lvl="1"/>
+            <a:r>
+              <a:rPr lang="pt-PT" sz="2000" dirty="0" smtClean="0"/>
+              <a:t>View variables on the callback stack</a:t>
+            </a:r>
+          </a:p>
+          <a:p>
+            <a:pPr lvl="1"/>
+            <a:r>
+              <a:rPr lang="pt-PT" sz="2000" dirty="0" smtClean="0"/>
+              <a:t>Interllisense source</a:t>
+            </a:r>
+          </a:p>
+          <a:p>
+            <a:r>
+              <a:rPr lang="pt-PT" sz="2200" dirty="0" smtClean="0"/>
+              <a:t>Future work</a:t>
+            </a:r>
+          </a:p>
+          <a:p>
+            <a:pPr lvl="1"/>
+            <a:r>
+              <a:rPr lang="pt-PT" sz="2000" dirty="0" smtClean="0"/>
+              <a:t>Import existing code</a:t>
+            </a:r>
+          </a:p>
+          <a:p>
+            <a:pPr lvl="1"/>
+            <a:r>
+              <a:rPr lang="pt-PT" sz="2000" dirty="0" smtClean="0"/>
+              <a:t>Scene Graph support</a:t>
+            </a:r>
+          </a:p>
+          <a:p>
+            <a:pPr lvl="2"/>
+            <a:r>
+              <a:rPr lang="pt-PT" sz="1800" dirty="0" smtClean="0"/>
+              <a:t>XML UI definition</a:t>
+            </a:r>
+          </a:p>
+          <a:p>
+            <a:pPr lvl="2"/>
+            <a:r>
+              <a:rPr lang="pt-PT" sz="1800" dirty="0" smtClean="0"/>
+              <a:t>Multi Thread</a:t>
+            </a:r>
+            <a:endParaRPr lang="pt-PT" sz="1800" dirty="0"/>
+          </a:p>
+          <a:p>
+            <a:pPr marL="342900" indent="-342900">
+              <a:buFont typeface="+mj-lt"/>
+              <a:buAutoNum type="arabicPeriod"/>
+            </a:pPr>
+            <a:endParaRPr lang="en-US" sz="6600" dirty="0"/>
+          </a:p>
+        </p:txBody>
+      </p:sp>
+      <p:pic>
+        <p:nvPicPr>
+          <p:cNvPr id="1026" name="Picture 2" descr="http://files.isel-adeetc.webnode.pt/200000001-c7234c81be/50000000.png"/>
+          <p:cNvPicPr>
+            <a:picLocks noChangeAspect="1" noChangeArrowheads="1"/>
+          </p:cNvPicPr>
+          <p:nvPr/>
+        </p:nvPicPr>
+        <p:blipFill rotWithShape="1">
+          <a:blip r:embed="rId3">
+            <a:extLst>
+              <a:ext uri="{28A0092B-C50C-407E-A947-70E740481C1C}">
+                <a14:useLocalDpi xmlns:a14="http://schemas.microsoft.com/office/drawing/2010/main" val="0"/>
+              </a:ext>
+            </a:extLst>
+          </a:blip>
+          <a:srcRect r="25933"/>
+          <a:stretch/>
+        </p:blipFill>
+        <p:spPr bwMode="auto">
+          <a:xfrm>
+            <a:off x="9273164" y="5237391"/>
+            <a:ext cx="2277416" cy="1103120"/>
+          </a:xfrm>
+          <a:prstGeom prst="rect">
+            <a:avLst/>
+          </a:prstGeom>
+          <a:noFill/>
+          <a:extLst>
+            <a:ext uri="{909E8E84-426E-40DD-AFC4-6F175D3DCCD1}">
+              <a14:hiddenFill xmlns:a14="http://schemas.microsoft.com/office/drawing/2010/main">
+                <a:solidFill>
+                  <a:srgbClr val="FFFFFF"/>
+                </a:solidFill>
+              </a14:hiddenFill>
+            </a:ext>
+          </a:extLst>
+        </p:spPr>
+      </p:pic>
+    </p:spTree>
+    <p:extLst>
+      <p:ext uri="{BB962C8B-B14F-4D97-AF65-F5344CB8AC3E}">
+        <p14:creationId xmlns:p14="http://schemas.microsoft.com/office/powerpoint/2010/main" val="2728897160"/>
+      </p:ext>
+    </p:extLst>
+  </p:cSld>
+  <p:clrMapOvr>
+    <a:masterClrMapping/>
+  </p:clrMapOvr>
+  <p:timing>
+    <p:tnLst>
+      <p:par>
+        <p:cTn id="1" dur="indefinite" restart="never" nodeType="tmRoot"/>
+      </p:par>
+    </p:tnLst>
+  </p:timing>
+</p:sld>
+</file>
+
+<file path=ppt/slides/slide21.xml><?xml version="1.0" encoding="utf-8"?>
+<p:sld xmlns:a="http://schemas.openxmlformats.org/drawingml/2006/main" xmlns:r="http://schemas.openxmlformats.org/officeDocument/2006/relationships" xmlns:p="http://schemas.openxmlformats.org/presentationml/2006/main">
+  <p:cSld>
+    <p:spTree>
+      <p:nvGrpSpPr>
+        <p:cNvPr id="1" name=""/>
+        <p:cNvGrpSpPr/>
+        <p:nvPr/>
+      </p:nvGrpSpPr>
+      <p:grpSpPr>
+        <a:xfrm>
+          <a:off x="0" y="0"/>
+          <a:ext cx="0" cy="0"/>
+          <a:chOff x="0" y="0"/>
+          <a:chExt cx="0" cy="0"/>
+        </a:xfrm>
+      </p:grpSpPr>
+      <p:sp>
+        <p:nvSpPr>
+          <p:cNvPr id="2" name="Title 1"/>
+          <p:cNvSpPr>
+            <a:spLocks noGrp="1"/>
+          </p:cNvSpPr>
+          <p:nvPr>
+            <p:ph type="title"/>
+          </p:nvPr>
+        </p:nvSpPr>
+        <p:spPr>
+          <a:xfrm>
+            <a:off x="551682" y="1094763"/>
+            <a:ext cx="10510839" cy="3110471"/>
+          </a:xfrm>
+        </p:spPr>
+        <p:txBody>
+          <a:bodyPr/>
+          <a:lstStyle/>
+          <a:p>
+            <a:r>
+              <a:rPr lang="en-GB" sz="6600" dirty="0">
+                <a:solidFill>
+                  <a:srgbClr val="FFFFFF"/>
+                </a:solidFill>
+              </a:rPr>
+              <a:t>Questions?</a:t>
+            </a:r>
+            <a:r>
+              <a:rPr lang="en-GB" dirty="0">
+                <a:solidFill>
+                  <a:srgbClr val="FFFFFF"/>
+                </a:solidFill>
+              </a:rPr>
+              <a:t/>
+            </a:r>
+            <a:br>
+              <a:rPr lang="en-GB" dirty="0">
+                <a:solidFill>
+                  <a:srgbClr val="FFFFFF"/>
+                </a:solidFill>
+              </a:rPr>
+            </a:br>
+            <a:r>
+              <a:rPr lang="en-GB" dirty="0">
+                <a:solidFill>
+                  <a:srgbClr val="FFFFFF"/>
+                </a:solidFill>
+              </a:rPr>
+              <a:t/>
+            </a:r>
+            <a:br>
+              <a:rPr lang="en-GB" dirty="0">
+                <a:solidFill>
+                  <a:srgbClr val="FFFFFF"/>
+                </a:solidFill>
+              </a:rPr>
+            </a:br>
+            <a:r>
+              <a:rPr lang="en-GB" dirty="0">
+                <a:solidFill>
+                  <a:srgbClr val="FFFFFF"/>
+                </a:solidFill>
+              </a:rPr>
+              <a:t/>
+            </a:r>
+            <a:br>
+              <a:rPr lang="en-GB" dirty="0">
+                <a:solidFill>
+                  <a:srgbClr val="FFFFFF"/>
+                </a:solidFill>
+              </a:rPr>
+            </a:br>
+            <a:r>
+              <a:rPr lang="en-GB" dirty="0">
+                <a:solidFill>
+                  <a:srgbClr val="FFFFFF"/>
+                </a:solidFill>
+              </a:rPr>
+              <a:t/>
+            </a:r>
+            <a:br>
+              <a:rPr lang="en-GB" dirty="0">
+                <a:solidFill>
+                  <a:srgbClr val="FFFFFF"/>
+                </a:solidFill>
+              </a:rPr>
+            </a:br>
+            <a:r>
+              <a:rPr lang="en-GB" dirty="0">
+                <a:solidFill>
+                  <a:srgbClr val="FFFFFF"/>
+                </a:solidFill>
+              </a:rPr>
+              <a:t/>
+            </a:r>
+            <a:br>
+              <a:rPr lang="en-GB" dirty="0">
+                <a:solidFill>
+                  <a:srgbClr val="FFFFFF"/>
+                </a:solidFill>
+              </a:rPr>
+            </a:br>
+            <a:r>
+              <a:rPr lang="en-GB" dirty="0">
+                <a:solidFill>
+                  <a:srgbClr val="FFFFFF"/>
+                </a:solidFill>
+              </a:rPr>
+              <a:t>Thanks!</a:t>
+            </a:r>
+            <a:endParaRPr lang="en-US" dirty="0">
+              <a:solidFill>
+                <a:srgbClr val="FFFFFF"/>
+              </a:solidFill>
+            </a:endParaRPr>
+          </a:p>
+        </p:txBody>
+      </p:sp>
+    </p:spTree>
+    <p:extLst>
+      <p:ext uri="{BB962C8B-B14F-4D97-AF65-F5344CB8AC3E}">
+        <p14:creationId xmlns:p14="http://schemas.microsoft.com/office/powerpoint/2010/main" val="3830144737"/>
       </p:ext>
     </p:extLst>
   </p:cSld>
@@ -9775,7 +10797,7 @@
               <a:t>	{ return (</a:t>
             </a:r>
             <a:r>
-              <a:rPr lang="en-GB" sz="2000" b="1" dirty="0" err="1"/>
+              <a:rPr lang="en-GB" sz="2000" b="1" dirty="0"/>
               <a:t>int</a:t>
             </a:r>
             <a:r>
@@ -9783,7 +10805,7 @@
               <a:t>)</a:t>
             </a:r>
             <a:r>
-              <a:rPr lang="en-GB" sz="2000" b="1" dirty="0" err="1"/>
+              <a:rPr lang="en-GB" sz="2000" b="1" dirty="0"/>
               <a:t>Tokens.bsNumber</a:t>
             </a:r>
             <a:r>
@@ -9805,7 +10827,7 @@
               <a:t>	{ return (</a:t>
             </a:r>
             <a:r>
-              <a:rPr lang="en-GB" sz="2000" b="1" dirty="0" err="1"/>
+              <a:rPr lang="en-GB" sz="2000" b="1" dirty="0"/>
               <a:t>int</a:t>
             </a:r>
             <a:r>
@@ -9813,7 +10835,7 @@
               <a:t>)</a:t>
             </a:r>
             <a:r>
-              <a:rPr lang="en-GB" sz="2000" b="1" dirty="0" err="1"/>
+              <a:rPr lang="en-GB" sz="2000" b="1" dirty="0"/>
               <a:t>Tokens.bsIdent</a:t>
             </a:r>
             <a:r>

--- a/doc/10-Apresentação.pptx
+++ b/doc/10-Apresentação.pptx
@@ -3564,8 +3564,8 @@
           </a:p>
           <a:p>
             <a:r>
-              <a:rPr lang="en-US" dirty="0"/>
-              <a:t>19-07-2016</a:t>
+              <a:rPr lang="en-US" dirty="0" smtClean="0"/>
+              <a:t>03-02-2017</a:t>
             </a:r>
             <a:endParaRPr lang="pt-PT" dirty="0"/>
           </a:p>
@@ -3844,11 +3844,7 @@
             </a:r>
             <a:r>
               <a:rPr lang="en-GB" sz="1600" b="1" dirty="0"/>
-              <a:t>SourceElements</a:t>
-            </a:r>
-            <a:r>
-              <a:rPr lang="en-GB" sz="1600" b="1" dirty="0"/>
-              <a:t> </a:t>
+              <a:t>SourceElements </a:t>
             </a:r>
             <a:r>
               <a:rPr lang="en-GB" sz="1600" b="1" dirty="0" smtClean="0"/>
@@ -3856,15 +3852,7 @@
             </a:r>
             <a:r>
               <a:rPr lang="en-GB" sz="1600" b="1" dirty="0"/>
-              <a:t>$$ = </a:t>
-            </a:r>
-            <a:r>
-              <a:rPr lang="en-GB" sz="1600" b="1" dirty="0"/>
-              <a:t>BuildProgramNode</a:t>
-            </a:r>
-            <a:r>
-              <a:rPr lang="en-GB" sz="1600" b="1" dirty="0"/>
-              <a:t>($1); </a:t>
+              <a:t>$$ = BuildProgramNode($1); </a:t>
             </a:r>
             <a:r>
               <a:rPr lang="en-GB" sz="1600" b="1" dirty="0" smtClean="0"/>
@@ -3879,20 +3867,11 @@
               <a:rPr lang="en-GB" sz="1600" b="1" dirty="0"/>
               <a:t>SourceElements</a:t>
             </a:r>
-            <a:endParaRPr lang="en-GB" sz="1600" b="1" dirty="0"/>
           </a:p>
           <a:p>
             <a:r>
               <a:rPr lang="en-GB" sz="1600" b="1" dirty="0"/>
-              <a:t>	: </a:t>
-            </a:r>
-            <a:r>
-              <a:rPr lang="en-GB" sz="1600" b="1" dirty="0"/>
-              <a:t>EolOpt</a:t>
-            </a:r>
-            <a:r>
-              <a:rPr lang="en-GB" sz="1600" b="1" dirty="0"/>
-              <a:t> /* Empty </a:t>
+              <a:t>	: EolOpt /* Empty </a:t>
             </a:r>
             <a:r>
               <a:rPr lang="en-GB" sz="1600" b="1" dirty="0" smtClean="0"/>
@@ -3908,83 +3887,42 @@
             </a:r>
             <a:r>
               <a:rPr lang="en-GB" sz="1600" b="1" dirty="0"/>
-              <a:t>$$ = </a:t>
-            </a:r>
+              <a:t>$$ = BuildSourceElementsNode();}</a:t>
+            </a:r>
+          </a:p>
+          <a:p>
             <a:r>
               <a:rPr lang="en-GB" sz="1600" b="1" dirty="0"/>
+              <a:t>	| EolOpt SourceElement SourceElements	{ $$ = </a:t>
+            </a:r>
+            <a:r>
+              <a:rPr lang="en-GB" sz="1600" b="1" dirty="0" smtClean="0"/>
               <a:t>BuildSourceElementsNode</a:t>
             </a:r>
             <a:r>
               <a:rPr lang="en-GB" sz="1600" b="1" dirty="0"/>
-              <a:t>();}</a:t>
+              <a:t>($2, $3);}</a:t>
             </a:r>
           </a:p>
           <a:p>
             <a:r>
               <a:rPr lang="en-GB" sz="1600" b="1" dirty="0"/>
-              <a:t>	| </a:t>
-            </a:r>
-            <a:r>
-              <a:rPr lang="en-GB" sz="1600" b="1" dirty="0"/>
-              <a:t>EolOpt</a:t>
-            </a:r>
-            <a:r>
-              <a:rPr lang="en-GB" sz="1600" b="1" dirty="0"/>
-              <a:t> </a:t>
-            </a:r>
+              <a:t>	;</a:t>
+            </a:r>
+          </a:p>
+          <a:p>
+            <a:endParaRPr lang="en-GB" sz="1600" b="1" dirty="0"/>
+          </a:p>
+          <a:p>
             <a:r>
               <a:rPr lang="en-GB" sz="1600" b="1" dirty="0"/>
               <a:t>SourceElement</a:t>
             </a:r>
+          </a:p>
+          <a:p>
             <a:r>
               <a:rPr lang="en-GB" sz="1600" b="1" dirty="0"/>
-              <a:t> </a:t>
-            </a:r>
-            <a:r>
-              <a:rPr lang="en-GB" sz="1600" b="1" dirty="0"/>
-              <a:t>SourceElements</a:t>
-            </a:r>
-            <a:r>
-              <a:rPr lang="en-GB" sz="1600" b="1" dirty="0"/>
-              <a:t>	{ $$ = </a:t>
-            </a:r>
-            <a:r>
-              <a:rPr lang="en-GB" sz="1600" b="1" dirty="0" smtClean="0"/>
-              <a:t>BuildSourceElementsNode</a:t>
-            </a:r>
-            <a:r>
-              <a:rPr lang="en-GB" sz="1600" b="1" dirty="0"/>
-              <a:t>($2, $3);}</a:t>
-            </a:r>
-          </a:p>
-          <a:p>
-            <a:r>
-              <a:rPr lang="en-GB" sz="1600" b="1" dirty="0"/>
-              <a:t>	;</a:t>
-            </a:r>
-          </a:p>
-          <a:p>
-            <a:endParaRPr lang="en-GB" sz="1600" b="1" dirty="0"/>
-          </a:p>
-          <a:p>
-            <a:r>
-              <a:rPr lang="en-GB" sz="1600" b="1" dirty="0"/>
-              <a:t>SourceElement</a:t>
-            </a:r>
-            <a:endParaRPr lang="en-GB" sz="1600" b="1" dirty="0"/>
-          </a:p>
-          <a:p>
-            <a:r>
-              <a:rPr lang="en-GB" sz="1600" b="1" dirty="0"/>
-              <a:t>	: </a:t>
-            </a:r>
-            <a:r>
-              <a:rPr lang="en-GB" sz="1600" b="1" dirty="0"/>
-              <a:t>SubDeclaration</a:t>
-            </a:r>
-            <a:r>
-              <a:rPr lang="en-GB" sz="1600" b="1" dirty="0"/>
-              <a:t>		</a:t>
+              <a:t>	: SubDeclaration		</a:t>
             </a:r>
             <a:r>
               <a:rPr lang="en-GB" sz="1600" b="1" dirty="0" smtClean="0"/>
@@ -3992,57 +3930,20 @@
             </a:r>
             <a:r>
               <a:rPr lang="en-GB" sz="1600" b="1" dirty="0"/>
-              <a:t>$$ = </a:t>
-            </a:r>
+              <a:t>$$ = BuildSourceElementNode($1); }</a:t>
+            </a:r>
+          </a:p>
+          <a:p>
             <a:r>
               <a:rPr lang="en-GB" sz="1600" b="1" dirty="0"/>
-              <a:t>BuildSourceElementNode</a:t>
-            </a:r>
+              <a:t>	| FunctionDeclaration		{ $$ = BuildSourceElementNode($1); }</a:t>
+            </a:r>
+          </a:p>
+          <a:p>
             <a:r>
               <a:rPr lang="en-GB" sz="1600" b="1" dirty="0"/>
-              <a:t>($1); }</a:t>
-            </a:r>
-          </a:p>
-          <a:p>
-            <a:r>
-              <a:rPr lang="en-GB" sz="1600" b="1" dirty="0"/>
-              <a:t>	| </a:t>
-            </a:r>
-            <a:r>
-              <a:rPr lang="en-GB" sz="1600" b="1" dirty="0"/>
-              <a:t>FunctionDeclaration</a:t>
-            </a:r>
-            <a:r>
-              <a:rPr lang="en-GB" sz="1600" b="1" dirty="0"/>
-              <a:t>		{ $$ = </a:t>
-            </a:r>
-            <a:r>
-              <a:rPr lang="en-GB" sz="1600" b="1" dirty="0"/>
-              <a:t>BuildSourceElementNode</a:t>
-            </a:r>
-            <a:r>
-              <a:rPr lang="en-GB" sz="1600" b="1" dirty="0"/>
-              <a:t>($1); }</a:t>
-            </a:r>
-          </a:p>
-          <a:p>
-            <a:r>
-              <a:rPr lang="en-GB" sz="1600" b="1" dirty="0"/>
-              <a:t>	| </a:t>
-            </a:r>
-            <a:r>
-              <a:rPr lang="en-GB" sz="1600" b="1" dirty="0"/>
-              <a:t>bsLibrary</a:t>
-            </a:r>
-            <a:r>
-              <a:rPr lang="en-GB" sz="1600" b="1" dirty="0"/>
-              <a:t> </a:t>
-            </a:r>
-            <a:r>
-              <a:rPr lang="en-GB" sz="1600" b="1" dirty="0"/>
-              <a:t>bsStr</a:t>
-            </a:r>
-            <a:endParaRPr lang="en-GB" sz="1600" b="1" dirty="0"/>
+              <a:t>	| bsLibrary bsStr</a:t>
+            </a:r>
           </a:p>
           <a:p>
             <a:r>
@@ -6545,12 +6446,48 @@
             </a:r>
           </a:p>
           <a:p>
+            <a:pPr marL="737171" lvl="2" indent="-342900"/>
+            <a:r>
+              <a:rPr lang="pt-PT" sz="2600" dirty="0" smtClean="0"/>
+              <a:t>Register Services</a:t>
+            </a:r>
+            <a:endParaRPr lang="pt-PT" sz="2600" dirty="0" smtClean="0"/>
+          </a:p>
+          <a:p>
             <a:pPr marL="573658" lvl="1" indent="-342900"/>
             <a:r>
               <a:rPr lang="pt-PT" sz="2800" dirty="0" smtClean="0"/>
               <a:t>MefComponent</a:t>
             </a:r>
-            <a:endParaRPr lang="pt-PT" sz="2800" dirty="0"/>
+          </a:p>
+          <a:p>
+            <a:pPr marL="737171" lvl="2" indent="-342900"/>
+            <a:r>
+              <a:rPr lang="pt-PT" sz="2600" dirty="0"/>
+              <a:t>Syntax </a:t>
+            </a:r>
+            <a:r>
+              <a:rPr lang="pt-PT" sz="2600" dirty="0" smtClean="0"/>
+              <a:t>highlight</a:t>
+            </a:r>
+          </a:p>
+          <a:p>
+            <a:pPr marL="737171" lvl="2" indent="-342900"/>
+            <a:r>
+              <a:rPr lang="pt-PT" sz="2600" dirty="0" smtClean="0"/>
+              <a:t>Intellisense</a:t>
+            </a:r>
+          </a:p>
+          <a:p>
+            <a:pPr marL="737171" lvl="2" indent="-342900"/>
+            <a:r>
+              <a:rPr lang="pt-PT" sz="2600" dirty="0" smtClean="0"/>
+              <a:t>Errors </a:t>
+            </a:r>
+          </a:p>
+          <a:p>
+            <a:pPr marL="737171" lvl="2" indent="-342900"/>
+            <a:endParaRPr lang="pt-PT" sz="2600" dirty="0"/>
           </a:p>
         </p:txBody>
       </p:sp>
@@ -10794,23 +10731,7 @@
             </a:r>
             <a:r>
               <a:rPr lang="en-GB" sz="2000" b="1" dirty="0"/>
-              <a:t>	{ return (</a:t>
-            </a:r>
-            <a:r>
-              <a:rPr lang="en-GB" sz="2000" b="1" dirty="0"/>
-              <a:t>int</a:t>
-            </a:r>
-            <a:r>
-              <a:rPr lang="en-GB" sz="2000" b="1" dirty="0"/>
-              <a:t>)</a:t>
-            </a:r>
-            <a:r>
-              <a:rPr lang="en-GB" sz="2000" b="1" dirty="0"/>
-              <a:t>Tokens.bsNumber</a:t>
-            </a:r>
-            <a:r>
-              <a:rPr lang="en-GB" sz="2000" b="1" dirty="0"/>
-              <a:t>; }</a:t>
+              <a:t>	{ return (int)Tokens.bsNumber; }</a:t>
             </a:r>
           </a:p>
           <a:p>
@@ -10824,23 +10745,7 @@
             </a:r>
             <a:r>
               <a:rPr lang="en-GB" sz="2000" b="1" dirty="0"/>
-              <a:t>	{ return (</a:t>
-            </a:r>
-            <a:r>
-              <a:rPr lang="en-GB" sz="2000" b="1" dirty="0"/>
-              <a:t>int</a:t>
-            </a:r>
-            <a:r>
-              <a:rPr lang="en-GB" sz="2000" b="1" dirty="0"/>
-              <a:t>)</a:t>
-            </a:r>
-            <a:r>
-              <a:rPr lang="en-GB" sz="2000" b="1" dirty="0"/>
-              <a:t>Tokens.bsIdent</a:t>
-            </a:r>
-            <a:r>
-              <a:rPr lang="en-GB" sz="2000" b="1" dirty="0"/>
-              <a:t>; }</a:t>
+              <a:t>	{ return (int)Tokens.bsIdent; }</a:t>
             </a:r>
           </a:p>
         </p:txBody>

--- a/doc/10-Apresentação.pptx
+++ b/doc/10-Apresentação.pptx
@@ -324,7 +324,7 @@
           <a:p>
             <a:fld id="{D332FDB8-6624-44F2-B55F-76766B54F52E}" type="datetimeFigureOut">
               <a:rPr lang="en-GB" smtClean="0"/>
-              <a:t>02/02/2017</a:t>
+              <a:t>03/02/2017</a:t>
             </a:fld>
             <a:endParaRPr lang="en-GB" dirty="0"/>
           </a:p>
@@ -489,7 +489,7 @@
           <a:p>
             <a:fld id="{0A6461F5-529A-C842-AC66-1C38DB5F2C5F}" type="datetimeFigureOut">
               <a:rPr lang="en-US" smtClean="0"/>
-              <a:t>2/2/2017</a:t>
+              <a:t>2/3/2017</a:t>
             </a:fld>
             <a:endParaRPr lang="en-US" dirty="0"/>
           </a:p>
@@ -3528,12 +3528,16 @@
               <a:rPr lang="pt-PT" dirty="0"/>
             </a:br>
             <a:r>
-              <a:rPr lang="pt-PT" dirty="0" err="1"/>
+              <a:rPr lang="en-US" dirty="0" smtClean="0"/>
               <a:t>Dissertation</a:t>
             </a:r>
             <a:r>
+              <a:rPr lang="pt-PT" dirty="0" smtClean="0"/>
+              <a:t> </a:t>
+            </a:r>
+            <a:r>
               <a:rPr lang="pt-PT" dirty="0"/>
-              <a:t> / Project</a:t>
+              <a:t>/ Project</a:t>
             </a:r>
             <a:br>
               <a:rPr lang="pt-PT" dirty="0"/>
@@ -4010,17 +4014,13 @@
           <a:lstStyle/>
           <a:p>
             <a:r>
-              <a:rPr lang="pt-PT" dirty="0" smtClean="0"/>
+              <a:rPr lang="en-GB" dirty="0" smtClean="0"/>
               <a:t>4-Debugger </a:t>
             </a:r>
-            <a:r>
-              <a:rPr lang="en-US" dirty="0"/>
-              <a:t/>
-            </a:r>
             <a:br>
-              <a:rPr lang="en-US" dirty="0"/>
+              <a:rPr lang="en-GB" dirty="0" smtClean="0"/>
             </a:br>
-            <a:endParaRPr lang="en-US" dirty="0"/>
+            <a:endParaRPr lang="en-GB" dirty="0"/>
           </a:p>
         </p:txBody>
       </p:sp>
@@ -5438,22 +5438,10 @@
           <a:p>
             <a:r>
               <a:rPr lang="en-US" dirty="0" smtClean="0"/>
-              <a:t>7-</a:t>
-            </a:r>
-            <a:r>
-              <a:rPr lang="pt-PT" dirty="0"/>
-              <a:t>Integração Visual </a:t>
-            </a:r>
-            <a:r>
-              <a:rPr lang="pt-PT" dirty="0" err="1"/>
-              <a:t>Studio</a:t>
-            </a:r>
-            <a:r>
-              <a:rPr lang="pt-PT" dirty="0"/>
-              <a:t/>
+              <a:t>7-Integração Visual Studio</a:t>
             </a:r>
             <a:br>
-              <a:rPr lang="pt-PT" dirty="0"/>
+              <a:rPr lang="en-US" dirty="0" smtClean="0"/>
             </a:br>
             <a:endParaRPr lang="en-US" dirty="0"/>
           </a:p>
@@ -6009,22 +5997,10 @@
           <a:p>
             <a:r>
               <a:rPr lang="en-US" dirty="0" smtClean="0"/>
-              <a:t>7-</a:t>
-            </a:r>
-            <a:r>
-              <a:rPr lang="pt-PT" dirty="0"/>
-              <a:t>Integração Visual </a:t>
-            </a:r>
-            <a:r>
-              <a:rPr lang="pt-PT" dirty="0" err="1"/>
-              <a:t>Studio</a:t>
-            </a:r>
-            <a:r>
-              <a:rPr lang="pt-PT" dirty="0"/>
-              <a:t/>
+              <a:t>7-Integração Visual Studio</a:t>
             </a:r>
             <a:br>
-              <a:rPr lang="pt-PT" dirty="0"/>
+              <a:rPr lang="en-US" dirty="0" smtClean="0"/>
             </a:br>
             <a:endParaRPr lang="en-US" dirty="0"/>
           </a:p>
@@ -6451,7 +6427,6 @@
               <a:rPr lang="pt-PT" sz="2600" dirty="0" smtClean="0"/>
               <a:t>Register Services</a:t>
             </a:r>
-            <a:endParaRPr lang="pt-PT" sz="2600" dirty="0" smtClean="0"/>
           </a:p>
           <a:p>
             <a:pPr marL="573658" lvl="1" indent="-342900"/>
@@ -6550,22 +6525,10 @@
           <a:p>
             <a:r>
               <a:rPr lang="en-US" dirty="0" smtClean="0"/>
-              <a:t>7-</a:t>
-            </a:r>
-            <a:r>
-              <a:rPr lang="pt-PT" dirty="0"/>
-              <a:t>Integração Visual </a:t>
-            </a:r>
-            <a:r>
-              <a:rPr lang="pt-PT" dirty="0" err="1"/>
-              <a:t>Studio</a:t>
-            </a:r>
-            <a:r>
-              <a:rPr lang="pt-PT" dirty="0"/>
-              <a:t/>
+              <a:t>7-Integração Visual Studio</a:t>
             </a:r>
             <a:br>
-              <a:rPr lang="pt-PT" dirty="0"/>
+              <a:rPr lang="en-US" dirty="0" smtClean="0"/>
             </a:br>
             <a:endParaRPr lang="en-US" dirty="0"/>
           </a:p>
@@ -7121,22 +7084,10 @@
           <a:p>
             <a:r>
               <a:rPr lang="en-US" dirty="0" smtClean="0"/>
-              <a:t>7-</a:t>
-            </a:r>
-            <a:r>
-              <a:rPr lang="pt-PT" dirty="0"/>
-              <a:t>Integração Visual </a:t>
-            </a:r>
-            <a:r>
-              <a:rPr lang="pt-PT" dirty="0" err="1"/>
-              <a:t>Studio</a:t>
-            </a:r>
-            <a:r>
-              <a:rPr lang="pt-PT" dirty="0"/>
-              <a:t/>
+              <a:t>7-Integração Visual Studio</a:t>
             </a:r>
             <a:br>
-              <a:rPr lang="pt-PT" dirty="0"/>
+              <a:rPr lang="en-US" dirty="0" smtClean="0"/>
             </a:br>
             <a:endParaRPr lang="en-US" dirty="0"/>
           </a:p>
@@ -7640,22 +7591,10 @@
           <a:p>
             <a:r>
               <a:rPr lang="en-US" dirty="0" smtClean="0"/>
-              <a:t>7-</a:t>
-            </a:r>
-            <a:r>
-              <a:rPr lang="pt-PT" dirty="0"/>
-              <a:t>Integração Visual </a:t>
-            </a:r>
-            <a:r>
-              <a:rPr lang="pt-PT" dirty="0" err="1"/>
-              <a:t>Studio</a:t>
-            </a:r>
-            <a:r>
-              <a:rPr lang="pt-PT" dirty="0"/>
-              <a:t/>
+              <a:t>7-Integração Visual Studio</a:t>
             </a:r>
             <a:br>
-              <a:rPr lang="pt-PT" dirty="0"/>
+              <a:rPr lang="en-US" dirty="0" smtClean="0"/>
             </a:br>
             <a:endParaRPr lang="en-US" dirty="0"/>
           </a:p>
@@ -8326,13 +8265,10 @@
           <a:lstStyle/>
           <a:p>
             <a:r>
-              <a:rPr lang="pt-PT" dirty="0" err="1"/>
-              <a:t>Index</a:t>
-            </a:r>
-            <a:r>
-              <a:rPr lang="en-US" dirty="0"/>
-              <a:t> </a:t>
-            </a:r>
+              <a:rPr lang="en-US" dirty="0" smtClean="0"/>
+              <a:t>Index </a:t>
+            </a:r>
+            <a:endParaRPr lang="en-US" dirty="0"/>
           </a:p>
         </p:txBody>
       </p:sp>
@@ -8361,10 +8297,9 @@
               <a:buAutoNum type="arabicParenR"/>
             </a:pPr>
             <a:r>
-              <a:rPr lang="pt-PT" sz="3200" dirty="0" err="1"/>
+              <a:rPr lang="en-US" sz="3200" dirty="0" smtClean="0"/>
               <a:t>Introduction</a:t>
             </a:r>
-            <a:endParaRPr lang="pt-PT" sz="3200" dirty="0"/>
           </a:p>
           <a:p>
             <a:pPr marL="342900" indent="-342900">
@@ -8372,7 +8307,7 @@
               <a:buAutoNum type="arabicParenR"/>
             </a:pPr>
             <a:r>
-              <a:rPr lang="pt-PT" sz="3200" dirty="0" smtClean="0"/>
+              <a:rPr lang="en-US" sz="3200" dirty="0" smtClean="0"/>
               <a:t>Compilers</a:t>
             </a:r>
           </a:p>
@@ -8382,10 +8317,9 @@
               <a:buAutoNum type="arabicParenR"/>
             </a:pPr>
             <a:r>
-              <a:rPr lang="pt-PT" sz="3200" dirty="0" smtClean="0"/>
+              <a:rPr lang="en-US" sz="3200" dirty="0" smtClean="0"/>
               <a:t>Code Generation Tools</a:t>
             </a:r>
-            <a:endParaRPr lang="pt-PT" sz="3200" dirty="0"/>
           </a:p>
           <a:p>
             <a:pPr marL="342900" indent="-342900">
@@ -8393,10 +8327,9 @@
               <a:buAutoNum type="arabicParenR"/>
             </a:pPr>
             <a:r>
-              <a:rPr lang="pt-PT" sz="3200" dirty="0" err="1"/>
+              <a:rPr lang="en-US" sz="3200" dirty="0" smtClean="0"/>
               <a:t>Debugger</a:t>
             </a:r>
-            <a:endParaRPr lang="pt-PT" sz="3200" dirty="0"/>
           </a:p>
           <a:p>
             <a:pPr marL="342900" indent="-342900">
@@ -8404,7 +8337,7 @@
               <a:buAutoNum type="arabicParenR"/>
             </a:pPr>
             <a:r>
-              <a:rPr lang="pt-PT" sz="3200" dirty="0" smtClean="0"/>
+              <a:rPr lang="en-US" sz="3200" dirty="0" smtClean="0"/>
               <a:t>Deploy</a:t>
             </a:r>
           </a:p>
@@ -8414,10 +8347,9 @@
               <a:buAutoNum type="arabicParenR"/>
             </a:pPr>
             <a:r>
-              <a:rPr lang="pt-PT" sz="3200" dirty="0" smtClean="0"/>
+              <a:rPr lang="en-US" sz="3200" dirty="0" smtClean="0"/>
               <a:t>Remote</a:t>
             </a:r>
-            <a:endParaRPr lang="pt-PT" sz="3200" dirty="0"/>
           </a:p>
           <a:p>
             <a:pPr marL="342900" indent="-342900">
@@ -8425,12 +8357,8 @@
               <a:buAutoNum type="arabicParenR"/>
             </a:pPr>
             <a:r>
-              <a:rPr lang="pt-PT" sz="3200" dirty="0"/>
-              <a:t>Visual Studio </a:t>
-            </a:r>
-            <a:r>
-              <a:rPr lang="pt-PT" sz="3200" dirty="0" smtClean="0"/>
-              <a:t>Extension</a:t>
+              <a:rPr lang="en-US" sz="3200" dirty="0" smtClean="0"/>
+              <a:t>Visual Studio Extension</a:t>
             </a:r>
           </a:p>
           <a:p>
@@ -8439,10 +8367,9 @@
               <a:buAutoNum type="arabicParenR"/>
             </a:pPr>
             <a:r>
-              <a:rPr lang="pt-PT" sz="3200" dirty="0" smtClean="0"/>
+              <a:rPr lang="en-US" sz="3200" dirty="0" smtClean="0"/>
               <a:t>Conclusion</a:t>
             </a:r>
-            <a:endParaRPr lang="pt-PT" sz="3200" dirty="0"/>
           </a:p>
           <a:p>
             <a:pPr marL="342900" indent="-342900">
@@ -8918,13 +8845,10 @@
               <a:t>1 - </a:t>
             </a:r>
             <a:r>
-              <a:rPr lang="pt-PT" dirty="0" err="1"/>
-              <a:t>Introduction</a:t>
-            </a:r>
-            <a:r>
-              <a:rPr lang="en-US" dirty="0"/>
-              <a:t> </a:t>
-            </a:r>
+              <a:rPr lang="en-US" dirty="0" smtClean="0"/>
+              <a:t>Introduction </a:t>
+            </a:r>
+            <a:endParaRPr lang="en-US" dirty="0"/>
           </a:p>
         </p:txBody>
       </p:sp>
@@ -8949,159 +8873,78 @@
           <a:lstStyle/>
           <a:p>
             <a:r>
-              <a:rPr lang="pt-PT" sz="2400" dirty="0"/>
+              <a:rPr lang="en-US" sz="2400" dirty="0" smtClean="0"/>
               <a:t>Roku</a:t>
             </a:r>
           </a:p>
           <a:p>
             <a:pPr marL="573658" lvl="1" indent="-342900"/>
             <a:r>
-              <a:rPr lang="pt-PT" sz="2000" dirty="0" err="1"/>
+              <a:rPr lang="en-US" sz="2000" dirty="0" smtClean="0"/>
               <a:t>Boxs</a:t>
             </a:r>
-            <a:endParaRPr lang="pt-PT" sz="2000" dirty="0"/>
-          </a:p>
-          <a:p>
-            <a:r>
-              <a:rPr lang="pt-PT" sz="2400" dirty="0" err="1"/>
-              <a:t>Brightscript</a:t>
-            </a:r>
-            <a:endParaRPr lang="pt-PT" sz="2400" dirty="0"/>
+            <a:endParaRPr lang="en-US" sz="2000" dirty="0" smtClean="0"/>
+          </a:p>
+          <a:p>
+            <a:r>
+              <a:rPr lang="en-US" sz="2400" dirty="0" smtClean="0"/>
+              <a:t>BrightScript</a:t>
+            </a:r>
+            <a:endParaRPr lang="en-US" sz="2400" dirty="0" smtClean="0"/>
+          </a:p>
+          <a:p>
+            <a:pPr marL="573658" lvl="1" indent="-342900" algn="just"/>
+            <a:r>
+              <a:rPr lang="en-US" sz="2000" dirty="0" smtClean="0"/>
+              <a:t>Based on VB and JavaScript</a:t>
+            </a:r>
+          </a:p>
+          <a:p>
+            <a:r>
+              <a:rPr lang="en-US" sz="2400" dirty="0" smtClean="0"/>
+              <a:t>Existing tools</a:t>
+            </a:r>
           </a:p>
           <a:p>
             <a:pPr marL="573658" lvl="1" indent="-342900"/>
             <a:r>
-              <a:rPr lang="pt-PT" sz="2000" dirty="0" err="1"/>
-              <a:t>Based</a:t>
-            </a:r>
-            <a:r>
-              <a:rPr lang="pt-PT" sz="2000" dirty="0"/>
-              <a:t> </a:t>
-            </a:r>
-            <a:r>
-              <a:rPr lang="pt-PT" sz="2000" dirty="0" err="1"/>
-              <a:t>on</a:t>
-            </a:r>
-            <a:r>
-              <a:rPr lang="pt-PT" sz="2000" dirty="0"/>
-              <a:t> VB </a:t>
-            </a:r>
-            <a:r>
-              <a:rPr lang="pt-PT" sz="2000" dirty="0" err="1"/>
-              <a:t>and</a:t>
-            </a:r>
-            <a:r>
-              <a:rPr lang="pt-PT" sz="2000" dirty="0"/>
-              <a:t> </a:t>
-            </a:r>
-            <a:r>
-              <a:rPr lang="pt-PT" sz="2000" dirty="0" err="1"/>
-              <a:t>javascript</a:t>
-            </a:r>
-            <a:endParaRPr lang="pt-PT" sz="2000" dirty="0"/>
-          </a:p>
-          <a:p>
-            <a:r>
-              <a:rPr lang="pt-PT" sz="2400" dirty="0" err="1"/>
-              <a:t>Existing</a:t>
-            </a:r>
-            <a:r>
-              <a:rPr lang="pt-PT" sz="2400" dirty="0"/>
-              <a:t> </a:t>
-            </a:r>
-            <a:r>
-              <a:rPr lang="pt-PT" sz="2400" dirty="0" err="1"/>
-              <a:t>tools</a:t>
-            </a:r>
-            <a:endParaRPr lang="pt-PT" sz="2400" dirty="0"/>
+              <a:rPr lang="en-US" sz="2000" dirty="0" smtClean="0"/>
+              <a:t>Ide – Plugin for Eclipse </a:t>
+            </a:r>
           </a:p>
           <a:p>
             <a:pPr marL="573658" lvl="1" indent="-342900"/>
             <a:r>
-              <a:rPr lang="pt-PT" sz="2000" dirty="0"/>
-              <a:t>Ide – </a:t>
-            </a:r>
-            <a:r>
-              <a:rPr lang="pt-PT" sz="2000" dirty="0" err="1"/>
-              <a:t>Plugin</a:t>
-            </a:r>
-            <a:r>
-              <a:rPr lang="pt-PT" sz="2000" dirty="0"/>
-              <a:t> for Eclipse </a:t>
+              <a:rPr lang="en-US" sz="2000" dirty="0" smtClean="0"/>
+              <a:t>Text editors</a:t>
+            </a:r>
+          </a:p>
+          <a:p>
+            <a:pPr marL="680021" lvl="2" indent="-285750"/>
+            <a:r>
+              <a:rPr lang="en-US" sz="1800" dirty="0" smtClean="0"/>
+              <a:t>Syntax Highlight: Sublime, Atom</a:t>
             </a:r>
           </a:p>
           <a:p>
             <a:pPr marL="573658" lvl="1" indent="-342900"/>
             <a:r>
-              <a:rPr lang="pt-PT" sz="2000" dirty="0" err="1"/>
-              <a:t>Text</a:t>
-            </a:r>
-            <a:r>
-              <a:rPr lang="pt-PT" sz="2000" dirty="0"/>
-              <a:t> </a:t>
-            </a:r>
-            <a:r>
-              <a:rPr lang="pt-PT" sz="2000" dirty="0" err="1"/>
-              <a:t>editors</a:t>
-            </a:r>
-            <a:endParaRPr lang="pt-PT" sz="2000" dirty="0"/>
+              <a:rPr lang="en-US" sz="2000" dirty="0" smtClean="0"/>
+              <a:t>Deploy</a:t>
+            </a:r>
           </a:p>
           <a:p>
             <a:pPr marL="680021" lvl="2" indent="-285750"/>
             <a:r>
-              <a:rPr lang="pt-PT" sz="1800" dirty="0" err="1"/>
-              <a:t>Sintax</a:t>
-            </a:r>
-            <a:r>
-              <a:rPr lang="pt-PT" sz="1800" dirty="0"/>
-              <a:t> </a:t>
-            </a:r>
-            <a:r>
-              <a:rPr lang="pt-PT" sz="1800" dirty="0" err="1"/>
-              <a:t>Highlight</a:t>
-            </a:r>
-            <a:r>
-              <a:rPr lang="pt-PT" sz="1800" dirty="0"/>
-              <a:t>: Sublime, </a:t>
-            </a:r>
-            <a:r>
-              <a:rPr lang="pt-PT" sz="1800" dirty="0" err="1"/>
-              <a:t>Atom</a:t>
-            </a:r>
-            <a:endParaRPr lang="pt-PT" sz="1800" dirty="0"/>
-          </a:p>
-          <a:p>
-            <a:pPr marL="573658" lvl="1" indent="-342900"/>
-            <a:r>
-              <a:rPr lang="pt-PT" sz="2000" dirty="0" err="1"/>
-              <a:t>Deploy</a:t>
-            </a:r>
-            <a:endParaRPr lang="pt-PT" sz="2000" dirty="0"/>
-          </a:p>
-          <a:p>
-            <a:pPr marL="680021" lvl="2" indent="-285750"/>
-            <a:r>
-              <a:rPr lang="pt-PT" sz="1800" dirty="0" err="1"/>
-              <a:t>Make</a:t>
-            </a:r>
-            <a:r>
-              <a:rPr lang="pt-PT" sz="1800" dirty="0"/>
-              <a:t> file / </a:t>
-            </a:r>
-            <a:r>
-              <a:rPr lang="pt-PT" sz="1800" dirty="0" err="1"/>
-              <a:t>Coffe</a:t>
-            </a:r>
-            <a:r>
-              <a:rPr lang="pt-PT" sz="1800" dirty="0"/>
-              <a:t> script</a:t>
+              <a:rPr lang="en-US" sz="1800" dirty="0" smtClean="0"/>
+              <a:t>Make file / Coffee script</a:t>
             </a:r>
           </a:p>
           <a:p>
             <a:pPr marL="0" indent="0">
               <a:buNone/>
             </a:pPr>
-            <a:endParaRPr lang="pt-PT" sz="2400" dirty="0"/>
+            <a:endParaRPr lang="en-US" sz="2400" dirty="0" smtClean="0"/>
           </a:p>
           <a:p>
             <a:pPr marL="342900" indent="-342900">
@@ -9319,13 +9162,10 @@
               <a:t>1 – </a:t>
             </a:r>
             <a:r>
-              <a:rPr lang="pt-PT" dirty="0" err="1"/>
-              <a:t>Introduction</a:t>
-            </a:r>
-            <a:r>
-              <a:rPr lang="en-US" dirty="0"/>
-              <a:t> </a:t>
-            </a:r>
+              <a:rPr lang="en-US" dirty="0" smtClean="0"/>
+              <a:t>Introduction </a:t>
+            </a:r>
+            <a:endParaRPr lang="en-US" dirty="0"/>
           </a:p>
         </p:txBody>
       </p:sp>
@@ -9350,42 +9190,28 @@
           <a:lstStyle/>
           <a:p>
             <a:r>
-              <a:rPr lang="pt-PT" sz="2400" dirty="0" err="1"/>
+              <a:rPr lang="en-US" sz="2400" dirty="0" smtClean="0"/>
               <a:t>Sky</a:t>
             </a:r>
-            <a:endParaRPr lang="pt-PT" sz="2400" dirty="0"/>
           </a:p>
           <a:p>
             <a:pPr marL="573658" lvl="1" indent="-342900"/>
             <a:r>
-              <a:rPr lang="pt-PT" sz="2200" dirty="0" err="1"/>
-              <a:t>Now</a:t>
-            </a:r>
-            <a:r>
-              <a:rPr lang="pt-PT" sz="2200" dirty="0"/>
-              <a:t> </a:t>
-            </a:r>
-            <a:r>
-              <a:rPr lang="pt-PT" sz="2200" dirty="0" err="1"/>
+              <a:rPr lang="en-US" sz="2200" dirty="0" smtClean="0"/>
+              <a:t>Now </a:t>
+            </a:r>
+            <a:r>
+              <a:rPr lang="en-US" sz="2200" dirty="0" smtClean="0"/>
               <a:t>Tv</a:t>
             </a:r>
-            <a:endParaRPr lang="pt-PT" sz="2200" dirty="0"/>
+            <a:endParaRPr lang="en-US" sz="2200" dirty="0" smtClean="0"/>
           </a:p>
           <a:p>
             <a:pPr marL="573658" lvl="1" indent="-342900"/>
             <a:r>
-              <a:rPr lang="pt-PT" sz="2200" dirty="0" err="1"/>
-              <a:t>Sky</a:t>
-            </a:r>
-            <a:r>
-              <a:rPr lang="pt-PT" sz="2200" dirty="0"/>
-              <a:t> </a:t>
-            </a:r>
-            <a:r>
-              <a:rPr lang="pt-PT" sz="2200" dirty="0" err="1"/>
-              <a:t>Store</a:t>
-            </a:r>
-            <a:endParaRPr lang="pt-PT" sz="2200" dirty="0"/>
+              <a:rPr lang="en-US" sz="2200" dirty="0" smtClean="0"/>
+              <a:t>Sky Store</a:t>
+            </a:r>
           </a:p>
           <a:p>
             <a:pPr marL="342900" indent="-342900">
@@ -9586,13 +9412,10 @@
               <a:t>1 - </a:t>
             </a:r>
             <a:r>
-              <a:rPr lang="pt-PT" dirty="0" err="1"/>
-              <a:t>Introduction</a:t>
-            </a:r>
-            <a:r>
-              <a:rPr lang="en-US" dirty="0"/>
-              <a:t> </a:t>
-            </a:r>
+              <a:rPr lang="en-US" dirty="0" smtClean="0"/>
+              <a:t>Introduction </a:t>
+            </a:r>
+            <a:endParaRPr lang="en-US" dirty="0"/>
           </a:p>
         </p:txBody>
       </p:sp>
@@ -9617,10 +9440,10 @@
           <a:lstStyle/>
           <a:p>
             <a:r>
-              <a:rPr lang="pt-PT" sz="2400" dirty="0" err="1"/>
-              <a:t>Arquitecture</a:t>
-            </a:r>
-            <a:endParaRPr lang="pt-PT" sz="2200" dirty="0"/>
+              <a:rPr lang="en-US" sz="2400" dirty="0"/>
+              <a:t>Architecture</a:t>
+            </a:r>
+            <a:endParaRPr lang="en-US" sz="2200" dirty="0" smtClean="0"/>
           </a:p>
           <a:p>
             <a:pPr marL="342900" indent="-342900">
@@ -9750,24 +9573,17 @@
           <a:lstStyle/>
           <a:p>
             <a:r>
-              <a:rPr lang="pt-PT" dirty="0"/>
-              <a:t>2 - </a:t>
-            </a:r>
-            <a:r>
-              <a:rPr lang="pt-PT" dirty="0" err="1"/>
-              <a:t>Compilers</a:t>
-            </a:r>
-            <a:r>
-              <a:rPr lang="pt-PT" dirty="0"/>
-              <a:t/>
+              <a:rPr lang="en-US" dirty="0" smtClean="0"/>
+              <a:t>2 - Compilers</a:t>
             </a:r>
             <a:br>
-              <a:rPr lang="pt-PT" dirty="0"/>
+              <a:rPr lang="en-US" dirty="0" smtClean="0"/>
             </a:br>
             <a:r>
-              <a:rPr lang="en-US" dirty="0"/>
+              <a:rPr lang="en-US" dirty="0" smtClean="0"/>
               <a:t> </a:t>
             </a:r>
+            <a:endParaRPr lang="en-US" dirty="0"/>
           </a:p>
         </p:txBody>
       </p:sp>
@@ -9792,13 +9608,13 @@
           <a:lstStyle/>
           <a:p>
             <a:r>
-              <a:rPr lang="pt-PT" sz="2200" dirty="0"/>
+              <a:rPr lang="en-US" sz="2200" dirty="0" smtClean="0"/>
               <a:t>Scanner</a:t>
             </a:r>
           </a:p>
           <a:p>
             <a:r>
-              <a:rPr lang="pt-PT" sz="2200" dirty="0" err="1"/>
+              <a:rPr lang="en-US" sz="2200" dirty="0" smtClean="0"/>
               <a:t>Parser</a:t>
             </a:r>
             <a:endParaRPr lang="en-US" sz="2400" dirty="0"/>
@@ -10008,24 +9824,17 @@
           <a:lstStyle/>
           <a:p>
             <a:r>
-              <a:rPr lang="pt-PT" dirty="0"/>
-              <a:t>2 - </a:t>
-            </a:r>
-            <a:r>
-              <a:rPr lang="pt-PT" dirty="0" err="1"/>
-              <a:t>Compilers</a:t>
-            </a:r>
-            <a:r>
-              <a:rPr lang="pt-PT" dirty="0"/>
-              <a:t/>
+              <a:rPr lang="en-US" dirty="0" smtClean="0"/>
+              <a:t>2 - Compilers</a:t>
             </a:r>
             <a:br>
-              <a:rPr lang="pt-PT" dirty="0"/>
+              <a:rPr lang="en-US" dirty="0" smtClean="0"/>
             </a:br>
             <a:r>
-              <a:rPr lang="en-US" dirty="0"/>
+              <a:rPr lang="en-US" dirty="0" smtClean="0"/>
               <a:t> </a:t>
             </a:r>
+            <a:endParaRPr lang="en-US" dirty="0"/>
           </a:p>
         </p:txBody>
       </p:sp>
@@ -10050,57 +9859,41 @@
           <a:lstStyle/>
           <a:p>
             <a:r>
-              <a:rPr lang="pt-PT" sz="2200" dirty="0"/>
+              <a:rPr lang="en-US" sz="2200" dirty="0" smtClean="0"/>
               <a:t>Scanner</a:t>
             </a:r>
           </a:p>
           <a:p>
             <a:pPr lvl="1"/>
             <a:r>
-              <a:rPr lang="pt-PT" sz="2000" dirty="0"/>
-              <a:t>Regular </a:t>
-            </a:r>
-            <a:r>
-              <a:rPr lang="pt-PT" sz="2000" dirty="0" err="1"/>
-              <a:t>Expressions</a:t>
-            </a:r>
-            <a:endParaRPr lang="pt-PT" sz="2000" dirty="0"/>
+              <a:rPr lang="en-US" sz="2000" dirty="0" smtClean="0"/>
+              <a:t>Regular Expressions</a:t>
+            </a:r>
           </a:p>
           <a:p>
             <a:pPr lvl="1"/>
             <a:r>
-              <a:rPr lang="pt-PT" sz="2000" dirty="0"/>
+              <a:rPr lang="en-US" sz="2000" dirty="0" smtClean="0"/>
               <a:t>FSA </a:t>
             </a:r>
           </a:p>
           <a:p>
             <a:pPr lvl="2"/>
             <a:r>
-              <a:rPr lang="pt-PT" sz="1800" dirty="0" err="1"/>
-              <a:t>Finite</a:t>
-            </a:r>
-            <a:r>
-              <a:rPr lang="pt-PT" sz="1800" dirty="0"/>
-              <a:t> </a:t>
-            </a:r>
-            <a:r>
-              <a:rPr lang="pt-PT" sz="1800" dirty="0" err="1"/>
-              <a:t>State</a:t>
-            </a:r>
-            <a:r>
-              <a:rPr lang="pt-PT" sz="1800" dirty="0"/>
-              <a:t> Autómata</a:t>
-            </a:r>
+              <a:rPr lang="en-US" sz="1800" dirty="0" smtClean="0"/>
+              <a:t>Finite State </a:t>
+            </a:r>
+            <a:r>
+              <a:rPr lang="en-US" sz="1800" dirty="0" smtClean="0"/>
+              <a:t>Autómata</a:t>
+            </a:r>
+            <a:endParaRPr lang="en-US" sz="1800" dirty="0" smtClean="0"/>
           </a:p>
           <a:p>
             <a:pPr lvl="1"/>
             <a:r>
-              <a:rPr lang="pt-PT" sz="2000" dirty="0" smtClean="0"/>
-              <a:t>Generates </a:t>
-            </a:r>
-            <a:r>
-              <a:rPr lang="pt-PT" sz="2000" dirty="0"/>
-              <a:t>Tokens</a:t>
+              <a:rPr lang="en-US" sz="2000" dirty="0" smtClean="0"/>
+              <a:t>Generates Tokens</a:t>
             </a:r>
           </a:p>
           <a:p>
@@ -10250,24 +10043,17 @@
           <a:lstStyle/>
           <a:p>
             <a:r>
-              <a:rPr lang="pt-PT" dirty="0"/>
-              <a:t>2 - </a:t>
-            </a:r>
-            <a:r>
-              <a:rPr lang="pt-PT" dirty="0" err="1"/>
-              <a:t>Compilers</a:t>
-            </a:r>
-            <a:r>
-              <a:rPr lang="pt-PT" dirty="0"/>
-              <a:t/>
+              <a:rPr lang="en-US" dirty="0" smtClean="0"/>
+              <a:t>2 - Compilers</a:t>
             </a:r>
             <a:br>
-              <a:rPr lang="pt-PT" dirty="0"/>
+              <a:rPr lang="en-US" dirty="0" smtClean="0"/>
             </a:br>
             <a:r>
-              <a:rPr lang="en-US" dirty="0"/>
+              <a:rPr lang="en-US" dirty="0" smtClean="0"/>
               <a:t> </a:t>
             </a:r>
+            <a:endParaRPr lang="en-US" dirty="0"/>
           </a:p>
         </p:txBody>
       </p:sp>
@@ -10292,10 +10078,9 @@
           <a:lstStyle/>
           <a:p>
             <a:r>
-              <a:rPr lang="pt-PT" sz="2200" dirty="0" err="1"/>
+              <a:rPr lang="en-US" sz="2200" dirty="0" smtClean="0"/>
               <a:t>Parser</a:t>
             </a:r>
-            <a:endParaRPr lang="pt-PT" sz="2200" dirty="0"/>
           </a:p>
           <a:p>
             <a:pPr lvl="1"/>
@@ -10303,25 +10088,19 @@
               <a:rPr lang="en-US" sz="2000" dirty="0" smtClean="0"/>
               <a:t>LALR(1) </a:t>
             </a:r>
-            <a:endParaRPr lang="en-US" sz="2000" dirty="0"/>
           </a:p>
           <a:p>
             <a:pPr lvl="2"/>
             <a:r>
-              <a:rPr lang="en-US" sz="1800" dirty="0"/>
+              <a:rPr lang="en-US" sz="1800" dirty="0" smtClean="0"/>
               <a:t>Look-Ahead token, Left-to-Right - rightmost derivation</a:t>
             </a:r>
-            <a:endParaRPr lang="pt-PT" sz="1800" dirty="0"/>
           </a:p>
           <a:p>
             <a:pPr lvl="1"/>
             <a:r>
-              <a:rPr lang="pt-PT" sz="2000" dirty="0" smtClean="0"/>
-              <a:t>Generates </a:t>
-            </a:r>
-            <a:r>
-              <a:rPr lang="pt-PT" sz="2000" dirty="0"/>
-              <a:t>AST (Abstract Sintax Tree)</a:t>
+              <a:rPr lang="en-US" sz="2000" dirty="0" smtClean="0"/>
+              <a:t>Generates AST (Abstract Syntax Tree)</a:t>
             </a:r>
           </a:p>
           <a:p>

--- a/doc/10-Apresentação.pptx
+++ b/doc/10-Apresentação.pptx
@@ -4015,7 +4015,11 @@
           <a:p>
             <a:r>
               <a:rPr lang="en-GB" dirty="0" smtClean="0"/>
-              <a:t>4-Debugger </a:t>
+              <a:t>4 - Debugger </a:t>
+            </a:r>
+            <a:r>
+              <a:rPr lang="en-GB" dirty="0" smtClean="0"/>
+              <a:t/>
             </a:r>
             <a:br>
               <a:rPr lang="en-GB" dirty="0" smtClean="0"/>
@@ -4366,7 +4370,7 @@
           <a:p>
             <a:r>
               <a:rPr lang="pt-PT" dirty="0" smtClean="0"/>
-              <a:t>5-Deploy </a:t>
+              <a:t>5 - Deploy </a:t>
             </a:r>
             <a:r>
               <a:rPr lang="en-US" dirty="0"/>
@@ -4819,8 +4823,12 @@
           <a:p>
             <a:pPr marL="342900" indent="-342900"/>
             <a:r>
+              <a:rPr lang="en-US" sz="2400" dirty="0" smtClean="0"/>
+              <a:t>Upload </a:t>
+            </a:r>
+            <a:r>
               <a:rPr lang="en-US" sz="2400" dirty="0"/>
-              <a:t>Send to Box</a:t>
+              <a:t>to Box</a:t>
             </a:r>
           </a:p>
           <a:p>
@@ -4926,7 +4934,7 @@
           <a:p>
             <a:r>
               <a:rPr lang="pt-PT" dirty="0" smtClean="0"/>
-              <a:t>6-Remote </a:t>
+              <a:t>6 - Remote </a:t>
             </a:r>
             <a:r>
               <a:rPr lang="en-US" dirty="0"/>
@@ -5438,7 +5446,11 @@
           <a:p>
             <a:r>
               <a:rPr lang="en-US" dirty="0" smtClean="0"/>
-              <a:t>7-Integração Visual Studio</a:t>
+              <a:t>7 - Visual Studio Extension</a:t>
+            </a:r>
+            <a:r>
+              <a:rPr lang="en-US" dirty="0" smtClean="0"/>
+              <a:t/>
             </a:r>
             <a:br>
               <a:rPr lang="en-US" dirty="0" smtClean="0"/>
@@ -5997,7 +6009,15 @@
           <a:p>
             <a:r>
               <a:rPr lang="en-US" dirty="0" smtClean="0"/>
-              <a:t>7-Integração Visual Studio</a:t>
+              <a:t>7 - Visual </a:t>
+            </a:r>
+            <a:r>
+              <a:rPr lang="en-US" dirty="0"/>
+              <a:t>Studio Extension</a:t>
+            </a:r>
+            <a:r>
+              <a:rPr lang="en-US" dirty="0" smtClean="0"/>
+              <a:t/>
             </a:r>
             <a:br>
               <a:rPr lang="en-US" dirty="0" smtClean="0"/>
@@ -6404,29 +6424,17 @@
             <a:pPr marL="573658" lvl="1" indent="-342900"/>
             <a:r>
               <a:rPr lang="pt-PT" sz="2800" dirty="0" smtClean="0"/>
-              <a:t>Project Template</a:t>
-            </a:r>
-          </a:p>
-          <a:p>
-            <a:pPr marL="573658" lvl="1" indent="-342900"/>
-            <a:r>
-              <a:rPr lang="pt-PT" sz="2800" dirty="0" smtClean="0"/>
-              <a:t>Item Template</a:t>
-            </a:r>
-          </a:p>
-          <a:p>
-            <a:pPr marL="573658" lvl="1" indent="-342900"/>
-            <a:r>
-              <a:rPr lang="pt-PT" sz="2800" dirty="0" smtClean="0"/>
               <a:t>VsPackage</a:t>
             </a:r>
+            <a:endParaRPr lang="pt-PT" sz="2800" dirty="0" smtClean="0"/>
           </a:p>
           <a:p>
             <a:pPr marL="737171" lvl="2" indent="-342900"/>
             <a:r>
               <a:rPr lang="pt-PT" sz="2600" dirty="0" smtClean="0"/>
-              <a:t>Register Services</a:t>
-            </a:r>
+              <a:t>UI Elements, Services, Projects, Editors, Designers</a:t>
+            </a:r>
+            <a:endParaRPr lang="pt-PT" sz="2600" dirty="0" smtClean="0"/>
           </a:p>
           <a:p>
             <a:pPr marL="573658" lvl="1" indent="-342900"/>
@@ -6459,6 +6467,24 @@
               <a:rPr lang="pt-PT" sz="2600" dirty="0" smtClean="0"/>
               <a:t>Errors </a:t>
             </a:r>
+          </a:p>
+          <a:p>
+            <a:pPr marL="573658" lvl="1" indent="-342900"/>
+            <a:r>
+              <a:rPr lang="pt-PT" sz="2800" dirty="0"/>
+              <a:t>Project Template</a:t>
+            </a:r>
+          </a:p>
+          <a:p>
+            <a:pPr marL="573658" lvl="1" indent="-342900"/>
+            <a:r>
+              <a:rPr lang="pt-PT" sz="2800" dirty="0"/>
+              <a:t>Item Template</a:t>
+            </a:r>
+          </a:p>
+          <a:p>
+            <a:pPr marL="737171" lvl="2" indent="-342900"/>
+            <a:endParaRPr lang="pt-PT" sz="2600" dirty="0" smtClean="0"/>
           </a:p>
           <a:p>
             <a:pPr marL="737171" lvl="2" indent="-342900"/>
@@ -6524,8 +6550,12 @@
           <a:lstStyle/>
           <a:p>
             <a:r>
+              <a:rPr lang="en-US" dirty="0"/>
+              <a:t>7 - Visual Studio Extension</a:t>
+            </a:r>
+            <a:r>
               <a:rPr lang="en-US" dirty="0" smtClean="0"/>
-              <a:t>7-Integração Visual Studio</a:t>
+              <a:t/>
             </a:r>
             <a:br>
               <a:rPr lang="en-US" dirty="0" smtClean="0"/>
@@ -7083,8 +7113,12 @@
           <a:lstStyle/>
           <a:p>
             <a:r>
+              <a:rPr lang="en-US" dirty="0"/>
+              <a:t>7 - Visual Studio Extension</a:t>
+            </a:r>
+            <a:r>
               <a:rPr lang="en-US" dirty="0" smtClean="0"/>
-              <a:t>7-Integração Visual Studio</a:t>
+              <a:t/>
             </a:r>
             <a:br>
               <a:rPr lang="en-US" dirty="0" smtClean="0"/>
@@ -7590,8 +7624,12 @@
           <a:lstStyle/>
           <a:p>
             <a:r>
+              <a:rPr lang="en-US" dirty="0"/>
+              <a:t>7 - Visual Studio Extension</a:t>
+            </a:r>
+            <a:r>
               <a:rPr lang="en-US" dirty="0" smtClean="0"/>
-              <a:t>7-Integração Visual Studio</a:t>
+              <a:t/>
             </a:r>
             <a:br>
               <a:rPr lang="en-US" dirty="0" smtClean="0"/>
@@ -8368,8 +8406,9 @@
             </a:pPr>
             <a:r>
               <a:rPr lang="en-US" sz="3200" dirty="0" smtClean="0"/>
-              <a:t>Conclusion</a:t>
-            </a:r>
+              <a:t>Conclusions</a:t>
+            </a:r>
+            <a:endParaRPr lang="en-US" sz="3200" dirty="0" smtClean="0"/>
           </a:p>
           <a:p>
             <a:pPr marL="342900" indent="-342900">
@@ -8478,11 +8517,11 @@
           <a:p>
             <a:r>
               <a:rPr lang="en-US" dirty="0" smtClean="0"/>
-              <a:t>8-</a:t>
+              <a:t>8 - </a:t>
             </a:r>
             <a:r>
               <a:rPr lang="pt-PT" dirty="0" smtClean="0"/>
-              <a:t>Conclusion</a:t>
+              <a:t>Conclusions</a:t>
             </a:r>
             <a:r>
               <a:rPr lang="pt-PT" dirty="0"/>
@@ -8841,7 +8880,7 @@
           <a:lstStyle/>
           <a:p>
             <a:r>
-              <a:rPr lang="pt-PT" dirty="0"/>
+              <a:rPr lang="pt-PT" dirty="0" smtClean="0"/>
               <a:t>1 - </a:t>
             </a:r>
             <a:r>
@@ -8883,14 +8922,12 @@
               <a:rPr lang="en-US" sz="2000" dirty="0" smtClean="0"/>
               <a:t>Boxs</a:t>
             </a:r>
-            <a:endParaRPr lang="en-US" sz="2000" dirty="0" smtClean="0"/>
           </a:p>
           <a:p>
             <a:r>
               <a:rPr lang="en-US" sz="2400" dirty="0" smtClean="0"/>
               <a:t>BrightScript</a:t>
             </a:r>
-            <a:endParaRPr lang="en-US" sz="2400" dirty="0" smtClean="0"/>
           </a:p>
           <a:p>
             <a:pPr marL="573658" lvl="1" indent="-342900" algn="just"/>
@@ -9198,13 +9235,8 @@
             <a:pPr marL="573658" lvl="1" indent="-342900"/>
             <a:r>
               <a:rPr lang="en-US" sz="2200" dirty="0" smtClean="0"/>
-              <a:t>Now </a:t>
-            </a:r>
-            <a:r>
-              <a:rPr lang="en-US" sz="2200" dirty="0" smtClean="0"/>
-              <a:t>Tv</a:t>
-            </a:r>
-            <a:endParaRPr lang="en-US" sz="2200" dirty="0" smtClean="0"/>
+              <a:t>Now Tv</a:t>
+            </a:r>
           </a:p>
           <a:p>
             <a:pPr marL="573658" lvl="1" indent="-342900"/>
@@ -9881,13 +9913,8 @@
             <a:pPr lvl="2"/>
             <a:r>
               <a:rPr lang="en-US" sz="1800" dirty="0" smtClean="0"/>
-              <a:t>Finite State </a:t>
-            </a:r>
-            <a:r>
-              <a:rPr lang="en-US" sz="1800" dirty="0" smtClean="0"/>
-              <a:t>Autómata</a:t>
-            </a:r>
-            <a:endParaRPr lang="en-US" sz="1800" dirty="0" smtClean="0"/>
+              <a:t>Finite State Autómata</a:t>
+            </a:r>
           </a:p>
           <a:p>
             <a:pPr lvl="1"/>
@@ -9946,43 +9973,26 @@
       </p:pic>
       <p:pic>
         <p:nvPicPr>
-          <p:cNvPr id="1028" name="Picture 4" descr="https://upload.wikimedia.org/wikipedia/commons/thumb/2/2a/CPT-FSM-abcd.svg/326px-CPT-FSM-abcd.svg.png"/>
+          <p:cNvPr id="8" name="Imagem 22"/>
           <p:cNvPicPr>
-            <a:picLocks noChangeAspect="1" noChangeArrowheads="1"/>
+            <a:picLocks noChangeAspect="1"/>
           </p:cNvPicPr>
           <p:nvPr/>
         </p:nvPicPr>
         <p:blipFill>
-          <a:blip r:embed="rId3">
-            <a:extLst>
-              <a:ext uri="{28A0092B-C50C-407E-A947-70E740481C1C}">
-                <a14:useLocalDpi xmlns:a14="http://schemas.microsoft.com/office/drawing/2010/main" val="0"/>
-              </a:ext>
-            </a:extLst>
-          </a:blip>
-          <a:srcRect/>
+          <a:blip r:embed="rId3"/>
           <a:stretch>
             <a:fillRect/>
           </a:stretch>
         </p:blipFill>
-        <p:spPr bwMode="auto">
-          <a:xfrm>
-            <a:off x="4897156" y="1104900"/>
-            <a:ext cx="4186553" cy="3441706"/>
+        <p:spPr>
+          <a:xfrm>
+            <a:off x="3392996" y="844549"/>
+            <a:ext cx="8121867" cy="4338081"/>
           </a:xfrm>
           <a:prstGeom prst="rect">
             <a:avLst/>
           </a:prstGeom>
-          <a:noFill/>
-          <a:extLst>
-            <a:ext uri="{909E8E84-426E-40DD-AFC4-6F175D3DCCD1}">
-              <a14:hiddenFill xmlns:a14="http://schemas.microsoft.com/office/drawing/2010/main">
-                <a:solidFill>
-                  <a:srgbClr val="FFFFFF"/>
-                </a:solidFill>
-              </a14:hiddenFill>
-            </a:ext>
-          </a:extLst>
         </p:spPr>
       </p:pic>
     </p:spTree>
@@ -10099,9 +10109,33 @@
           <a:p>
             <a:pPr lvl="1"/>
             <a:r>
+              <a:rPr lang="pt-PT" sz="2000" dirty="0"/>
+              <a:t>symbol → symbol symbol ···</a:t>
+            </a:r>
+            <a:r>
+              <a:rPr lang="pt-PT" sz="2000" dirty="0" smtClean="0"/>
+              <a:t>symbol</a:t>
+            </a:r>
+            <a:endParaRPr lang="en-US" sz="2000" dirty="0" smtClean="0"/>
+          </a:p>
+          <a:p>
+            <a:pPr lvl="1"/>
+            <a:r>
               <a:rPr lang="en-US" sz="2000" dirty="0" smtClean="0"/>
-              <a:t>Generates AST (Abstract Syntax Tree)</a:t>
-            </a:r>
+              <a:t>Generates </a:t>
+            </a:r>
+            <a:r>
+              <a:rPr lang="en-US" sz="2000" dirty="0" smtClean="0"/>
+              <a:t>AST (Abstract Syntax Tree</a:t>
+            </a:r>
+            <a:r>
+              <a:rPr lang="en-US" sz="2000" dirty="0" smtClean="0"/>
+              <a:t>)</a:t>
+            </a:r>
+          </a:p>
+          <a:p>
+            <a:pPr lvl="1"/>
+            <a:endParaRPr lang="en-US" sz="2000" dirty="0" smtClean="0"/>
           </a:p>
           <a:p>
             <a:pPr marL="342900" indent="-342900">

--- a/doc/10-Apresentação.pptx
+++ b/doc/10-Apresentação.pptx
@@ -5,10 +5,10 @@
     <p:sldMasterId id="2147483656" r:id="rId1"/>
   </p:sldMasterIdLst>
   <p:notesMasterIdLst>
-    <p:notesMasterId r:id="rId23"/>
+    <p:notesMasterId r:id="rId22"/>
   </p:notesMasterIdLst>
   <p:handoutMasterIdLst>
-    <p:handoutMasterId r:id="rId24"/>
+    <p:handoutMasterId r:id="rId23"/>
   </p:handoutMasterIdLst>
   <p:sldIdLst>
     <p:sldId id="259" r:id="rId2"/>
@@ -24,14 +24,13 @@
     <p:sldId id="355" r:id="rId12"/>
     <p:sldId id="359" r:id="rId13"/>
     <p:sldId id="367" r:id="rId14"/>
-    <p:sldId id="360" r:id="rId15"/>
-    <p:sldId id="372" r:id="rId16"/>
-    <p:sldId id="368" r:id="rId17"/>
-    <p:sldId id="370" r:id="rId18"/>
-    <p:sldId id="371" r:id="rId19"/>
-    <p:sldId id="369" r:id="rId20"/>
-    <p:sldId id="373" r:id="rId21"/>
-    <p:sldId id="282" r:id="rId22"/>
+    <p:sldId id="372" r:id="rId15"/>
+    <p:sldId id="368" r:id="rId16"/>
+    <p:sldId id="370" r:id="rId17"/>
+    <p:sldId id="371" r:id="rId18"/>
+    <p:sldId id="369" r:id="rId19"/>
+    <p:sldId id="373" r:id="rId20"/>
+    <p:sldId id="282" r:id="rId21"/>
   </p:sldIdLst>
   <p:sldSz cx="11704638" cy="6583363"/>
   <p:notesSz cx="6797675" cy="9928225"/>
@@ -148,7 +147,6 @@
             <p14:sldId id="355"/>
             <p14:sldId id="359"/>
             <p14:sldId id="367"/>
-            <p14:sldId id="360"/>
             <p14:sldId id="372"/>
             <p14:sldId id="368"/>
             <p14:sldId id="370"/>
@@ -390,7 +388,7 @@
           <a:p>
             <a:fld id="{D6EC629B-57E8-4888-992D-55682DE18403}" type="slidenum">
               <a:rPr lang="en-GB" smtClean="0"/>
-              <a:t>‹#›</a:t>
+              <a:t>‹nº›</a:t>
             </a:fld>
             <a:endParaRPr lang="en-GB" dirty="0"/>
           </a:p>
@@ -648,7 +646,7 @@
           <a:p>
             <a:fld id="{75DDEA6C-8F12-2946-8FEA-AB499F257480}" type="slidenum">
               <a:rPr lang="en-US" smtClean="0"/>
-              <a:t>‹#›</a:t>
+              <a:t>‹nº›</a:t>
             </a:fld>
             <a:endParaRPr lang="en-US" dirty="0"/>
           </a:p>
@@ -806,10 +804,10 @@
               <a:buChar char="•"/>
             </a:pPr>
             <a:r>
-              <a:rPr lang="pt-PT" sz="1600" b="1" dirty="0" smtClean="0"/>
+              <a:rPr lang="pt-PT" sz="1600" b="1" dirty="0"/>
               <a:t>Create project</a:t>
             </a:r>
-            <a:endParaRPr lang="pt-PT" sz="1200" dirty="0" smtClean="0"/>
+            <a:endParaRPr lang="pt-PT" sz="1200" dirty="0"/>
           </a:p>
           <a:p>
             <a:pPr marL="870966" lvl="1" indent="-285750" fontAlgn="ctr">
@@ -817,10 +815,10 @@
               <a:buChar char="•"/>
             </a:pPr>
             <a:r>
-              <a:rPr lang="pt-PT" sz="1600" b="1" dirty="0" smtClean="0"/>
+              <a:rPr lang="pt-PT" sz="1600" b="1" dirty="0"/>
               <a:t>Add file</a:t>
             </a:r>
-            <a:endParaRPr lang="pt-PT" sz="1200" dirty="0" smtClean="0"/>
+            <a:endParaRPr lang="pt-PT" sz="1200" dirty="0"/>
           </a:p>
           <a:p>
             <a:pPr marL="285750" indent="-285750" fontAlgn="ctr">
@@ -828,10 +826,10 @@
               <a:buChar char="•"/>
             </a:pPr>
             <a:r>
-              <a:rPr lang="pt-PT" sz="1600" b="1" dirty="0" smtClean="0"/>
+              <a:rPr lang="pt-PT" sz="1600" b="1" dirty="0"/>
               <a:t>Snake</a:t>
             </a:r>
-            <a:endParaRPr lang="pt-PT" sz="1200" dirty="0" smtClean="0"/>
+            <a:endParaRPr lang="pt-PT" sz="1200" dirty="0"/>
           </a:p>
           <a:p>
             <a:pPr marL="870966" lvl="1" indent="-285750" fontAlgn="ctr">
@@ -839,10 +837,10 @@
               <a:buChar char="•"/>
             </a:pPr>
             <a:r>
-              <a:rPr lang="pt-PT" sz="1600" b="1" dirty="0" smtClean="0"/>
+              <a:rPr lang="pt-PT" sz="1600" b="1" dirty="0"/>
               <a:t>Show classification</a:t>
             </a:r>
-            <a:endParaRPr lang="pt-PT" sz="1200" dirty="0" smtClean="0"/>
+            <a:endParaRPr lang="pt-PT" sz="1200" dirty="0"/>
           </a:p>
           <a:p>
             <a:pPr marL="870966" lvl="1" indent="-285750" fontAlgn="ctr">
@@ -850,10 +848,10 @@
               <a:buChar char="•"/>
             </a:pPr>
             <a:r>
-              <a:rPr lang="pt-PT" sz="1600" b="1" dirty="0" smtClean="0"/>
+              <a:rPr lang="pt-PT" sz="1600" b="1" dirty="0"/>
               <a:t>Show intellisense</a:t>
             </a:r>
-            <a:endParaRPr lang="pt-PT" sz="1200" dirty="0" smtClean="0"/>
+            <a:endParaRPr lang="pt-PT" sz="1200" dirty="0"/>
           </a:p>
           <a:p>
             <a:pPr marL="870966" lvl="1" indent="-285750" fontAlgn="ctr">
@@ -861,10 +859,10 @@
               <a:buChar char="•"/>
             </a:pPr>
             <a:r>
-              <a:rPr lang="pt-PT" sz="1600" b="1" dirty="0" smtClean="0"/>
+              <a:rPr lang="pt-PT" sz="1600" b="1" dirty="0"/>
               <a:t>Show Error Validation</a:t>
             </a:r>
-            <a:endParaRPr lang="pt-PT" sz="1200" dirty="0" smtClean="0"/>
+            <a:endParaRPr lang="pt-PT" sz="1200" dirty="0"/>
           </a:p>
           <a:p>
             <a:pPr marL="1456182" lvl="2" indent="-285750" fontAlgn="ctr">
@@ -872,10 +870,10 @@
               <a:buChar char="•"/>
             </a:pPr>
             <a:r>
-              <a:rPr lang="pt-PT" sz="1600" b="1" dirty="0" smtClean="0"/>
+              <a:rPr lang="pt-PT" sz="1600" b="1" dirty="0"/>
               <a:t>Inline</a:t>
             </a:r>
-            <a:endParaRPr lang="pt-PT" sz="1200" dirty="0" smtClean="0"/>
+            <a:endParaRPr lang="pt-PT" sz="1200" dirty="0"/>
           </a:p>
           <a:p>
             <a:pPr marL="1456182" lvl="2" indent="-285750" fontAlgn="ctr">
@@ -883,10 +881,10 @@
               <a:buChar char="•"/>
             </a:pPr>
             <a:r>
-              <a:rPr lang="pt-PT" sz="1600" b="1" dirty="0" smtClean="0"/>
+              <a:rPr lang="pt-PT" sz="1600" b="1" dirty="0"/>
               <a:t>Error window</a:t>
             </a:r>
-            <a:endParaRPr lang="pt-PT" sz="1200" dirty="0" smtClean="0"/>
+            <a:endParaRPr lang="pt-PT" sz="1200" dirty="0"/>
           </a:p>
           <a:p>
             <a:pPr marL="870966" lvl="1" indent="-285750" fontAlgn="ctr">
@@ -894,10 +892,10 @@
               <a:buChar char="•"/>
             </a:pPr>
             <a:r>
-              <a:rPr lang="pt-PT" sz="1600" b="1" dirty="0" smtClean="0"/>
+              <a:rPr lang="pt-PT" sz="1600" b="1" dirty="0"/>
               <a:t>Show Remote window</a:t>
             </a:r>
-            <a:endParaRPr lang="pt-PT" sz="1200" dirty="0" smtClean="0"/>
+            <a:endParaRPr lang="pt-PT" sz="1200" dirty="0"/>
           </a:p>
           <a:p>
             <a:pPr marL="870966" lvl="1" indent="-285750" fontAlgn="ctr">
@@ -905,10 +903,10 @@
               <a:buChar char="•"/>
             </a:pPr>
             <a:r>
-              <a:rPr lang="pt-PT" sz="1600" b="1" dirty="0" smtClean="0"/>
+              <a:rPr lang="pt-PT" sz="1600" b="1" dirty="0"/>
               <a:t>Show ScreenShot window</a:t>
             </a:r>
-            <a:endParaRPr lang="pt-PT" sz="1200" dirty="0" smtClean="0"/>
+            <a:endParaRPr lang="pt-PT" sz="1200" dirty="0"/>
           </a:p>
           <a:p>
             <a:pPr marL="870966" lvl="1" indent="-285750" fontAlgn="ctr">
@@ -916,10 +914,10 @@
               <a:buChar char="•"/>
             </a:pPr>
             <a:r>
-              <a:rPr lang="pt-PT" sz="1600" b="1" dirty="0" smtClean="0"/>
+              <a:rPr lang="pt-PT" sz="1600" b="1" dirty="0"/>
               <a:t>Show Deploy</a:t>
             </a:r>
-            <a:endParaRPr lang="pt-PT" sz="1200" dirty="0" smtClean="0"/>
+            <a:endParaRPr lang="pt-PT" sz="1200" dirty="0"/>
           </a:p>
           <a:p>
             <a:pPr marL="870966" lvl="1" indent="-285750" fontAlgn="ctr">
@@ -927,10 +925,10 @@
               <a:buChar char="•"/>
             </a:pPr>
             <a:r>
-              <a:rPr lang="pt-PT" sz="1600" b="1" dirty="0" smtClean="0"/>
+              <a:rPr lang="pt-PT" sz="1600" b="1" dirty="0"/>
               <a:t>Show Debug</a:t>
             </a:r>
-            <a:endParaRPr lang="pt-PT" sz="1200" dirty="0" smtClean="0"/>
+            <a:endParaRPr lang="pt-PT" sz="1200" dirty="0"/>
           </a:p>
           <a:p>
             <a:pPr marL="1456182" lvl="2" indent="-285750" fontAlgn="ctr">
@@ -938,10 +936,10 @@
               <a:buChar char="•"/>
             </a:pPr>
             <a:r>
-              <a:rPr lang="pt-PT" sz="1600" b="1" dirty="0" smtClean="0"/>
+              <a:rPr lang="pt-PT" sz="1600" b="1" dirty="0"/>
               <a:t>Enter debug mode</a:t>
             </a:r>
-            <a:endParaRPr lang="pt-PT" sz="1200" dirty="0" smtClean="0"/>
+            <a:endParaRPr lang="pt-PT" sz="1200" dirty="0"/>
           </a:p>
           <a:p>
             <a:pPr marL="1456182" lvl="2" indent="-285750" fontAlgn="ctr">
@@ -949,10 +947,10 @@
               <a:buChar char="•"/>
             </a:pPr>
             <a:r>
-              <a:rPr lang="pt-PT" sz="1600" b="1" dirty="0" smtClean="0"/>
+              <a:rPr lang="pt-PT" sz="1600" b="1" dirty="0"/>
               <a:t>Show output</a:t>
             </a:r>
-            <a:endParaRPr lang="pt-PT" sz="1200" dirty="0" smtClean="0"/>
+            <a:endParaRPr lang="pt-PT" sz="1200" dirty="0"/>
           </a:p>
           <a:p>
             <a:pPr marL="1456182" lvl="2" indent="-285750" fontAlgn="ctr">
@@ -960,10 +958,10 @@
               <a:buChar char="•"/>
             </a:pPr>
             <a:r>
-              <a:rPr lang="pt-PT" sz="1600" b="1" dirty="0" smtClean="0"/>
+              <a:rPr lang="pt-PT" sz="1600" b="1" dirty="0"/>
               <a:t>Navigate call stack</a:t>
             </a:r>
-            <a:endParaRPr lang="pt-PT" sz="1200" dirty="0" smtClean="0"/>
+            <a:endParaRPr lang="pt-PT" sz="1200" dirty="0"/>
           </a:p>
           <a:p>
             <a:pPr marL="1456182" lvl="2" indent="-285750" fontAlgn="ctr">
@@ -971,10 +969,10 @@
               <a:buChar char="•"/>
             </a:pPr>
             <a:r>
-              <a:rPr lang="pt-PT" sz="1600" b="1" dirty="0" smtClean="0"/>
+              <a:rPr lang="pt-PT" sz="1600" b="1" dirty="0"/>
               <a:t>Show locals window</a:t>
             </a:r>
-            <a:endParaRPr lang="pt-PT" sz="1200" dirty="0" smtClean="0"/>
+            <a:endParaRPr lang="pt-PT" sz="1200" dirty="0"/>
           </a:p>
           <a:p>
             <a:pPr marL="2041398" lvl="3" indent="-285750" fontAlgn="ctr">
@@ -982,10 +980,10 @@
               <a:buChar char="•"/>
             </a:pPr>
             <a:r>
-              <a:rPr lang="pt-PT" sz="1600" b="1" dirty="0" smtClean="0"/>
+              <a:rPr lang="pt-PT" sz="1600" b="1" dirty="0"/>
               <a:t>Expand variable</a:t>
             </a:r>
-            <a:endParaRPr lang="pt-PT" sz="1200" dirty="0" smtClean="0"/>
+            <a:endParaRPr lang="pt-PT" sz="1200" dirty="0"/>
           </a:p>
           <a:p>
             <a:pPr marL="1456182" lvl="2" indent="-285750" fontAlgn="ctr">
@@ -993,10 +991,10 @@
               <a:buChar char="•"/>
             </a:pPr>
             <a:r>
-              <a:rPr lang="pt-PT" sz="1600" b="1" dirty="0" smtClean="0"/>
+              <a:rPr lang="pt-PT" sz="1600" b="1" dirty="0"/>
               <a:t>Show watch window</a:t>
             </a:r>
-            <a:endParaRPr lang="pt-PT" sz="1200" dirty="0" smtClean="0"/>
+            <a:endParaRPr lang="pt-PT" sz="1200" dirty="0"/>
           </a:p>
           <a:p>
             <a:pPr marL="2041398" lvl="3" indent="-285750" fontAlgn="ctr">
@@ -1004,10 +1002,10 @@
               <a:buChar char="•"/>
             </a:pPr>
             <a:r>
-              <a:rPr lang="pt-PT" sz="1600" b="1" dirty="0" smtClean="0"/>
+              <a:rPr lang="pt-PT" sz="1600" b="1" dirty="0"/>
               <a:t>Add to watch</a:t>
             </a:r>
-            <a:endParaRPr lang="pt-PT" sz="1200" dirty="0" smtClean="0"/>
+            <a:endParaRPr lang="pt-PT" sz="1200" dirty="0"/>
           </a:p>
           <a:p>
             <a:pPr marL="1456182" lvl="2" indent="-285750" fontAlgn="ctr">
@@ -1015,10 +1013,10 @@
               <a:buChar char="•"/>
             </a:pPr>
             <a:r>
-              <a:rPr lang="pt-PT" sz="1600" b="1" dirty="0" smtClean="0"/>
+              <a:rPr lang="pt-PT" sz="1600" b="1" dirty="0"/>
               <a:t>Step </a:t>
             </a:r>
-            <a:endParaRPr lang="pt-PT" sz="1200" dirty="0" smtClean="0"/>
+            <a:endParaRPr lang="pt-PT" sz="1200" dirty="0"/>
           </a:p>
           <a:p>
             <a:pPr marL="1456182" lvl="2" indent="-285750" fontAlgn="ctr">
@@ -1026,10 +1024,10 @@
               <a:buChar char="•"/>
             </a:pPr>
             <a:r>
-              <a:rPr lang="pt-PT" sz="1600" b="1" dirty="0" smtClean="0"/>
+              <a:rPr lang="pt-PT" sz="1600" b="1" dirty="0"/>
               <a:t>Continue</a:t>
             </a:r>
-            <a:endParaRPr lang="pt-PT" sz="1200" dirty="0" smtClean="0"/>
+            <a:endParaRPr lang="pt-PT" sz="1200" dirty="0"/>
           </a:p>
           <a:p>
             <a:endParaRPr lang="en-GB" dirty="0"/>
@@ -1053,7 +1051,7 @@
           <a:p>
             <a:fld id="{75DDEA6C-8F12-2946-8FEA-AB499F257480}" type="slidenum">
               <a:rPr lang="en-US" smtClean="0"/>
-              <a:t>19</a:t>
+              <a:t>18</a:t>
             </a:fld>
             <a:endParaRPr lang="en-US" dirty="0"/>
           </a:p>
@@ -1121,10 +1119,10 @@
               <a:buChar char="•"/>
             </a:pPr>
             <a:r>
-              <a:rPr lang="pt-PT" sz="1600" b="1" dirty="0" smtClean="0"/>
+              <a:rPr lang="pt-PT" sz="1600" b="1" dirty="0"/>
               <a:t>Create project</a:t>
             </a:r>
-            <a:endParaRPr lang="pt-PT" sz="1200" dirty="0" smtClean="0"/>
+            <a:endParaRPr lang="pt-PT" sz="1200" dirty="0"/>
           </a:p>
           <a:p>
             <a:pPr marL="870966" lvl="1" indent="-285750" fontAlgn="ctr">
@@ -1132,10 +1130,10 @@
               <a:buChar char="•"/>
             </a:pPr>
             <a:r>
-              <a:rPr lang="pt-PT" sz="1600" b="1" dirty="0" smtClean="0"/>
+              <a:rPr lang="pt-PT" sz="1600" b="1" dirty="0"/>
               <a:t>Add file</a:t>
             </a:r>
-            <a:endParaRPr lang="pt-PT" sz="1200" dirty="0" smtClean="0"/>
+            <a:endParaRPr lang="pt-PT" sz="1200" dirty="0"/>
           </a:p>
           <a:p>
             <a:pPr marL="285750" indent="-285750" fontAlgn="ctr">
@@ -1143,10 +1141,10 @@
               <a:buChar char="•"/>
             </a:pPr>
             <a:r>
-              <a:rPr lang="pt-PT" sz="1600" b="1" dirty="0" smtClean="0"/>
+              <a:rPr lang="pt-PT" sz="1600" b="1" dirty="0"/>
               <a:t>Snake</a:t>
             </a:r>
-            <a:endParaRPr lang="pt-PT" sz="1200" dirty="0" smtClean="0"/>
+            <a:endParaRPr lang="pt-PT" sz="1200" dirty="0"/>
           </a:p>
           <a:p>
             <a:pPr marL="870966" lvl="1" indent="-285750" fontAlgn="ctr">
@@ -1154,10 +1152,10 @@
               <a:buChar char="•"/>
             </a:pPr>
             <a:r>
-              <a:rPr lang="pt-PT" sz="1600" b="1" dirty="0" smtClean="0"/>
+              <a:rPr lang="pt-PT" sz="1600" b="1" dirty="0"/>
               <a:t>Show classification</a:t>
             </a:r>
-            <a:endParaRPr lang="pt-PT" sz="1200" dirty="0" smtClean="0"/>
+            <a:endParaRPr lang="pt-PT" sz="1200" dirty="0"/>
           </a:p>
           <a:p>
             <a:pPr marL="870966" lvl="1" indent="-285750" fontAlgn="ctr">
@@ -1165,10 +1163,10 @@
               <a:buChar char="•"/>
             </a:pPr>
             <a:r>
-              <a:rPr lang="pt-PT" sz="1600" b="1" dirty="0" smtClean="0"/>
+              <a:rPr lang="pt-PT" sz="1600" b="1" dirty="0"/>
               <a:t>Show intellisense</a:t>
             </a:r>
-            <a:endParaRPr lang="pt-PT" sz="1200" dirty="0" smtClean="0"/>
+            <a:endParaRPr lang="pt-PT" sz="1200" dirty="0"/>
           </a:p>
           <a:p>
             <a:pPr marL="870966" lvl="1" indent="-285750" fontAlgn="ctr">
@@ -1176,10 +1174,10 @@
               <a:buChar char="•"/>
             </a:pPr>
             <a:r>
-              <a:rPr lang="pt-PT" sz="1600" b="1" dirty="0" smtClean="0"/>
+              <a:rPr lang="pt-PT" sz="1600" b="1" dirty="0"/>
               <a:t>Show Error Validation</a:t>
             </a:r>
-            <a:endParaRPr lang="pt-PT" sz="1200" dirty="0" smtClean="0"/>
+            <a:endParaRPr lang="pt-PT" sz="1200" dirty="0"/>
           </a:p>
           <a:p>
             <a:pPr marL="1456182" lvl="2" indent="-285750" fontAlgn="ctr">
@@ -1187,10 +1185,10 @@
               <a:buChar char="•"/>
             </a:pPr>
             <a:r>
-              <a:rPr lang="pt-PT" sz="1600" b="1" dirty="0" smtClean="0"/>
+              <a:rPr lang="pt-PT" sz="1600" b="1" dirty="0"/>
               <a:t>Inline</a:t>
             </a:r>
-            <a:endParaRPr lang="pt-PT" sz="1200" dirty="0" smtClean="0"/>
+            <a:endParaRPr lang="pt-PT" sz="1200" dirty="0"/>
           </a:p>
           <a:p>
             <a:pPr marL="1456182" lvl="2" indent="-285750" fontAlgn="ctr">
@@ -1198,10 +1196,10 @@
               <a:buChar char="•"/>
             </a:pPr>
             <a:r>
-              <a:rPr lang="pt-PT" sz="1600" b="1" dirty="0" smtClean="0"/>
+              <a:rPr lang="pt-PT" sz="1600" b="1" dirty="0"/>
               <a:t>Error window</a:t>
             </a:r>
-            <a:endParaRPr lang="pt-PT" sz="1200" dirty="0" smtClean="0"/>
+            <a:endParaRPr lang="pt-PT" sz="1200" dirty="0"/>
           </a:p>
           <a:p>
             <a:pPr marL="870966" lvl="1" indent="-285750" fontAlgn="ctr">
@@ -1209,10 +1207,10 @@
               <a:buChar char="•"/>
             </a:pPr>
             <a:r>
-              <a:rPr lang="pt-PT" sz="1600" b="1" dirty="0" smtClean="0"/>
+              <a:rPr lang="pt-PT" sz="1600" b="1" dirty="0"/>
               <a:t>Show Remote window</a:t>
             </a:r>
-            <a:endParaRPr lang="pt-PT" sz="1200" dirty="0" smtClean="0"/>
+            <a:endParaRPr lang="pt-PT" sz="1200" dirty="0"/>
           </a:p>
           <a:p>
             <a:pPr marL="870966" lvl="1" indent="-285750" fontAlgn="ctr">
@@ -1220,10 +1218,10 @@
               <a:buChar char="•"/>
             </a:pPr>
             <a:r>
-              <a:rPr lang="pt-PT" sz="1600" b="1" dirty="0" smtClean="0"/>
+              <a:rPr lang="pt-PT" sz="1600" b="1" dirty="0"/>
               <a:t>Show ScreenShot window</a:t>
             </a:r>
-            <a:endParaRPr lang="pt-PT" sz="1200" dirty="0" smtClean="0"/>
+            <a:endParaRPr lang="pt-PT" sz="1200" dirty="0"/>
           </a:p>
           <a:p>
             <a:pPr marL="870966" lvl="1" indent="-285750" fontAlgn="ctr">
@@ -1231,10 +1229,10 @@
               <a:buChar char="•"/>
             </a:pPr>
             <a:r>
-              <a:rPr lang="pt-PT" sz="1600" b="1" dirty="0" smtClean="0"/>
+              <a:rPr lang="pt-PT" sz="1600" b="1" dirty="0"/>
               <a:t>Show Deploy</a:t>
             </a:r>
-            <a:endParaRPr lang="pt-PT" sz="1200" dirty="0" smtClean="0"/>
+            <a:endParaRPr lang="pt-PT" sz="1200" dirty="0"/>
           </a:p>
           <a:p>
             <a:pPr marL="870966" lvl="1" indent="-285750" fontAlgn="ctr">
@@ -1242,10 +1240,10 @@
               <a:buChar char="•"/>
             </a:pPr>
             <a:r>
-              <a:rPr lang="pt-PT" sz="1600" b="1" dirty="0" smtClean="0"/>
+              <a:rPr lang="pt-PT" sz="1600" b="1" dirty="0"/>
               <a:t>Show Debug</a:t>
             </a:r>
-            <a:endParaRPr lang="pt-PT" sz="1200" dirty="0" smtClean="0"/>
+            <a:endParaRPr lang="pt-PT" sz="1200" dirty="0"/>
           </a:p>
           <a:p>
             <a:pPr marL="1456182" lvl="2" indent="-285750" fontAlgn="ctr">
@@ -1253,10 +1251,10 @@
               <a:buChar char="•"/>
             </a:pPr>
             <a:r>
-              <a:rPr lang="pt-PT" sz="1600" b="1" dirty="0" smtClean="0"/>
+              <a:rPr lang="pt-PT" sz="1600" b="1" dirty="0"/>
               <a:t>Enter debug mode</a:t>
             </a:r>
-            <a:endParaRPr lang="pt-PT" sz="1200" dirty="0" smtClean="0"/>
+            <a:endParaRPr lang="pt-PT" sz="1200" dirty="0"/>
           </a:p>
           <a:p>
             <a:pPr marL="1456182" lvl="2" indent="-285750" fontAlgn="ctr">
@@ -1264,10 +1262,10 @@
               <a:buChar char="•"/>
             </a:pPr>
             <a:r>
-              <a:rPr lang="pt-PT" sz="1600" b="1" dirty="0" smtClean="0"/>
+              <a:rPr lang="pt-PT" sz="1600" b="1" dirty="0"/>
               <a:t>Show output</a:t>
             </a:r>
-            <a:endParaRPr lang="pt-PT" sz="1200" dirty="0" smtClean="0"/>
+            <a:endParaRPr lang="pt-PT" sz="1200" dirty="0"/>
           </a:p>
           <a:p>
             <a:pPr marL="1456182" lvl="2" indent="-285750" fontAlgn="ctr">
@@ -1275,10 +1273,10 @@
               <a:buChar char="•"/>
             </a:pPr>
             <a:r>
-              <a:rPr lang="pt-PT" sz="1600" b="1" dirty="0" smtClean="0"/>
+              <a:rPr lang="pt-PT" sz="1600" b="1" dirty="0"/>
               <a:t>Navigate call stack</a:t>
             </a:r>
-            <a:endParaRPr lang="pt-PT" sz="1200" dirty="0" smtClean="0"/>
+            <a:endParaRPr lang="pt-PT" sz="1200" dirty="0"/>
           </a:p>
           <a:p>
             <a:pPr marL="1456182" lvl="2" indent="-285750" fontAlgn="ctr">
@@ -1286,10 +1284,10 @@
               <a:buChar char="•"/>
             </a:pPr>
             <a:r>
-              <a:rPr lang="pt-PT" sz="1600" b="1" dirty="0" smtClean="0"/>
+              <a:rPr lang="pt-PT" sz="1600" b="1" dirty="0"/>
               <a:t>Show locals window</a:t>
             </a:r>
-            <a:endParaRPr lang="pt-PT" sz="1200" dirty="0" smtClean="0"/>
+            <a:endParaRPr lang="pt-PT" sz="1200" dirty="0"/>
           </a:p>
           <a:p>
             <a:pPr marL="2041398" lvl="3" indent="-285750" fontAlgn="ctr">
@@ -1297,10 +1295,10 @@
               <a:buChar char="•"/>
             </a:pPr>
             <a:r>
-              <a:rPr lang="pt-PT" sz="1600" b="1" dirty="0" smtClean="0"/>
+              <a:rPr lang="pt-PT" sz="1600" b="1" dirty="0"/>
               <a:t>Expand variable</a:t>
             </a:r>
-            <a:endParaRPr lang="pt-PT" sz="1200" dirty="0" smtClean="0"/>
+            <a:endParaRPr lang="pt-PT" sz="1200" dirty="0"/>
           </a:p>
           <a:p>
             <a:pPr marL="1456182" lvl="2" indent="-285750" fontAlgn="ctr">
@@ -1308,10 +1306,10 @@
               <a:buChar char="•"/>
             </a:pPr>
             <a:r>
-              <a:rPr lang="pt-PT" sz="1600" b="1" dirty="0" smtClean="0"/>
+              <a:rPr lang="pt-PT" sz="1600" b="1" dirty="0"/>
               <a:t>Show watch window</a:t>
             </a:r>
-            <a:endParaRPr lang="pt-PT" sz="1200" dirty="0" smtClean="0"/>
+            <a:endParaRPr lang="pt-PT" sz="1200" dirty="0"/>
           </a:p>
           <a:p>
             <a:pPr marL="2041398" lvl="3" indent="-285750" fontAlgn="ctr">
@@ -1319,10 +1317,10 @@
               <a:buChar char="•"/>
             </a:pPr>
             <a:r>
-              <a:rPr lang="pt-PT" sz="1600" b="1" dirty="0" smtClean="0"/>
+              <a:rPr lang="pt-PT" sz="1600" b="1" dirty="0"/>
               <a:t>Add to watch</a:t>
             </a:r>
-            <a:endParaRPr lang="pt-PT" sz="1200" dirty="0" smtClean="0"/>
+            <a:endParaRPr lang="pt-PT" sz="1200" dirty="0"/>
           </a:p>
           <a:p>
             <a:pPr marL="1456182" lvl="2" indent="-285750" fontAlgn="ctr">
@@ -1330,10 +1328,10 @@
               <a:buChar char="•"/>
             </a:pPr>
             <a:r>
-              <a:rPr lang="pt-PT" sz="1600" b="1" dirty="0" smtClean="0"/>
+              <a:rPr lang="pt-PT" sz="1600" b="1" dirty="0"/>
               <a:t>Step </a:t>
             </a:r>
-            <a:endParaRPr lang="pt-PT" sz="1200" dirty="0" smtClean="0"/>
+            <a:endParaRPr lang="pt-PT" sz="1200" dirty="0"/>
           </a:p>
           <a:p>
             <a:pPr marL="1456182" lvl="2" indent="-285750" fontAlgn="ctr">
@@ -1341,10 +1339,10 @@
               <a:buChar char="•"/>
             </a:pPr>
             <a:r>
-              <a:rPr lang="pt-PT" sz="1600" b="1" dirty="0" smtClean="0"/>
+              <a:rPr lang="pt-PT" sz="1600" b="1" dirty="0"/>
               <a:t>Continue</a:t>
             </a:r>
-            <a:endParaRPr lang="pt-PT" sz="1200" dirty="0" smtClean="0"/>
+            <a:endParaRPr lang="pt-PT" sz="1200" dirty="0"/>
           </a:p>
           <a:p>
             <a:endParaRPr lang="en-GB" dirty="0"/>
@@ -1368,7 +1366,7 @@
           <a:p>
             <a:fld id="{75DDEA6C-8F12-2946-8FEA-AB499F257480}" type="slidenum">
               <a:rPr lang="en-US" smtClean="0"/>
-              <a:t>20</a:t>
+              <a:t>19</a:t>
             </a:fld>
             <a:endParaRPr lang="en-US" dirty="0"/>
           </a:p>
@@ -1767,7 +1765,7 @@
                 <a:latin typeface="+mj-lt"/>
               </a:rPr>
               <a:pPr algn="ctr" eaLnBrk="1" hangingPunct="1"/>
-              <a:t>‹#›</a:t>
+              <a:t>‹nº›</a:t>
             </a:fld>
             <a:endParaRPr lang="en-US" sz="900" dirty="0">
               <a:solidFill>
@@ -2402,7 +2400,7 @@
                 <a:latin typeface="+mj-lt"/>
               </a:rPr>
               <a:pPr algn="ctr" eaLnBrk="1" hangingPunct="1"/>
-              <a:t>‹#›</a:t>
+              <a:t>‹nº›</a:t>
             </a:fld>
             <a:endParaRPr lang="en-US" sz="900" dirty="0">
               <a:solidFill>
@@ -2676,7 +2674,7 @@
                 <a:latin typeface="+mj-lt"/>
               </a:rPr>
               <a:pPr algn="ctr" eaLnBrk="1" hangingPunct="1"/>
-              <a:t>‹#›</a:t>
+              <a:t>‹nº›</a:t>
             </a:fld>
             <a:endParaRPr lang="en-US" sz="900" dirty="0">
               <a:solidFill>
@@ -2921,7 +2919,7 @@
                 <a:latin typeface="+mj-lt"/>
               </a:rPr>
               <a:pPr algn="ctr" eaLnBrk="1" hangingPunct="1"/>
-              <a:t>‹#›</a:t>
+              <a:t>‹nº›</a:t>
             </a:fld>
             <a:endParaRPr lang="en-US" sz="900" dirty="0">
               <a:solidFill>
@@ -3520,24 +3518,16 @@
               <a:rPr lang="pt-PT" sz="4400" dirty="0"/>
               <a:t>ISEL – DEETC</a:t>
             </a:r>
-            <a:r>
-              <a:rPr lang="pt-PT" dirty="0"/>
-              <a:t/>
-            </a:r>
             <a:br>
               <a:rPr lang="pt-PT" dirty="0"/>
             </a:br>
             <a:r>
-              <a:rPr lang="en-US" dirty="0" smtClean="0"/>
+              <a:rPr lang="en-US" dirty="0"/>
               <a:t>Dissertation</a:t>
             </a:r>
             <a:r>
-              <a:rPr lang="pt-PT" dirty="0" smtClean="0"/>
-              <a:t> </a:t>
-            </a:r>
-            <a:r>
               <a:rPr lang="pt-PT" dirty="0"/>
-              <a:t>/ Project</a:t>
+              <a:t> / Project</a:t>
             </a:r>
             <a:br>
               <a:rPr lang="pt-PT" dirty="0"/>
@@ -3568,7 +3558,7 @@
           </a:p>
           <a:p>
             <a:r>
-              <a:rPr lang="en-US" dirty="0" smtClean="0"/>
+              <a:rPr lang="en-US" dirty="0"/>
               <a:t>03-02-2017</a:t>
             </a:r>
             <a:endParaRPr lang="pt-PT" dirty="0"/>
@@ -3615,13 +3605,6 @@
   <p:clrMapOvr>
     <a:masterClrMapping/>
   </p:clrMapOvr>
-  <p:timing>
-    <p:tnLst>
-      <p:par>
-        <p:cTn id="1" dur="indefinite" restart="never" nodeType="tmRoot"/>
-      </p:par>
-    </p:tnLst>
-  </p:timing>
 </p:sld>
 </file>
 
@@ -3664,31 +3647,11 @@
           <a:p>
             <a:r>
               <a:rPr lang="pt-PT" dirty="0"/>
-              <a:t>3</a:t>
-            </a:r>
-            <a:r>
-              <a:rPr lang="pt-PT" dirty="0" smtClean="0"/>
-              <a:t> </a:t>
-            </a:r>
-            <a:r>
-              <a:rPr lang="pt-PT" dirty="0"/>
-              <a:t>- </a:t>
-            </a:r>
-            <a:r>
-              <a:rPr lang="pt-PT" dirty="0" smtClean="0"/>
-              <a:t>Code </a:t>
-            </a:r>
-            <a:r>
-              <a:rPr lang="pt-PT" dirty="0"/>
-              <a:t>Generation Tools</a:t>
+              <a:t>3 - Code Generation Tools</a:t>
             </a:r>
             <a:br>
               <a:rPr lang="pt-PT" dirty="0"/>
             </a:br>
-            <a:r>
-              <a:rPr lang="pt-PT" dirty="0"/>
-              <a:t/>
-            </a:r>
             <a:br>
               <a:rPr lang="pt-PT" dirty="0"/>
             </a:br>
@@ -3720,19 +3683,14 @@
           <a:lstStyle/>
           <a:p>
             <a:r>
-              <a:rPr lang="pt-PT" sz="2200" dirty="0" smtClean="0"/>
-              <a:t>Gppg </a:t>
-            </a:r>
-            <a:r>
               <a:rPr lang="pt-PT" sz="2200" dirty="0"/>
-              <a:t>- Gardens Point Parser Generator </a:t>
-            </a:r>
-            <a:endParaRPr lang="pt-PT" sz="2200" dirty="0" smtClean="0"/>
+              <a:t>Gppg - Gardens Point Parser Generator </a:t>
+            </a:r>
           </a:p>
           <a:p>
             <a:pPr lvl="1"/>
             <a:r>
-              <a:rPr lang="pt-PT" sz="2000" dirty="0" smtClean="0"/>
+              <a:rPr lang="pt-PT" sz="2000" dirty="0"/>
               <a:t>Generates a Parser in C#</a:t>
             </a:r>
           </a:p>
@@ -3742,21 +3700,13 @@
               <a:rPr lang="en-US" sz="2000" dirty="0"/>
               <a:t>LALR(1)</a:t>
             </a:r>
-            <a:endParaRPr lang="pt-PT" sz="2000" dirty="0" smtClean="0"/>
+            <a:endParaRPr lang="pt-PT" sz="2000" dirty="0"/>
           </a:p>
           <a:p>
             <a:pPr lvl="1"/>
             <a:r>
-              <a:rPr lang="pt-PT" sz="2000" dirty="0" smtClean="0"/>
-              <a:t>Uses </a:t>
-            </a:r>
-            <a:r>
               <a:rPr lang="pt-PT" sz="2000" dirty="0"/>
-              <a:t>Yacc </a:t>
-            </a:r>
-            <a:r>
-              <a:rPr lang="pt-PT" sz="2000" dirty="0" smtClean="0"/>
-              <a:t>speciﬁcation</a:t>
+              <a:t>Uses Yacc speciﬁcation</a:t>
             </a:r>
           </a:p>
           <a:p>
@@ -3765,7 +3715,6 @@
               <a:rPr lang="pt-PT" sz="2000" dirty="0"/>
               <a:t>symbol → symbol symbol ···symbol</a:t>
             </a:r>
-            <a:endParaRPr lang="pt-PT" sz="2000" dirty="0" smtClean="0"/>
           </a:p>
           <a:p>
             <a:pPr marL="342900" indent="-342900">
@@ -3843,24 +3792,8 @@
           <a:lstStyle/>
           <a:p>
             <a:r>
-              <a:rPr lang="en-GB" sz="1600" b="1" dirty="0" smtClean="0"/>
-              <a:t>Program	: </a:t>
-            </a:r>
-            <a:r>
               <a:rPr lang="en-GB" sz="1600" b="1" dirty="0"/>
-              <a:t>SourceElements </a:t>
-            </a:r>
-            <a:r>
-              <a:rPr lang="en-GB" sz="1600" b="1" dirty="0" smtClean="0"/>
-              <a:t>EOF			{ </a:t>
-            </a:r>
-            <a:r>
-              <a:rPr lang="en-GB" sz="1600" b="1" dirty="0"/>
-              <a:t>$$ = BuildProgramNode($1); </a:t>
-            </a:r>
-            <a:r>
-              <a:rPr lang="en-GB" sz="1600" b="1" dirty="0" smtClean="0"/>
-              <a:t>} ;</a:t>
+              <a:t>Program	: SourceElements EOF			{ $$ = BuildProgramNode($1); } ;</a:t>
             </a:r>
           </a:p>
           <a:p>
@@ -3875,37 +3808,13 @@
           <a:p>
             <a:r>
               <a:rPr lang="en-GB" sz="1600" b="1" dirty="0"/>
-              <a:t>	: EolOpt /* Empty </a:t>
-            </a:r>
-            <a:r>
-              <a:rPr lang="en-GB" sz="1600" b="1" dirty="0" smtClean="0"/>
-              <a:t>*/</a:t>
-            </a:r>
+              <a:t>	: EolOpt /* Empty */			{ $$ = BuildSourceElementsNode();}</a:t>
+            </a:r>
+          </a:p>
+          <a:p>
             <a:r>
               <a:rPr lang="en-GB" sz="1600" b="1" dirty="0"/>
-              <a:t>	</a:t>
-            </a:r>
-            <a:r>
-              <a:rPr lang="en-GB" sz="1600" b="1" dirty="0" smtClean="0"/>
-              <a:t>		{ </a:t>
-            </a:r>
-            <a:r>
-              <a:rPr lang="en-GB" sz="1600" b="1" dirty="0"/>
-              <a:t>$$ = BuildSourceElementsNode();}</a:t>
-            </a:r>
-          </a:p>
-          <a:p>
-            <a:r>
-              <a:rPr lang="en-GB" sz="1600" b="1" dirty="0"/>
-              <a:t>	| EolOpt SourceElement SourceElements	{ $$ = </a:t>
-            </a:r>
-            <a:r>
-              <a:rPr lang="en-GB" sz="1600" b="1" dirty="0" smtClean="0"/>
-              <a:t>BuildSourceElementsNode</a:t>
-            </a:r>
-            <a:r>
-              <a:rPr lang="en-GB" sz="1600" b="1" dirty="0"/>
-              <a:t>($2, $3);}</a:t>
+              <a:t>	| EolOpt SourceElement SourceElements	{ $$ = BuildSourceElementsNode($2, $3);}</a:t>
             </a:r>
           </a:p>
           <a:p>
@@ -3926,15 +3835,7 @@
           <a:p>
             <a:r>
               <a:rPr lang="en-GB" sz="1600" b="1" dirty="0"/>
-              <a:t>	: SubDeclaration		</a:t>
-            </a:r>
-            <a:r>
-              <a:rPr lang="en-GB" sz="1600" b="1" dirty="0" smtClean="0"/>
-              <a:t>{ </a:t>
-            </a:r>
-            <a:r>
-              <a:rPr lang="en-GB" sz="1600" b="1" dirty="0"/>
-              <a:t>$$ = BuildSourceElementNode($1); }</a:t>
+              <a:t>	: SubDeclaration		{ $$ = BuildSourceElementNode($1); }</a:t>
             </a:r>
           </a:p>
           <a:p>
@@ -3952,11 +3853,7 @@
           <a:p>
             <a:r>
               <a:rPr lang="en-GB" sz="1600" b="1" dirty="0"/>
-              <a:t>	</a:t>
-            </a:r>
-            <a:r>
-              <a:rPr lang="en-GB" sz="1600" b="1" dirty="0" smtClean="0"/>
-              <a:t>;</a:t>
+              <a:t>	;</a:t>
             </a:r>
           </a:p>
         </p:txBody>
@@ -3971,13 +3868,6 @@
   <p:clrMapOvr>
     <a:masterClrMapping/>
   </p:clrMapOvr>
-  <p:timing>
-    <p:tnLst>
-      <p:par>
-        <p:cTn id="1" dur="indefinite" restart="never" nodeType="tmRoot"/>
-      </p:par>
-    </p:tnLst>
-  </p:timing>
 </p:sld>
 </file>
 
@@ -4014,15 +3904,11 @@
           <a:lstStyle/>
           <a:p>
             <a:r>
-              <a:rPr lang="en-GB" dirty="0" smtClean="0"/>
+              <a:rPr lang="en-GB" dirty="0"/>
               <a:t>4 - Debugger </a:t>
             </a:r>
-            <a:r>
-              <a:rPr lang="en-GB" dirty="0" smtClean="0"/>
-              <a:t/>
-            </a:r>
             <a:br>
-              <a:rPr lang="en-GB" dirty="0" smtClean="0"/>
+              <a:rPr lang="en-GB" dirty="0"/>
             </a:br>
             <a:endParaRPr lang="en-GB" dirty="0"/>
           </a:p>
@@ -4240,17 +4126,16 @@
           </a:lstStyle>
           <a:p>
             <a:r>
-              <a:rPr lang="en-US" sz="2400" dirty="0" smtClean="0"/>
+              <a:rPr lang="en-US" sz="2400" dirty="0"/>
               <a:t>Telnet</a:t>
             </a:r>
           </a:p>
           <a:p>
             <a:pPr lvl="1"/>
             <a:r>
-              <a:rPr lang="en-US" sz="2200" dirty="0" smtClean="0"/>
+              <a:rPr lang="en-US" sz="2200" dirty="0"/>
               <a:t>Communication</a:t>
             </a:r>
-            <a:endParaRPr lang="en-US" sz="2200" dirty="0"/>
           </a:p>
           <a:p>
             <a:r>
@@ -4274,13 +4159,13 @@
           </a:p>
           <a:p>
             <a:r>
-              <a:rPr lang="en-US" sz="2400" dirty="0" smtClean="0"/>
+              <a:rPr lang="en-US" sz="2400" dirty="0"/>
               <a:t>Deploy</a:t>
             </a:r>
           </a:p>
           <a:p>
             <a:r>
-              <a:rPr lang="en-US" sz="2400" dirty="0" smtClean="0"/>
+              <a:rPr lang="en-US" sz="2400" dirty="0"/>
               <a:t>Remote</a:t>
             </a:r>
             <a:endParaRPr lang="en-US" sz="2200" dirty="0"/>
@@ -4321,13 +4206,6 @@
   <p:clrMapOvr>
     <a:masterClrMapping/>
   </p:clrMapOvr>
-  <p:timing>
-    <p:tnLst>
-      <p:par>
-        <p:cTn id="1" dur="indefinite" restart="never" nodeType="tmRoot"/>
-      </p:par>
-    </p:tnLst>
-  </p:timing>
 </p:sld>
 </file>
 
@@ -4369,12 +4247,8 @@
           <a:lstStyle/>
           <a:p>
             <a:r>
-              <a:rPr lang="pt-PT" dirty="0" smtClean="0"/>
+              <a:rPr lang="pt-PT" dirty="0"/>
               <a:t>5 - Deploy </a:t>
-            </a:r>
-            <a:r>
-              <a:rPr lang="en-US" dirty="0"/>
-              <a:t/>
             </a:r>
             <a:br>
               <a:rPr lang="en-US" dirty="0"/>
@@ -4808,10 +4682,9 @@
           <a:p>
             <a:pPr marL="573658" lvl="1" indent="-342900"/>
             <a:r>
-              <a:rPr lang="en-US" sz="2200" dirty="0" smtClean="0"/>
+              <a:rPr lang="en-US" sz="2200" dirty="0"/>
               <a:t>Remove debug code</a:t>
             </a:r>
-            <a:endParaRPr lang="en-US" sz="2200" dirty="0"/>
           </a:p>
           <a:p>
             <a:pPr marL="342900" indent="-342900"/>
@@ -4823,12 +4696,8 @@
           <a:p>
             <a:pPr marL="342900" indent="-342900"/>
             <a:r>
-              <a:rPr lang="en-US" sz="2400" dirty="0" smtClean="0"/>
-              <a:t>Upload </a:t>
-            </a:r>
-            <a:r>
               <a:rPr lang="en-US" sz="2400" dirty="0"/>
-              <a:t>to Box</a:t>
+              <a:t>Upload to Box</a:t>
             </a:r>
           </a:p>
           <a:p>
@@ -4841,12 +4710,8 @@
           <a:p>
             <a:pPr marL="573658" lvl="1" indent="-342900"/>
             <a:r>
-              <a:rPr lang="en-US" sz="2200" dirty="0" smtClean="0"/>
-              <a:t>Multi-part </a:t>
-            </a:r>
-            <a:r>
               <a:rPr lang="en-US" sz="2200" dirty="0"/>
-              <a:t>form</a:t>
+              <a:t>Multi-part form</a:t>
             </a:r>
           </a:p>
         </p:txBody>
@@ -4885,13 +4750,6 @@
   <p:clrMapOvr>
     <a:masterClrMapping/>
   </p:clrMapOvr>
-  <p:timing>
-    <p:tnLst>
-      <p:par>
-        <p:cTn id="1" dur="indefinite" restart="never" nodeType="tmRoot"/>
-      </p:par>
-    </p:tnLst>
-  </p:timing>
 </p:sld>
 </file>
 
@@ -4933,12 +4791,8 @@
           <a:lstStyle/>
           <a:p>
             <a:r>
-              <a:rPr lang="pt-PT" dirty="0" smtClean="0"/>
+              <a:rPr lang="pt-PT" dirty="0"/>
               <a:t>6 - Remote </a:t>
-            </a:r>
-            <a:r>
-              <a:rPr lang="en-US" dirty="0"/>
-              <a:t/>
             </a:r>
             <a:br>
               <a:rPr lang="en-US" dirty="0"/>
@@ -5337,15 +5191,14 @@
           <a:p>
             <a:pPr marL="342900" indent="-342900"/>
             <a:r>
-              <a:rPr lang="en-US" sz="2400" dirty="0" smtClean="0"/>
+              <a:rPr lang="en-US" sz="2400" dirty="0"/>
               <a:t>Emulates Remote</a:t>
             </a:r>
-            <a:endParaRPr lang="en-US" sz="2400" dirty="0"/>
           </a:p>
           <a:p>
             <a:pPr marL="342900" indent="-342900"/>
             <a:r>
-              <a:rPr lang="en-US" sz="2400" dirty="0" smtClean="0"/>
+              <a:rPr lang="en-US" sz="2400" dirty="0"/>
               <a:t>Uses Http Port</a:t>
             </a:r>
           </a:p>
@@ -5355,11 +5208,10 @@
               <a:rPr lang="en-US" sz="2400" dirty="0"/>
               <a:t>Roku External Control Service </a:t>
             </a:r>
-            <a:endParaRPr lang="en-US" sz="2400" dirty="0" smtClean="0"/>
           </a:p>
           <a:p>
             <a:pPr marL="342900" indent="-342900"/>
-            <a:endParaRPr lang="en-US" sz="2400" dirty="0" smtClean="0"/>
+            <a:endParaRPr lang="en-US" sz="2400" dirty="0"/>
           </a:p>
         </p:txBody>
       </p:sp>
@@ -5397,13 +5249,6 @@
   <p:clrMapOvr>
     <a:masterClrMapping/>
   </p:clrMapOvr>
-  <p:timing>
-    <p:tnLst>
-      <p:par>
-        <p:cTn id="1" dur="indefinite" restart="never" nodeType="tmRoot"/>
-      </p:par>
-    </p:tnLst>
-  </p:timing>
 </p:sld>
 </file>
 
@@ -5445,15 +5290,11 @@
           <a:lstStyle/>
           <a:p>
             <a:r>
-              <a:rPr lang="en-US" dirty="0" smtClean="0"/>
+              <a:rPr lang="en-US" dirty="0"/>
               <a:t>7 - Visual Studio Extension</a:t>
             </a:r>
-            <a:r>
-              <a:rPr lang="en-US" dirty="0" smtClean="0"/>
-              <a:t/>
-            </a:r>
             <a:br>
-              <a:rPr lang="en-US" dirty="0" smtClean="0"/>
+              <a:rPr lang="en-US" dirty="0"/>
             </a:br>
             <a:endParaRPr lang="en-US" dirty="0"/>
           </a:p>
@@ -5849,124 +5690,86 @@
           <a:p>
             <a:pPr marL="342900" indent="-342900"/>
             <a:r>
-              <a:rPr lang="en-US" sz="2400" dirty="0"/>
-              <a:t>Project Type</a:t>
+              <a:rPr lang="pt-PT" sz="3200" dirty="0"/>
+              <a:t>Used Extension Points</a:t>
             </a:r>
           </a:p>
           <a:p>
             <a:pPr marL="573658" lvl="1" indent="-342900"/>
             <a:r>
-              <a:rPr lang="pt-PT" sz="2200" dirty="0" smtClean="0"/>
-              <a:t>Main project</a:t>
+              <a:rPr lang="pt-PT" sz="2800" dirty="0"/>
+              <a:t>VsPackage</a:t>
+            </a:r>
+          </a:p>
+          <a:p>
+            <a:pPr marL="737171" lvl="2" indent="-342900"/>
+            <a:r>
+              <a:rPr lang="pt-PT" sz="2600" dirty="0"/>
+              <a:t>UI Elements, Services, Projects, Editors, Designers</a:t>
             </a:r>
           </a:p>
           <a:p>
             <a:pPr marL="573658" lvl="1" indent="-342900"/>
             <a:r>
-              <a:rPr lang="pt-PT" sz="2200" dirty="0" smtClean="0"/>
-              <a:t>Installer</a:t>
+              <a:rPr lang="pt-PT" sz="2800" dirty="0"/>
+              <a:t>MefComponent</a:t>
+            </a:r>
+          </a:p>
+          <a:p>
+            <a:pPr marL="737171" lvl="2" indent="-342900"/>
+            <a:r>
+              <a:rPr lang="pt-PT" sz="2600" dirty="0"/>
+              <a:t>Syntax highlight</a:t>
+            </a:r>
+          </a:p>
+          <a:p>
+            <a:pPr marL="737171" lvl="2" indent="-342900"/>
+            <a:r>
+              <a:rPr lang="pt-PT" sz="2600" dirty="0"/>
+              <a:t>Intellisense</a:t>
+            </a:r>
+          </a:p>
+          <a:p>
+            <a:pPr marL="737171" lvl="2" indent="-342900"/>
+            <a:r>
+              <a:rPr lang="pt-PT" sz="2600" dirty="0"/>
+              <a:t>Errors </a:t>
             </a:r>
           </a:p>
           <a:p>
             <a:pPr marL="573658" lvl="1" indent="-342900"/>
             <a:r>
-              <a:rPr lang="pt-PT" sz="2200" dirty="0" smtClean="0"/>
-              <a:t>Project/Item Templates</a:t>
-            </a:r>
-          </a:p>
-          <a:p>
-            <a:pPr marL="342900" indent="-342900"/>
-            <a:r>
-              <a:rPr lang="pt-PT" sz="2400" dirty="0" smtClean="0"/>
-              <a:t>Builder/Deploy</a:t>
+              <a:rPr lang="pt-PT" sz="2800" dirty="0"/>
+              <a:t>Project Template</a:t>
             </a:r>
           </a:p>
           <a:p>
             <a:pPr marL="573658" lvl="1" indent="-342900"/>
             <a:r>
-              <a:rPr lang="pt-PT" sz="2200" dirty="0" smtClean="0"/>
-              <a:t>Build tasks</a:t>
-            </a:r>
-          </a:p>
-          <a:p>
-            <a:pPr marL="342900" indent="-342900"/>
-            <a:r>
-              <a:rPr lang="pt-PT" sz="2400" dirty="0" smtClean="0"/>
-              <a:t>Editor Extensions</a:t>
-            </a:r>
-          </a:p>
-          <a:p>
-            <a:pPr marL="573658" lvl="1" indent="-342900"/>
-            <a:r>
-              <a:rPr lang="pt-PT" sz="2200" dirty="0" smtClean="0"/>
-              <a:t>Laguage service</a:t>
-            </a:r>
-          </a:p>
-          <a:p>
-            <a:pPr marL="342900" indent="-342900"/>
-            <a:r>
-              <a:rPr lang="pt-PT" sz="2400" dirty="0" smtClean="0"/>
-              <a:t>Debugger integration</a:t>
-            </a:r>
-          </a:p>
-          <a:p>
-            <a:pPr marL="573658" lvl="1" indent="-342900"/>
-            <a:r>
-              <a:rPr lang="pt-PT" sz="2200" dirty="0" smtClean="0"/>
-              <a:t>Debugger Engine</a:t>
-            </a:r>
-          </a:p>
-          <a:p>
-            <a:pPr marL="573658" lvl="1" indent="-342900"/>
-            <a:r>
-              <a:rPr lang="pt-PT" sz="2200" dirty="0" smtClean="0"/>
-              <a:t>Telnet</a:t>
-            </a:r>
-            <a:endParaRPr lang="pt-PT" sz="2200" dirty="0"/>
+              <a:rPr lang="pt-PT" sz="2800" dirty="0"/>
+              <a:t>Item Template</a:t>
+            </a:r>
+          </a:p>
+          <a:p>
+            <a:pPr marL="737171" lvl="2" indent="-342900"/>
+            <a:endParaRPr lang="pt-PT" sz="2600" dirty="0"/>
+          </a:p>
+          <a:p>
+            <a:pPr marL="737171" lvl="2" indent="-342900"/>
+            <a:endParaRPr lang="pt-PT" sz="2600" dirty="0"/>
           </a:p>
         </p:txBody>
       </p:sp>
-      <p:pic>
-        <p:nvPicPr>
-          <p:cNvPr id="3" name="Picture 2"/>
-          <p:cNvPicPr>
-            <a:picLocks noChangeAspect="1"/>
-          </p:cNvPicPr>
-          <p:nvPr/>
-        </p:nvPicPr>
-        <p:blipFill>
-          <a:blip r:embed="rId3"/>
-          <a:stretch>
-            <a:fillRect/>
-          </a:stretch>
-        </p:blipFill>
-        <p:spPr>
-          <a:xfrm>
-            <a:off x="4791896" y="2215725"/>
-            <a:ext cx="5730737" cy="2536156"/>
-          </a:xfrm>
-          <a:prstGeom prst="rect">
-            <a:avLst/>
-          </a:prstGeom>
-        </p:spPr>
-      </p:pic>
     </p:spTree>
     <p:extLst>
       <p:ext uri="{BB962C8B-B14F-4D97-AF65-F5344CB8AC3E}">
-        <p14:creationId xmlns:p14="http://schemas.microsoft.com/office/powerpoint/2010/main" val="1947306587"/>
+        <p14:creationId xmlns:p14="http://schemas.microsoft.com/office/powerpoint/2010/main" val="4077747656"/>
       </p:ext>
     </p:extLst>
   </p:cSld>
   <p:clrMapOvr>
     <a:masterClrMapping/>
   </p:clrMapOvr>
-  <p:timing>
-    <p:tnLst>
-      <p:par>
-        <p:cTn id="1" dur="indefinite" restart="never" nodeType="tmRoot"/>
-      </p:par>
-    </p:tnLst>
-  </p:timing>
 </p:sld>
 </file>
 
@@ -6008,19 +5811,11 @@
           <a:lstStyle/>
           <a:p>
             <a:r>
-              <a:rPr lang="en-US" dirty="0" smtClean="0"/>
-              <a:t>7 - Visual </a:t>
-            </a:r>
-            <a:r>
               <a:rPr lang="en-US" dirty="0"/>
-              <a:t>Studio Extension</a:t>
-            </a:r>
-            <a:r>
-              <a:rPr lang="en-US" dirty="0" smtClean="0"/>
-              <a:t/>
+              <a:t>7 - Visual Studio Extension</a:t>
             </a:r>
             <a:br>
-              <a:rPr lang="en-US" dirty="0" smtClean="0"/>
+              <a:rPr lang="en-US" dirty="0"/>
             </a:br>
             <a:endParaRPr lang="en-US" dirty="0"/>
           </a:p>
@@ -6416,99 +6211,116 @@
           <a:p>
             <a:pPr marL="342900" indent="-342900"/>
             <a:r>
-              <a:rPr lang="pt-PT" sz="3200" dirty="0" smtClean="0"/>
-              <a:t>Used Extension Points</a:t>
+              <a:rPr lang="en-US" sz="2400" dirty="0"/>
+              <a:t>Project Type</a:t>
             </a:r>
           </a:p>
           <a:p>
             <a:pPr marL="573658" lvl="1" indent="-342900"/>
             <a:r>
-              <a:rPr lang="pt-PT" sz="2800" dirty="0" smtClean="0"/>
-              <a:t>VsPackage</a:t>
-            </a:r>
-            <a:endParaRPr lang="pt-PT" sz="2800" dirty="0" smtClean="0"/>
-          </a:p>
-          <a:p>
-            <a:pPr marL="737171" lvl="2" indent="-342900"/>
-            <a:r>
-              <a:rPr lang="pt-PT" sz="2600" dirty="0" smtClean="0"/>
-              <a:t>UI Elements, Services, Projects, Editors, Designers</a:t>
-            </a:r>
-            <a:endParaRPr lang="pt-PT" sz="2600" dirty="0" smtClean="0"/>
+              <a:rPr lang="pt-PT" sz="2200" dirty="0"/>
+              <a:t>Main project</a:t>
+            </a:r>
           </a:p>
           <a:p>
             <a:pPr marL="573658" lvl="1" indent="-342900"/>
             <a:r>
-              <a:rPr lang="pt-PT" sz="2800" dirty="0" smtClean="0"/>
-              <a:t>MefComponent</a:t>
-            </a:r>
-          </a:p>
-          <a:p>
-            <a:pPr marL="737171" lvl="2" indent="-342900"/>
-            <a:r>
-              <a:rPr lang="pt-PT" sz="2600" dirty="0"/>
-              <a:t>Syntax </a:t>
-            </a:r>
-            <a:r>
-              <a:rPr lang="pt-PT" sz="2600" dirty="0" smtClean="0"/>
-              <a:t>highlight</a:t>
-            </a:r>
-          </a:p>
-          <a:p>
-            <a:pPr marL="737171" lvl="2" indent="-342900"/>
-            <a:r>
-              <a:rPr lang="pt-PT" sz="2600" dirty="0" smtClean="0"/>
-              <a:t>Intellisense</a:t>
-            </a:r>
-          </a:p>
-          <a:p>
-            <a:pPr marL="737171" lvl="2" indent="-342900"/>
-            <a:r>
-              <a:rPr lang="pt-PT" sz="2600" dirty="0" smtClean="0"/>
-              <a:t>Errors </a:t>
+              <a:rPr lang="pt-PT" sz="2200" dirty="0"/>
+              <a:t>Installer</a:t>
             </a:r>
           </a:p>
           <a:p>
             <a:pPr marL="573658" lvl="1" indent="-342900"/>
             <a:r>
-              <a:rPr lang="pt-PT" sz="2800" dirty="0"/>
-              <a:t>Project Template</a:t>
+              <a:rPr lang="pt-PT" sz="2200" dirty="0"/>
+              <a:t>Project/Item Templates</a:t>
+            </a:r>
+          </a:p>
+          <a:p>
+            <a:pPr marL="342900" indent="-342900"/>
+            <a:r>
+              <a:rPr lang="pt-PT" sz="2400" dirty="0"/>
+              <a:t>Builder/Deploy</a:t>
             </a:r>
           </a:p>
           <a:p>
             <a:pPr marL="573658" lvl="1" indent="-342900"/>
             <a:r>
-              <a:rPr lang="pt-PT" sz="2800" dirty="0"/>
-              <a:t>Item Template</a:t>
-            </a:r>
-          </a:p>
-          <a:p>
-            <a:pPr marL="737171" lvl="2" indent="-342900"/>
-            <a:endParaRPr lang="pt-PT" sz="2600" dirty="0" smtClean="0"/>
-          </a:p>
-          <a:p>
-            <a:pPr marL="737171" lvl="2" indent="-342900"/>
-            <a:endParaRPr lang="pt-PT" sz="2600" dirty="0"/>
+              <a:rPr lang="pt-PT" sz="2200" dirty="0"/>
+              <a:t>Build tasks</a:t>
+            </a:r>
+          </a:p>
+          <a:p>
+            <a:pPr marL="342900" indent="-342900"/>
+            <a:r>
+              <a:rPr lang="pt-PT" sz="2400" dirty="0"/>
+              <a:t>Editor Extensions</a:t>
+            </a:r>
+          </a:p>
+          <a:p>
+            <a:pPr marL="573658" lvl="1" indent="-342900"/>
+            <a:r>
+              <a:rPr lang="pt-PT" sz="2200" dirty="0"/>
+              <a:t>Laguage service</a:t>
+            </a:r>
+          </a:p>
+          <a:p>
+            <a:pPr marL="342900" indent="-342900"/>
+            <a:r>
+              <a:rPr lang="pt-PT" sz="2400" dirty="0"/>
+              <a:t>Debugger integration</a:t>
+            </a:r>
+          </a:p>
+          <a:p>
+            <a:pPr marL="573658" lvl="1" indent="-342900"/>
+            <a:r>
+              <a:rPr lang="pt-PT" sz="2200" dirty="0"/>
+              <a:t>Debugger Engine</a:t>
+            </a:r>
+          </a:p>
+          <a:p>
+            <a:pPr marL="573658" lvl="1" indent="-342900"/>
+            <a:r>
+              <a:rPr lang="pt-PT" sz="2200" dirty="0"/>
+              <a:t>Telnet</a:t>
+            </a:r>
           </a:p>
         </p:txBody>
       </p:sp>
+      <p:pic>
+        <p:nvPicPr>
+          <p:cNvPr id="3" name="Picture 2"/>
+          <p:cNvPicPr>
+            <a:picLocks noChangeAspect="1"/>
+          </p:cNvPicPr>
+          <p:nvPr/>
+        </p:nvPicPr>
+        <p:blipFill>
+          <a:blip r:embed="rId3"/>
+          <a:stretch>
+            <a:fillRect/>
+          </a:stretch>
+        </p:blipFill>
+        <p:spPr>
+          <a:xfrm>
+            <a:off x="4791896" y="2215725"/>
+            <a:ext cx="5730737" cy="2536156"/>
+          </a:xfrm>
+          <a:prstGeom prst="rect">
+            <a:avLst/>
+          </a:prstGeom>
+        </p:spPr>
+      </p:pic>
     </p:spTree>
     <p:extLst>
       <p:ext uri="{BB962C8B-B14F-4D97-AF65-F5344CB8AC3E}">
-        <p14:creationId xmlns:p14="http://schemas.microsoft.com/office/powerpoint/2010/main" val="4077747656"/>
+        <p14:creationId xmlns:p14="http://schemas.microsoft.com/office/powerpoint/2010/main" val="3124796050"/>
       </p:ext>
     </p:extLst>
   </p:cSld>
   <p:clrMapOvr>
     <a:masterClrMapping/>
   </p:clrMapOvr>
-  <p:timing>
-    <p:tnLst>
-      <p:par>
-        <p:cTn id="1" dur="indefinite" restart="never" nodeType="tmRoot"/>
-      </p:par>
-    </p:tnLst>
-  </p:timing>
 </p:sld>
 </file>
 
@@ -6551,14 +6363,10 @@
           <a:p>
             <a:r>
               <a:rPr lang="en-US" dirty="0"/>
-              <a:t>7 - Visual Studio Extension</a:t>
-            </a:r>
-            <a:r>
-              <a:rPr lang="en-US" dirty="0" smtClean="0"/>
-              <a:t/>
+              <a:t>7 - Visual Studio Extension (Debugger Engine)</a:t>
             </a:r>
             <a:br>
-              <a:rPr lang="en-US" dirty="0" smtClean="0"/>
+              <a:rPr lang="en-US" dirty="0"/>
             </a:br>
             <a:endParaRPr lang="en-US" dirty="0"/>
           </a:p>
@@ -6954,86 +6762,35 @@
           <a:p>
             <a:pPr marL="342900" indent="-342900"/>
             <a:r>
-              <a:rPr lang="en-US" sz="2400" dirty="0"/>
-              <a:t>Project Type</a:t>
-            </a:r>
+              <a:rPr lang="pt-PT" sz="2400" dirty="0" err="1"/>
+              <a:t>Register</a:t>
+            </a:r>
+            <a:endParaRPr lang="pt-PT" sz="2400" dirty="0"/>
+          </a:p>
+          <a:p>
+            <a:pPr marL="342900" indent="-342900"/>
+            <a:r>
+              <a:rPr lang="pt-PT" sz="2400" dirty="0"/>
+              <a:t>Launcher </a:t>
+            </a:r>
+          </a:p>
+          <a:p>
+            <a:pPr marL="342900" indent="-342900"/>
+            <a:r>
+              <a:rPr lang="pt-PT" sz="2400" dirty="0"/>
+              <a:t>Debugger Engine</a:t>
+            </a:r>
+            <a:endParaRPr lang="pt-PT" sz="2000" dirty="0"/>
           </a:p>
           <a:p>
             <a:pPr marL="573658" lvl="1" indent="-342900"/>
-            <a:r>
-              <a:rPr lang="pt-PT" sz="2200" dirty="0" smtClean="0"/>
-              <a:t>Main project</a:t>
-            </a:r>
-          </a:p>
-          <a:p>
-            <a:pPr marL="573658" lvl="1" indent="-342900"/>
-            <a:r>
-              <a:rPr lang="pt-PT" sz="2200" dirty="0" smtClean="0"/>
-              <a:t>Installer</a:t>
-            </a:r>
-          </a:p>
-          <a:p>
-            <a:pPr marL="573658" lvl="1" indent="-342900"/>
-            <a:r>
-              <a:rPr lang="pt-PT" sz="2200" dirty="0" smtClean="0"/>
-              <a:t>Project/Item Templates</a:t>
-            </a:r>
-          </a:p>
-          <a:p>
-            <a:pPr marL="342900" indent="-342900"/>
-            <a:r>
-              <a:rPr lang="pt-PT" sz="2400" dirty="0" smtClean="0"/>
-              <a:t>Builder/Deploy</a:t>
-            </a:r>
-          </a:p>
-          <a:p>
-            <a:pPr marL="573658" lvl="1" indent="-342900"/>
-            <a:r>
-              <a:rPr lang="pt-PT" sz="2200" dirty="0" smtClean="0"/>
-              <a:t>Build tasks</a:t>
-            </a:r>
-          </a:p>
-          <a:p>
-            <a:pPr marL="342900" indent="-342900"/>
-            <a:r>
-              <a:rPr lang="pt-PT" sz="2400" dirty="0" smtClean="0"/>
-              <a:t>Editor Extensions</a:t>
-            </a:r>
-          </a:p>
-          <a:p>
-            <a:pPr marL="573658" lvl="1" indent="-342900"/>
-            <a:r>
-              <a:rPr lang="pt-PT" sz="2200" dirty="0" smtClean="0"/>
-              <a:t>Laguage service</a:t>
-            </a:r>
-          </a:p>
-          <a:p>
-            <a:pPr marL="342900" indent="-342900"/>
-            <a:r>
-              <a:rPr lang="pt-PT" sz="2400" dirty="0" smtClean="0"/>
-              <a:t>Debugger integration</a:t>
-            </a:r>
-          </a:p>
-          <a:p>
-            <a:pPr marL="573658" lvl="1" indent="-342900"/>
-            <a:r>
-              <a:rPr lang="pt-PT" sz="2200" dirty="0" smtClean="0"/>
-              <a:t>Debugger Engine</a:t>
-            </a:r>
-          </a:p>
-          <a:p>
-            <a:pPr marL="573658" lvl="1" indent="-342900"/>
-            <a:r>
-              <a:rPr lang="pt-PT" sz="2200" dirty="0" smtClean="0"/>
-              <a:t>Telnet</a:t>
-            </a:r>
-            <a:endParaRPr lang="pt-PT" sz="2200" dirty="0"/>
+            <a:endParaRPr lang="pt-PT" sz="2000" dirty="0"/>
           </a:p>
         </p:txBody>
       </p:sp>
       <p:pic>
         <p:nvPicPr>
-          <p:cNvPr id="3" name="Picture 2"/>
+          <p:cNvPr id="6" name="Picture 5"/>
           <p:cNvPicPr>
             <a:picLocks noChangeAspect="1"/>
           </p:cNvPicPr>
@@ -7047,8 +6804,8 @@
         </p:blipFill>
         <p:spPr>
           <a:xfrm>
-            <a:off x="4791896" y="2215725"/>
-            <a:ext cx="5730737" cy="2536156"/>
+            <a:off x="3863935" y="1236899"/>
+            <a:ext cx="7523560" cy="3834238"/>
           </a:xfrm>
           <a:prstGeom prst="rect">
             <a:avLst/>
@@ -7058,20 +6815,13 @@
     </p:spTree>
     <p:extLst>
       <p:ext uri="{BB962C8B-B14F-4D97-AF65-F5344CB8AC3E}">
-        <p14:creationId xmlns:p14="http://schemas.microsoft.com/office/powerpoint/2010/main" val="3124796050"/>
+        <p14:creationId xmlns:p14="http://schemas.microsoft.com/office/powerpoint/2010/main" val="456010404"/>
       </p:ext>
     </p:extLst>
   </p:cSld>
   <p:clrMapOvr>
     <a:masterClrMapping/>
   </p:clrMapOvr>
-  <p:timing>
-    <p:tnLst>
-      <p:par>
-        <p:cTn id="1" dur="indefinite" restart="never" nodeType="tmRoot"/>
-      </p:par>
-    </p:tnLst>
-  </p:timing>
 </p:sld>
 </file>
 
@@ -7114,14 +6864,10 @@
           <a:p>
             <a:r>
               <a:rPr lang="en-US" dirty="0"/>
-              <a:t>7 - Visual Studio Extension</a:t>
-            </a:r>
-            <a:r>
-              <a:rPr lang="en-US" dirty="0" smtClean="0"/>
-              <a:t/>
+              <a:t>7 - Visual Studio Extension (Debugger Engine)</a:t>
             </a:r>
             <a:br>
-              <a:rPr lang="en-US" dirty="0" smtClean="0"/>
+              <a:rPr lang="en-US" dirty="0"/>
             </a:br>
             <a:endParaRPr lang="en-US" dirty="0"/>
           </a:p>
@@ -7517,24 +7263,43 @@
           <a:p>
             <a:pPr marL="342900" indent="-342900"/>
             <a:r>
-              <a:rPr lang="pt-PT" sz="2400" dirty="0" smtClean="0"/>
-              <a:t>Register</a:t>
+              <a:rPr lang="pt-PT" sz="2400" dirty="0"/>
+              <a:t>DebuggedProcess</a:t>
             </a:r>
           </a:p>
           <a:p>
             <a:pPr marL="342900" indent="-342900"/>
             <a:r>
-              <a:rPr lang="pt-PT" sz="2400" dirty="0" smtClean="0"/>
-              <a:t>Launcher </a:t>
+              <a:rPr lang="pt-PT" sz="2400" dirty="0"/>
+              <a:t>EngineCallback</a:t>
             </a:r>
           </a:p>
           <a:p>
             <a:pPr marL="342900" indent="-342900"/>
             <a:r>
-              <a:rPr lang="pt-PT" sz="2400" dirty="0" smtClean="0"/>
-              <a:t>Debugger Engine</a:t>
-            </a:r>
-            <a:endParaRPr lang="pt-PT" sz="2000" dirty="0" smtClean="0"/>
+              <a:rPr lang="pt-PT" sz="2400" dirty="0"/>
+              <a:t>RokuController</a:t>
+            </a:r>
+          </a:p>
+          <a:p>
+            <a:pPr marL="342900" indent="-342900"/>
+            <a:r>
+              <a:rPr lang="pt-PT" sz="2400" dirty="0"/>
+              <a:t>TcpTransporter</a:t>
+            </a:r>
+          </a:p>
+          <a:p>
+            <a:pPr marL="342900" indent="-342900"/>
+            <a:r>
+              <a:rPr lang="pt-PT" sz="2400" dirty="0"/>
+              <a:t>Parser</a:t>
+            </a:r>
+          </a:p>
+          <a:p>
+            <a:pPr marL="0" indent="0">
+              <a:buNone/>
+            </a:pPr>
+            <a:endParaRPr lang="pt-PT" sz="2000" dirty="0"/>
           </a:p>
           <a:p>
             <a:pPr marL="573658" lvl="1" indent="-342900"/>
@@ -7544,7 +7309,7 @@
       </p:sp>
       <p:pic>
         <p:nvPicPr>
-          <p:cNvPr id="6" name="Picture 5"/>
+          <p:cNvPr id="9" name="Picture 8"/>
           <p:cNvPicPr>
             <a:picLocks noChangeAspect="1"/>
           </p:cNvPicPr>
@@ -7558,8 +7323,8 @@
         </p:blipFill>
         <p:spPr>
           <a:xfrm>
-            <a:off x="3863935" y="1236899"/>
-            <a:ext cx="7523560" cy="3834238"/>
+            <a:off x="4152788" y="1159660"/>
+            <a:ext cx="6954951" cy="4077731"/>
           </a:xfrm>
           <a:prstGeom prst="rect">
             <a:avLst/>
@@ -7569,20 +7334,13 @@
     </p:spTree>
     <p:extLst>
       <p:ext uri="{BB962C8B-B14F-4D97-AF65-F5344CB8AC3E}">
-        <p14:creationId xmlns:p14="http://schemas.microsoft.com/office/powerpoint/2010/main" val="456010404"/>
+        <p14:creationId xmlns:p14="http://schemas.microsoft.com/office/powerpoint/2010/main" val="415741314"/>
       </p:ext>
     </p:extLst>
   </p:cSld>
   <p:clrMapOvr>
     <a:masterClrMapping/>
   </p:clrMapOvr>
-  <p:timing>
-    <p:tnLst>
-      <p:par>
-        <p:cTn id="1" dur="indefinite" restart="never" nodeType="tmRoot"/>
-      </p:par>
-    </p:tnLst>
-  </p:timing>
 </p:sld>
 </file>
 
@@ -7605,7 +7363,7 @@
       </p:grpSpPr>
       <p:sp>
         <p:nvSpPr>
-          <p:cNvPr id="2" name="Title 1"/>
+          <p:cNvPr id="6" name="Title 5"/>
           <p:cNvSpPr>
             <a:spLocks noGrp="1"/>
           </p:cNvSpPr>
@@ -7615,8 +7373,8 @@
         </p:nvSpPr>
         <p:spPr>
           <a:xfrm>
-            <a:off x="596900" y="549031"/>
-            <a:ext cx="10510839" cy="1017588"/>
+            <a:off x="596901" y="584200"/>
+            <a:ext cx="10510838" cy="520700"/>
           </a:xfrm>
         </p:spPr>
         <p:txBody>
@@ -7625,29 +7383,66 @@
           <a:p>
             <a:r>
               <a:rPr lang="en-US" dirty="0"/>
-              <a:t>7 - Visual Studio Extension</a:t>
-            </a:r>
-            <a:r>
-              <a:rPr lang="en-US" dirty="0" smtClean="0"/>
-              <a:t/>
+              <a:t>7-</a:t>
+            </a:r>
+            <a:r>
+              <a:rPr lang="pt-PT" dirty="0"/>
+              <a:t>Integração Visual Studio</a:t>
             </a:r>
             <a:br>
-              <a:rPr lang="en-US" dirty="0" smtClean="0"/>
+              <a:rPr lang="pt-PT" dirty="0"/>
             </a:br>
-            <a:endParaRPr lang="en-US" dirty="0"/>
+            <a:r>
+              <a:rPr lang="en-US" dirty="0"/>
+              <a:t> </a:t>
+            </a:r>
+          </a:p>
+        </p:txBody>
+      </p:sp>
+      <p:sp>
+        <p:nvSpPr>
+          <p:cNvPr id="7" name="Content Placeholder 6"/>
+          <p:cNvSpPr>
+            <a:spLocks noGrp="1"/>
+          </p:cNvSpPr>
+          <p:nvPr>
+            <p:ph sz="half" idx="1"/>
+          </p:nvPr>
+        </p:nvSpPr>
+        <p:spPr>
+          <a:xfrm>
+            <a:off x="596901" y="1413208"/>
+            <a:ext cx="3331043" cy="3734780"/>
+          </a:xfrm>
+        </p:spPr>
+        <p:txBody>
+          <a:bodyPr/>
+          <a:lstStyle/>
+          <a:p>
+            <a:r>
+              <a:rPr lang="pt-PT" sz="6000" dirty="0"/>
+              <a:t>Demo</a:t>
+            </a:r>
+          </a:p>
+          <a:p>
+            <a:pPr marL="342900" indent="-342900">
+              <a:buFont typeface="+mj-lt"/>
+              <a:buAutoNum type="arabicPeriod"/>
+            </a:pPr>
+            <a:endParaRPr lang="en-US" sz="6600" dirty="0"/>
           </a:p>
         </p:txBody>
       </p:sp>
       <p:pic>
         <p:nvPicPr>
-          <p:cNvPr id="4" name="Picture 2" descr="http://files.isel-adeetc.webnode.pt/200000001-c7234c81be/50000000.png"/>
+          <p:cNvPr id="1026" name="Picture 2" descr="http://files.isel-adeetc.webnode.pt/200000001-c7234c81be/50000000.png"/>
           <p:cNvPicPr>
             <a:picLocks noChangeAspect="1" noChangeArrowheads="1"/>
           </p:cNvPicPr>
           <p:nvPr/>
         </p:nvPicPr>
         <p:blipFill rotWithShape="1">
-          <a:blip r:embed="rId2">
+          <a:blip r:embed="rId3">
             <a:extLst>
               <a:ext uri="{28A0092B-C50C-407E-A947-70E740481C1C}">
                 <a14:useLocalDpi xmlns:a14="http://schemas.microsoft.com/office/drawing/2010/main" val="0"/>
@@ -7677,442 +7472,16 @@
           </a:extLst>
         </p:spPr>
       </p:pic>
-      <p:sp>
-        <p:nvSpPr>
-          <p:cNvPr id="8" name="Content Placeholder 6"/>
-          <p:cNvSpPr txBox="1">
-            <a:spLocks/>
-          </p:cNvSpPr>
-          <p:nvPr/>
-        </p:nvSpPr>
-        <p:spPr>
-          <a:xfrm>
-            <a:off x="596900" y="1159660"/>
-            <a:ext cx="9981890" cy="4648286"/>
-          </a:xfrm>
-          <a:prstGeom prst="rect">
-            <a:avLst/>
-          </a:prstGeom>
-        </p:spPr>
-        <p:txBody>
-          <a:bodyPr/>
-          <a:lstStyle>
-            <a:lvl1pPr marL="229617" indent="-229617" algn="l" defTabSz="1170432" rtl="0" eaLnBrk="1" latinLnBrk="0" hangingPunct="1">
-              <a:spcBef>
-                <a:spcPts val="768"/>
-              </a:spcBef>
-              <a:buClr>
-                <a:schemeClr val="accent1"/>
-              </a:buClr>
-              <a:buFont typeface="Arial" pitchFamily="34" charset="0"/>
-              <a:buChar char="•"/>
-              <a:defRPr sz="1800" kern="1200">
-                <a:solidFill>
-                  <a:srgbClr val="323232"/>
-                </a:solidFill>
-                <a:latin typeface="+mn-lt"/>
-                <a:ea typeface="+mn-ea"/>
-                <a:cs typeface="+mn-cs"/>
-              </a:defRPr>
-            </a:lvl1pPr>
-            <a:lvl2pPr marL="460375" indent="-228600" algn="l" defTabSz="1170432" rtl="0" eaLnBrk="1" latinLnBrk="0" hangingPunct="1">
-              <a:spcBef>
-                <a:spcPts val="768"/>
-              </a:spcBef>
-              <a:buClr>
-                <a:schemeClr val="accent1"/>
-              </a:buClr>
-              <a:buFont typeface="Arial" pitchFamily="34" charset="0"/>
-              <a:buChar char="–"/>
-              <a:tabLst/>
-              <a:defRPr sz="1600" kern="1200">
-                <a:solidFill>
-                  <a:srgbClr val="323232"/>
-                </a:solidFill>
-                <a:latin typeface="+mn-lt"/>
-                <a:ea typeface="+mn-ea"/>
-                <a:cs typeface="+mn-cs"/>
-              </a:defRPr>
-            </a:lvl2pPr>
-            <a:lvl3pPr marL="623888" indent="-161925" algn="l" defTabSz="1170432" rtl="0" eaLnBrk="1" latinLnBrk="0" hangingPunct="1">
-              <a:spcBef>
-                <a:spcPts val="768"/>
-              </a:spcBef>
-              <a:buClr>
-                <a:schemeClr val="accent1"/>
-              </a:buClr>
-              <a:buFont typeface="Lucida Grande"/>
-              <a:buChar char="­"/>
-              <a:tabLst/>
-              <a:defRPr sz="1400" kern="1200">
-                <a:solidFill>
-                  <a:srgbClr val="323232"/>
-                </a:solidFill>
-                <a:latin typeface="+mn-lt"/>
-                <a:ea typeface="+mn-ea"/>
-                <a:cs typeface="+mn-cs"/>
-              </a:defRPr>
-            </a:lvl3pPr>
-            <a:lvl4pPr marL="893763" indent="-179388" algn="l" defTabSz="1170432" rtl="0" eaLnBrk="1" latinLnBrk="0" hangingPunct="1">
-              <a:spcBef>
-                <a:spcPts val="768"/>
-              </a:spcBef>
-              <a:buClr>
-                <a:schemeClr val="accent1"/>
-              </a:buClr>
-              <a:buFont typeface="Arial" pitchFamily="34" charset="0"/>
-              <a:buChar char="–"/>
-              <a:tabLst/>
-              <a:defRPr sz="1200" kern="1200">
-                <a:solidFill>
-                  <a:srgbClr val="323232"/>
-                </a:solidFill>
-                <a:latin typeface="+mn-lt"/>
-                <a:ea typeface="+mn-ea"/>
-                <a:cs typeface="+mn-cs"/>
-              </a:defRPr>
-            </a:lvl4pPr>
-            <a:lvl5pPr marL="2633472" indent="-292608" algn="l" defTabSz="1170432" rtl="0" eaLnBrk="1" latinLnBrk="0" hangingPunct="1">
-              <a:spcBef>
-                <a:spcPct val="20000"/>
-              </a:spcBef>
-              <a:buFont typeface="Arial" pitchFamily="34" charset="0"/>
-              <a:buChar char="»"/>
-              <a:defRPr sz="2000" kern="1200">
-                <a:solidFill>
-                  <a:schemeClr val="tx1"/>
-                </a:solidFill>
-                <a:latin typeface="+mj-lt"/>
-                <a:ea typeface="+mn-ea"/>
-                <a:cs typeface="+mn-cs"/>
-              </a:defRPr>
-            </a:lvl5pPr>
-            <a:lvl6pPr marL="3218688" indent="-292608" algn="l" defTabSz="1170432" rtl="0" eaLnBrk="1" latinLnBrk="0" hangingPunct="1">
-              <a:spcBef>
-                <a:spcPct val="20000"/>
-              </a:spcBef>
-              <a:buFont typeface="Arial" pitchFamily="34" charset="0"/>
-              <a:buChar char="•"/>
-              <a:defRPr sz="2600" kern="1200">
-                <a:solidFill>
-                  <a:schemeClr val="tx1"/>
-                </a:solidFill>
-                <a:latin typeface="+mn-lt"/>
-                <a:ea typeface="+mn-ea"/>
-                <a:cs typeface="+mn-cs"/>
-              </a:defRPr>
-            </a:lvl6pPr>
-            <a:lvl7pPr marL="3803904" indent="-292608" algn="l" defTabSz="1170432" rtl="0" eaLnBrk="1" latinLnBrk="0" hangingPunct="1">
-              <a:spcBef>
-                <a:spcPct val="20000"/>
-              </a:spcBef>
-              <a:buFont typeface="Arial" pitchFamily="34" charset="0"/>
-              <a:buChar char="•"/>
-              <a:defRPr sz="2600" kern="1200">
-                <a:solidFill>
-                  <a:schemeClr val="tx1"/>
-                </a:solidFill>
-                <a:latin typeface="+mn-lt"/>
-                <a:ea typeface="+mn-ea"/>
-                <a:cs typeface="+mn-cs"/>
-              </a:defRPr>
-            </a:lvl7pPr>
-            <a:lvl8pPr marL="4389120" indent="-292608" algn="l" defTabSz="1170432" rtl="0" eaLnBrk="1" latinLnBrk="0" hangingPunct="1">
-              <a:spcBef>
-                <a:spcPct val="20000"/>
-              </a:spcBef>
-              <a:buFont typeface="Arial" pitchFamily="34" charset="0"/>
-              <a:buChar char="•"/>
-              <a:defRPr sz="2600" kern="1200">
-                <a:solidFill>
-                  <a:schemeClr val="tx1"/>
-                </a:solidFill>
-                <a:latin typeface="+mn-lt"/>
-                <a:ea typeface="+mn-ea"/>
-                <a:cs typeface="+mn-cs"/>
-              </a:defRPr>
-            </a:lvl8pPr>
-            <a:lvl9pPr marL="4974336" indent="-292608" algn="l" defTabSz="1170432" rtl="0" eaLnBrk="1" latinLnBrk="0" hangingPunct="1">
-              <a:spcBef>
-                <a:spcPct val="20000"/>
-              </a:spcBef>
-              <a:buFont typeface="Arial" pitchFamily="34" charset="0"/>
-              <a:buChar char="•"/>
-              <a:defRPr sz="2600" kern="1200">
-                <a:solidFill>
-                  <a:schemeClr val="tx1"/>
-                </a:solidFill>
-                <a:latin typeface="+mn-lt"/>
-                <a:ea typeface="+mn-ea"/>
-                <a:cs typeface="+mn-cs"/>
-              </a:defRPr>
-            </a:lvl9pPr>
-          </a:lstStyle>
-          <a:p>
-            <a:pPr marL="342900" indent="-342900"/>
-            <a:endParaRPr lang="en-US" sz="2400" dirty="0"/>
-          </a:p>
-        </p:txBody>
-      </p:sp>
-      <p:sp>
-        <p:nvSpPr>
-          <p:cNvPr id="7" name="Content Placeholder 6"/>
-          <p:cNvSpPr txBox="1">
-            <a:spLocks/>
-          </p:cNvSpPr>
-          <p:nvPr/>
-        </p:nvSpPr>
-        <p:spPr>
-          <a:xfrm>
-            <a:off x="749300" y="1077862"/>
-            <a:ext cx="9981890" cy="4981032"/>
-          </a:xfrm>
-          <a:prstGeom prst="rect">
-            <a:avLst/>
-          </a:prstGeom>
-        </p:spPr>
-        <p:txBody>
-          <a:bodyPr/>
-          <a:lstStyle>
-            <a:lvl1pPr marL="229617" indent="-229617" algn="l" defTabSz="1170432" rtl="0" eaLnBrk="1" latinLnBrk="0" hangingPunct="1">
-              <a:spcBef>
-                <a:spcPts val="768"/>
-              </a:spcBef>
-              <a:buClr>
-                <a:schemeClr val="accent1"/>
-              </a:buClr>
-              <a:buFont typeface="Arial" pitchFamily="34" charset="0"/>
-              <a:buChar char="•"/>
-              <a:defRPr sz="1800" kern="1200">
-                <a:solidFill>
-                  <a:srgbClr val="323232"/>
-                </a:solidFill>
-                <a:latin typeface="+mn-lt"/>
-                <a:ea typeface="+mn-ea"/>
-                <a:cs typeface="+mn-cs"/>
-              </a:defRPr>
-            </a:lvl1pPr>
-            <a:lvl2pPr marL="460375" indent="-228600" algn="l" defTabSz="1170432" rtl="0" eaLnBrk="1" latinLnBrk="0" hangingPunct="1">
-              <a:spcBef>
-                <a:spcPts val="768"/>
-              </a:spcBef>
-              <a:buClr>
-                <a:schemeClr val="accent1"/>
-              </a:buClr>
-              <a:buFont typeface="Arial" pitchFamily="34" charset="0"/>
-              <a:buChar char="–"/>
-              <a:tabLst/>
-              <a:defRPr sz="1600" kern="1200">
-                <a:solidFill>
-                  <a:srgbClr val="323232"/>
-                </a:solidFill>
-                <a:latin typeface="+mn-lt"/>
-                <a:ea typeface="+mn-ea"/>
-                <a:cs typeface="+mn-cs"/>
-              </a:defRPr>
-            </a:lvl2pPr>
-            <a:lvl3pPr marL="623888" indent="-161925" algn="l" defTabSz="1170432" rtl="0" eaLnBrk="1" latinLnBrk="0" hangingPunct="1">
-              <a:spcBef>
-                <a:spcPts val="768"/>
-              </a:spcBef>
-              <a:buClr>
-                <a:schemeClr val="accent1"/>
-              </a:buClr>
-              <a:buFont typeface="Lucida Grande"/>
-              <a:buChar char="­"/>
-              <a:tabLst/>
-              <a:defRPr sz="1400" kern="1200">
-                <a:solidFill>
-                  <a:srgbClr val="323232"/>
-                </a:solidFill>
-                <a:latin typeface="+mn-lt"/>
-                <a:ea typeface="+mn-ea"/>
-                <a:cs typeface="+mn-cs"/>
-              </a:defRPr>
-            </a:lvl3pPr>
-            <a:lvl4pPr marL="893763" indent="-179388" algn="l" defTabSz="1170432" rtl="0" eaLnBrk="1" latinLnBrk="0" hangingPunct="1">
-              <a:spcBef>
-                <a:spcPts val="768"/>
-              </a:spcBef>
-              <a:buClr>
-                <a:schemeClr val="accent1"/>
-              </a:buClr>
-              <a:buFont typeface="Arial" pitchFamily="34" charset="0"/>
-              <a:buChar char="–"/>
-              <a:tabLst/>
-              <a:defRPr sz="1200" kern="1200">
-                <a:solidFill>
-                  <a:srgbClr val="323232"/>
-                </a:solidFill>
-                <a:latin typeface="+mn-lt"/>
-                <a:ea typeface="+mn-ea"/>
-                <a:cs typeface="+mn-cs"/>
-              </a:defRPr>
-            </a:lvl4pPr>
-            <a:lvl5pPr marL="2633472" indent="-292608" algn="l" defTabSz="1170432" rtl="0" eaLnBrk="1" latinLnBrk="0" hangingPunct="1">
-              <a:spcBef>
-                <a:spcPct val="20000"/>
-              </a:spcBef>
-              <a:buFont typeface="Arial" pitchFamily="34" charset="0"/>
-              <a:buChar char="»"/>
-              <a:defRPr sz="2000" kern="1200">
-                <a:solidFill>
-                  <a:schemeClr val="tx1"/>
-                </a:solidFill>
-                <a:latin typeface="+mj-lt"/>
-                <a:ea typeface="+mn-ea"/>
-                <a:cs typeface="+mn-cs"/>
-              </a:defRPr>
-            </a:lvl5pPr>
-            <a:lvl6pPr marL="3218688" indent="-292608" algn="l" defTabSz="1170432" rtl="0" eaLnBrk="1" latinLnBrk="0" hangingPunct="1">
-              <a:spcBef>
-                <a:spcPct val="20000"/>
-              </a:spcBef>
-              <a:buFont typeface="Arial" pitchFamily="34" charset="0"/>
-              <a:buChar char="•"/>
-              <a:defRPr sz="2600" kern="1200">
-                <a:solidFill>
-                  <a:schemeClr val="tx1"/>
-                </a:solidFill>
-                <a:latin typeface="+mn-lt"/>
-                <a:ea typeface="+mn-ea"/>
-                <a:cs typeface="+mn-cs"/>
-              </a:defRPr>
-            </a:lvl6pPr>
-            <a:lvl7pPr marL="3803904" indent="-292608" algn="l" defTabSz="1170432" rtl="0" eaLnBrk="1" latinLnBrk="0" hangingPunct="1">
-              <a:spcBef>
-                <a:spcPct val="20000"/>
-              </a:spcBef>
-              <a:buFont typeface="Arial" pitchFamily="34" charset="0"/>
-              <a:buChar char="•"/>
-              <a:defRPr sz="2600" kern="1200">
-                <a:solidFill>
-                  <a:schemeClr val="tx1"/>
-                </a:solidFill>
-                <a:latin typeface="+mn-lt"/>
-                <a:ea typeface="+mn-ea"/>
-                <a:cs typeface="+mn-cs"/>
-              </a:defRPr>
-            </a:lvl7pPr>
-            <a:lvl8pPr marL="4389120" indent="-292608" algn="l" defTabSz="1170432" rtl="0" eaLnBrk="1" latinLnBrk="0" hangingPunct="1">
-              <a:spcBef>
-                <a:spcPct val="20000"/>
-              </a:spcBef>
-              <a:buFont typeface="Arial" pitchFamily="34" charset="0"/>
-              <a:buChar char="•"/>
-              <a:defRPr sz="2600" kern="1200">
-                <a:solidFill>
-                  <a:schemeClr val="tx1"/>
-                </a:solidFill>
-                <a:latin typeface="+mn-lt"/>
-                <a:ea typeface="+mn-ea"/>
-                <a:cs typeface="+mn-cs"/>
-              </a:defRPr>
-            </a:lvl8pPr>
-            <a:lvl9pPr marL="4974336" indent="-292608" algn="l" defTabSz="1170432" rtl="0" eaLnBrk="1" latinLnBrk="0" hangingPunct="1">
-              <a:spcBef>
-                <a:spcPct val="20000"/>
-              </a:spcBef>
-              <a:buFont typeface="Arial" pitchFamily="34" charset="0"/>
-              <a:buChar char="•"/>
-              <a:defRPr sz="2600" kern="1200">
-                <a:solidFill>
-                  <a:schemeClr val="tx1"/>
-                </a:solidFill>
-                <a:latin typeface="+mn-lt"/>
-                <a:ea typeface="+mn-ea"/>
-                <a:cs typeface="+mn-cs"/>
-              </a:defRPr>
-            </a:lvl9pPr>
-          </a:lstStyle>
-          <a:p>
-            <a:pPr marL="342900" indent="-342900"/>
-            <a:r>
-              <a:rPr lang="pt-PT" sz="2400" dirty="0" smtClean="0"/>
-              <a:t>DebuggedProcess</a:t>
-            </a:r>
-          </a:p>
-          <a:p>
-            <a:pPr marL="342900" indent="-342900"/>
-            <a:r>
-              <a:rPr lang="pt-PT" sz="2400" dirty="0" smtClean="0"/>
-              <a:t>EngineCallback</a:t>
-            </a:r>
-          </a:p>
-          <a:p>
-            <a:pPr marL="342900" indent="-342900"/>
-            <a:r>
-              <a:rPr lang="pt-PT" sz="2400" dirty="0" smtClean="0"/>
-              <a:t>RokuController</a:t>
-            </a:r>
-          </a:p>
-          <a:p>
-            <a:pPr marL="342900" indent="-342900"/>
-            <a:r>
-              <a:rPr lang="pt-PT" sz="2400" dirty="0" smtClean="0"/>
-              <a:t>TcpTransporter</a:t>
-            </a:r>
-          </a:p>
-          <a:p>
-            <a:pPr marL="342900" indent="-342900"/>
-            <a:r>
-              <a:rPr lang="pt-PT" sz="2400" dirty="0" smtClean="0"/>
-              <a:t>Parser</a:t>
-            </a:r>
-          </a:p>
-          <a:p>
-            <a:pPr marL="0" indent="0">
-              <a:buNone/>
-            </a:pPr>
-            <a:endParaRPr lang="pt-PT" sz="2000" dirty="0" smtClean="0"/>
-          </a:p>
-          <a:p>
-            <a:pPr marL="573658" lvl="1" indent="-342900"/>
-            <a:endParaRPr lang="pt-PT" sz="2000" dirty="0"/>
-          </a:p>
-        </p:txBody>
-      </p:sp>
-      <p:pic>
-        <p:nvPicPr>
-          <p:cNvPr id="9" name="Picture 8"/>
-          <p:cNvPicPr>
-            <a:picLocks noChangeAspect="1"/>
-          </p:cNvPicPr>
-          <p:nvPr/>
-        </p:nvPicPr>
-        <p:blipFill>
-          <a:blip r:embed="rId3"/>
-          <a:stretch>
-            <a:fillRect/>
-          </a:stretch>
-        </p:blipFill>
-        <p:spPr>
-          <a:xfrm>
-            <a:off x="4152788" y="1159660"/>
-            <a:ext cx="6954951" cy="4077731"/>
-          </a:xfrm>
-          <a:prstGeom prst="rect">
-            <a:avLst/>
-          </a:prstGeom>
-        </p:spPr>
-      </p:pic>
     </p:spTree>
     <p:extLst>
       <p:ext uri="{BB962C8B-B14F-4D97-AF65-F5344CB8AC3E}">
-        <p14:creationId xmlns:p14="http://schemas.microsoft.com/office/powerpoint/2010/main" val="415741314"/>
+        <p14:creationId xmlns:p14="http://schemas.microsoft.com/office/powerpoint/2010/main" val="4187701856"/>
       </p:ext>
     </p:extLst>
   </p:cSld>
   <p:clrMapOvr>
     <a:masterClrMapping/>
   </p:clrMapOvr>
-  <p:timing>
-    <p:tnLst>
-      <p:par>
-        <p:cTn id="1" dur="indefinite" restart="never" nodeType="tmRoot"/>
-      </p:par>
-    </p:tnLst>
-  </p:timing>
 </p:sld>
 </file>
 
@@ -8155,11 +7524,11 @@
           <a:p>
             <a:r>
               <a:rPr lang="en-US" dirty="0"/>
-              <a:t>7-</a:t>
+              <a:t>8 - </a:t>
             </a:r>
             <a:r>
               <a:rPr lang="pt-PT" dirty="0"/>
-              <a:t>Integração Visual Studio</a:t>
+              <a:t>Conclusions</a:t>
             </a:r>
             <a:br>
               <a:rPr lang="pt-PT" dirty="0"/>
@@ -8184,7 +7553,7 @@
         <p:spPr>
           <a:xfrm>
             <a:off x="596901" y="1413208"/>
-            <a:ext cx="3331043" cy="3734780"/>
+            <a:ext cx="9059163" cy="4630976"/>
           </a:xfrm>
         </p:spPr>
         <p:txBody>
@@ -8192,10 +7561,64 @@
           <a:lstStyle/>
           <a:p>
             <a:r>
-              <a:rPr lang="pt-PT" sz="6000" dirty="0" smtClean="0"/>
-              <a:t>Demo</a:t>
-            </a:r>
-            <a:endParaRPr lang="pt-PT" sz="6000" dirty="0"/>
+              <a:rPr lang="pt-PT" sz="2400" dirty="0"/>
+              <a:t>Improvements</a:t>
+            </a:r>
+          </a:p>
+          <a:p>
+            <a:pPr lvl="1"/>
+            <a:r>
+              <a:rPr lang="pt-PT" sz="2000" dirty="0"/>
+              <a:t>Support All BrightScript Statments</a:t>
+            </a:r>
+          </a:p>
+          <a:p>
+            <a:pPr lvl="1"/>
+            <a:r>
+              <a:rPr lang="pt-PT" sz="2000" dirty="0"/>
+              <a:t>View variables on the callback stack</a:t>
+            </a:r>
+          </a:p>
+          <a:p>
+            <a:pPr lvl="1"/>
+            <a:r>
+              <a:rPr lang="pt-PT" sz="2000" dirty="0"/>
+              <a:t>Interllisense source</a:t>
+            </a:r>
+          </a:p>
+          <a:p>
+            <a:r>
+              <a:rPr lang="pt-PT" sz="2200" dirty="0"/>
+              <a:t>Future work</a:t>
+            </a:r>
+          </a:p>
+          <a:p>
+            <a:pPr lvl="1"/>
+            <a:r>
+              <a:rPr lang="pt-PT" sz="2000" dirty="0"/>
+              <a:t>Import existing code</a:t>
+            </a:r>
+          </a:p>
+          <a:p>
+            <a:pPr lvl="1"/>
+            <a:r>
+              <a:rPr lang="pt-PT" sz="2000" dirty="0"/>
+              <a:t>Scene Graph support</a:t>
+            </a:r>
+          </a:p>
+          <a:p>
+            <a:pPr lvl="2"/>
+            <a:r>
+              <a:rPr lang="pt-PT" sz="1800" dirty="0"/>
+              <a:t>XML UI definition</a:t>
+            </a:r>
+          </a:p>
+          <a:p>
+            <a:pPr lvl="2"/>
+            <a:r>
+              <a:rPr lang="pt-PT" sz="1800" dirty="0"/>
+              <a:t>Multi Thread</a:t>
+            </a:r>
           </a:p>
           <a:p>
             <a:pPr marL="342900" indent="-342900">
@@ -8248,20 +7671,13 @@
     </p:spTree>
     <p:extLst>
       <p:ext uri="{BB962C8B-B14F-4D97-AF65-F5344CB8AC3E}">
-        <p14:creationId xmlns:p14="http://schemas.microsoft.com/office/powerpoint/2010/main" val="4187701856"/>
+        <p14:creationId xmlns:p14="http://schemas.microsoft.com/office/powerpoint/2010/main" val="2728897160"/>
       </p:ext>
     </p:extLst>
   </p:cSld>
   <p:clrMapOvr>
     <a:masterClrMapping/>
   </p:clrMapOvr>
-  <p:timing>
-    <p:tnLst>
-      <p:par>
-        <p:cTn id="1" dur="indefinite" restart="never" nodeType="tmRoot"/>
-      </p:par>
-    </p:tnLst>
-  </p:timing>
 </p:sld>
 </file>
 
@@ -8303,10 +7719,9 @@
           <a:lstStyle/>
           <a:p>
             <a:r>
-              <a:rPr lang="en-US" dirty="0" smtClean="0"/>
+              <a:rPr lang="en-US" dirty="0"/>
               <a:t>Index </a:t>
             </a:r>
-            <a:endParaRPr lang="en-US" dirty="0"/>
           </a:p>
         </p:txBody>
       </p:sp>
@@ -8335,7 +7750,7 @@
               <a:buAutoNum type="arabicParenR"/>
             </a:pPr>
             <a:r>
-              <a:rPr lang="en-US" sz="3200" dirty="0" smtClean="0"/>
+              <a:rPr lang="en-US" sz="3200" dirty="0"/>
               <a:t>Introduction</a:t>
             </a:r>
           </a:p>
@@ -8345,7 +7760,7 @@
               <a:buAutoNum type="arabicParenR"/>
             </a:pPr>
             <a:r>
-              <a:rPr lang="en-US" sz="3200" dirty="0" smtClean="0"/>
+              <a:rPr lang="en-US" sz="3200" dirty="0"/>
               <a:t>Compilers</a:t>
             </a:r>
           </a:p>
@@ -8355,7 +7770,7 @@
               <a:buAutoNum type="arabicParenR"/>
             </a:pPr>
             <a:r>
-              <a:rPr lang="en-US" sz="3200" dirty="0" smtClean="0"/>
+              <a:rPr lang="en-US" sz="3200" dirty="0"/>
               <a:t>Code Generation Tools</a:t>
             </a:r>
           </a:p>
@@ -8365,7 +7780,7 @@
               <a:buAutoNum type="arabicParenR"/>
             </a:pPr>
             <a:r>
-              <a:rPr lang="en-US" sz="3200" dirty="0" smtClean="0"/>
+              <a:rPr lang="en-US" sz="3200" dirty="0"/>
               <a:t>Debugger</a:t>
             </a:r>
           </a:p>
@@ -8375,7 +7790,7 @@
               <a:buAutoNum type="arabicParenR"/>
             </a:pPr>
             <a:r>
-              <a:rPr lang="en-US" sz="3200" dirty="0" smtClean="0"/>
+              <a:rPr lang="en-US" sz="3200" dirty="0"/>
               <a:t>Deploy</a:t>
             </a:r>
           </a:p>
@@ -8385,7 +7800,7 @@
               <a:buAutoNum type="arabicParenR"/>
             </a:pPr>
             <a:r>
-              <a:rPr lang="en-US" sz="3200" dirty="0" smtClean="0"/>
+              <a:rPr lang="en-US" sz="3200" dirty="0"/>
               <a:t>Remote</a:t>
             </a:r>
           </a:p>
@@ -8395,7 +7810,7 @@
               <a:buAutoNum type="arabicParenR"/>
             </a:pPr>
             <a:r>
-              <a:rPr lang="en-US" sz="3200" dirty="0" smtClean="0"/>
+              <a:rPr lang="en-US" sz="3200" dirty="0"/>
               <a:t>Visual Studio Extension</a:t>
             </a:r>
           </a:p>
@@ -8405,10 +7820,9 @@
               <a:buAutoNum type="arabicParenR"/>
             </a:pPr>
             <a:r>
-              <a:rPr lang="en-US" sz="3200" dirty="0" smtClean="0"/>
+              <a:rPr lang="en-US" sz="3200" dirty="0"/>
               <a:t>Conclusions</a:t>
             </a:r>
-            <a:endParaRPr lang="en-US" sz="3200" dirty="0" smtClean="0"/>
           </a:p>
           <a:p>
             <a:pPr marL="342900" indent="-342900">
@@ -8468,225 +7882,10 @@
   <p:clrMapOvr>
     <a:masterClrMapping/>
   </p:clrMapOvr>
-  <p:timing>
-    <p:tnLst>
-      <p:par>
-        <p:cTn id="1" dur="indefinite" restart="never" nodeType="tmRoot"/>
-      </p:par>
-    </p:tnLst>
-  </p:timing>
 </p:sld>
 </file>
 
 <file path=ppt/slides/slide20.xml><?xml version="1.0" encoding="utf-8"?>
-<p:sld xmlns:a="http://schemas.openxmlformats.org/drawingml/2006/main" xmlns:r="http://schemas.openxmlformats.org/officeDocument/2006/relationships" xmlns:p="http://schemas.openxmlformats.org/presentationml/2006/main">
-  <p:cSld>
-    <p:spTree>
-      <p:nvGrpSpPr>
-        <p:cNvPr id="1" name=""/>
-        <p:cNvGrpSpPr/>
-        <p:nvPr/>
-      </p:nvGrpSpPr>
-      <p:grpSpPr>
-        <a:xfrm>
-          <a:off x="0" y="0"/>
-          <a:ext cx="0" cy="0"/>
-          <a:chOff x="0" y="0"/>
-          <a:chExt cx="0" cy="0"/>
-        </a:xfrm>
-      </p:grpSpPr>
-      <p:sp>
-        <p:nvSpPr>
-          <p:cNvPr id="6" name="Title 5"/>
-          <p:cNvSpPr>
-            <a:spLocks noGrp="1"/>
-          </p:cNvSpPr>
-          <p:nvPr>
-            <p:ph type="title"/>
-          </p:nvPr>
-        </p:nvSpPr>
-        <p:spPr>
-          <a:xfrm>
-            <a:off x="596901" y="584200"/>
-            <a:ext cx="10510838" cy="520700"/>
-          </a:xfrm>
-        </p:spPr>
-        <p:txBody>
-          <a:bodyPr/>
-          <a:lstStyle/>
-          <a:p>
-            <a:r>
-              <a:rPr lang="en-US" dirty="0" smtClean="0"/>
-              <a:t>8 - </a:t>
-            </a:r>
-            <a:r>
-              <a:rPr lang="pt-PT" dirty="0" smtClean="0"/>
-              <a:t>Conclusions</a:t>
-            </a:r>
-            <a:r>
-              <a:rPr lang="pt-PT" dirty="0"/>
-              <a:t/>
-            </a:r>
-            <a:br>
-              <a:rPr lang="pt-PT" dirty="0"/>
-            </a:br>
-            <a:r>
-              <a:rPr lang="en-US" dirty="0"/>
-              <a:t> </a:t>
-            </a:r>
-          </a:p>
-        </p:txBody>
-      </p:sp>
-      <p:sp>
-        <p:nvSpPr>
-          <p:cNvPr id="7" name="Content Placeholder 6"/>
-          <p:cNvSpPr>
-            <a:spLocks noGrp="1"/>
-          </p:cNvSpPr>
-          <p:nvPr>
-            <p:ph sz="half" idx="1"/>
-          </p:nvPr>
-        </p:nvSpPr>
-        <p:spPr>
-          <a:xfrm>
-            <a:off x="596901" y="1413208"/>
-            <a:ext cx="9059163" cy="4630976"/>
-          </a:xfrm>
-        </p:spPr>
-        <p:txBody>
-          <a:bodyPr/>
-          <a:lstStyle/>
-          <a:p>
-            <a:r>
-              <a:rPr lang="pt-PT" sz="2400" dirty="0" smtClean="0"/>
-              <a:t>Improvements</a:t>
-            </a:r>
-          </a:p>
-          <a:p>
-            <a:pPr lvl="1"/>
-            <a:r>
-              <a:rPr lang="pt-PT" sz="2000" dirty="0" smtClean="0"/>
-              <a:t>Support All BrightScript Statments</a:t>
-            </a:r>
-          </a:p>
-          <a:p>
-            <a:pPr lvl="1"/>
-            <a:r>
-              <a:rPr lang="pt-PT" sz="2000" dirty="0" smtClean="0"/>
-              <a:t>View variables on the callback stack</a:t>
-            </a:r>
-          </a:p>
-          <a:p>
-            <a:pPr lvl="1"/>
-            <a:r>
-              <a:rPr lang="pt-PT" sz="2000" dirty="0" smtClean="0"/>
-              <a:t>Interllisense source</a:t>
-            </a:r>
-          </a:p>
-          <a:p>
-            <a:r>
-              <a:rPr lang="pt-PT" sz="2200" dirty="0" smtClean="0"/>
-              <a:t>Future work</a:t>
-            </a:r>
-          </a:p>
-          <a:p>
-            <a:pPr lvl="1"/>
-            <a:r>
-              <a:rPr lang="pt-PT" sz="2000" dirty="0" smtClean="0"/>
-              <a:t>Import existing code</a:t>
-            </a:r>
-          </a:p>
-          <a:p>
-            <a:pPr lvl="1"/>
-            <a:r>
-              <a:rPr lang="pt-PT" sz="2000" dirty="0" smtClean="0"/>
-              <a:t>Scene Graph support</a:t>
-            </a:r>
-          </a:p>
-          <a:p>
-            <a:pPr lvl="2"/>
-            <a:r>
-              <a:rPr lang="pt-PT" sz="1800" dirty="0" smtClean="0"/>
-              <a:t>XML UI definition</a:t>
-            </a:r>
-          </a:p>
-          <a:p>
-            <a:pPr lvl="2"/>
-            <a:r>
-              <a:rPr lang="pt-PT" sz="1800" dirty="0" smtClean="0"/>
-              <a:t>Multi Thread</a:t>
-            </a:r>
-            <a:endParaRPr lang="pt-PT" sz="1800" dirty="0"/>
-          </a:p>
-          <a:p>
-            <a:pPr marL="342900" indent="-342900">
-              <a:buFont typeface="+mj-lt"/>
-              <a:buAutoNum type="arabicPeriod"/>
-            </a:pPr>
-            <a:endParaRPr lang="en-US" sz="6600" dirty="0"/>
-          </a:p>
-        </p:txBody>
-      </p:sp>
-      <p:pic>
-        <p:nvPicPr>
-          <p:cNvPr id="1026" name="Picture 2" descr="http://files.isel-adeetc.webnode.pt/200000001-c7234c81be/50000000.png"/>
-          <p:cNvPicPr>
-            <a:picLocks noChangeAspect="1" noChangeArrowheads="1"/>
-          </p:cNvPicPr>
-          <p:nvPr/>
-        </p:nvPicPr>
-        <p:blipFill rotWithShape="1">
-          <a:blip r:embed="rId3">
-            <a:extLst>
-              <a:ext uri="{28A0092B-C50C-407E-A947-70E740481C1C}">
-                <a14:useLocalDpi xmlns:a14="http://schemas.microsoft.com/office/drawing/2010/main" val="0"/>
-              </a:ext>
-            </a:extLst>
-          </a:blip>
-          <a:srcRect r="25933"/>
-          <a:stretch/>
-        </p:blipFill>
-        <p:spPr bwMode="auto">
-          <a:xfrm>
-            <a:off x="9273164" y="5237391"/>
-            <a:ext cx="2277416" cy="1103120"/>
-          </a:xfrm>
-          <a:prstGeom prst="rect">
-            <a:avLst/>
-          </a:prstGeom>
-          <a:noFill/>
-          <a:extLst>
-            <a:ext uri="{909E8E84-426E-40DD-AFC4-6F175D3DCCD1}">
-              <a14:hiddenFill xmlns:a14="http://schemas.microsoft.com/office/drawing/2010/main">
-                <a:solidFill>
-                  <a:srgbClr val="FFFFFF"/>
-                </a:solidFill>
-              </a14:hiddenFill>
-            </a:ext>
-          </a:extLst>
-        </p:spPr>
-      </p:pic>
-    </p:spTree>
-    <p:extLst>
-      <p:ext uri="{BB962C8B-B14F-4D97-AF65-F5344CB8AC3E}">
-        <p14:creationId xmlns:p14="http://schemas.microsoft.com/office/powerpoint/2010/main" val="2728897160"/>
-      </p:ext>
-    </p:extLst>
-  </p:cSld>
-  <p:clrMapOvr>
-    <a:masterClrMapping/>
-  </p:clrMapOvr>
-  <p:timing>
-    <p:tnLst>
-      <p:par>
-        <p:cTn id="1" dur="indefinite" restart="never" nodeType="tmRoot"/>
-      </p:par>
-    </p:tnLst>
-  </p:timing>
-</p:sld>
-</file>
-
-<file path=ppt/slides/slide21.xml><?xml version="1.0" encoding="utf-8"?>
 <p:sld xmlns:a="http://schemas.openxmlformats.org/drawingml/2006/main" xmlns:r="http://schemas.openxmlformats.org/officeDocument/2006/relationships" xmlns:p="http://schemas.openxmlformats.org/presentationml/2006/main">
   <p:cSld>
     <p:spTree>
@@ -8731,14 +7930,6 @@
               </a:rPr>
               <a:t>Questions?</a:t>
             </a:r>
-            <a:r>
-              <a:rPr lang="en-GB" dirty="0">
-                <a:solidFill>
-                  <a:srgbClr val="FFFFFF"/>
-                </a:solidFill>
-              </a:rPr>
-              <a:t/>
-            </a:r>
             <a:br>
               <a:rPr lang="en-GB" dirty="0">
                 <a:solidFill>
@@ -8746,14 +7937,6 @@
                 </a:solidFill>
               </a:rPr>
             </a:br>
-            <a:r>
-              <a:rPr lang="en-GB" dirty="0">
-                <a:solidFill>
-                  <a:srgbClr val="FFFFFF"/>
-                </a:solidFill>
-              </a:rPr>
-              <a:t/>
-            </a:r>
             <a:br>
               <a:rPr lang="en-GB" dirty="0">
                 <a:solidFill>
@@ -8761,14 +7944,6 @@
                 </a:solidFill>
               </a:rPr>
             </a:br>
-            <a:r>
-              <a:rPr lang="en-GB" dirty="0">
-                <a:solidFill>
-                  <a:srgbClr val="FFFFFF"/>
-                </a:solidFill>
-              </a:rPr>
-              <a:t/>
-            </a:r>
             <a:br>
               <a:rPr lang="en-GB" dirty="0">
                 <a:solidFill>
@@ -8776,14 +7951,6 @@
                 </a:solidFill>
               </a:rPr>
             </a:br>
-            <a:r>
-              <a:rPr lang="en-GB" dirty="0">
-                <a:solidFill>
-                  <a:srgbClr val="FFFFFF"/>
-                </a:solidFill>
-              </a:rPr>
-              <a:t/>
-            </a:r>
             <a:br>
               <a:rPr lang="en-GB" dirty="0">
                 <a:solidFill>
@@ -8791,14 +7958,6 @@
                 </a:solidFill>
               </a:rPr>
             </a:br>
-            <a:r>
-              <a:rPr lang="en-GB" dirty="0">
-                <a:solidFill>
-                  <a:srgbClr val="FFFFFF"/>
-                </a:solidFill>
-              </a:rPr>
-              <a:t/>
-            </a:r>
             <a:br>
               <a:rPr lang="en-GB" dirty="0">
                 <a:solidFill>
@@ -8832,13 +7991,6 @@
   <p:clrMapOvr>
     <a:masterClrMapping/>
   </p:clrMapOvr>
-  <p:timing>
-    <p:tnLst>
-      <p:par>
-        <p:cTn id="1" dur="indefinite" restart="never" nodeType="tmRoot"/>
-      </p:par>
-    </p:tnLst>
-  </p:timing>
 </p:sld>
 </file>
 
@@ -8880,14 +8032,13 @@
           <a:lstStyle/>
           <a:p>
             <a:r>
-              <a:rPr lang="pt-PT" dirty="0" smtClean="0"/>
+              <a:rPr lang="pt-PT" dirty="0"/>
               <a:t>1 - </a:t>
             </a:r>
             <a:r>
-              <a:rPr lang="en-US" dirty="0" smtClean="0"/>
+              <a:rPr lang="en-US" dirty="0"/>
               <a:t>Introduction </a:t>
             </a:r>
-            <a:endParaRPr lang="en-US" dirty="0"/>
           </a:p>
         </p:txBody>
       </p:sp>
@@ -8912,68 +8063,68 @@
           <a:lstStyle/>
           <a:p>
             <a:r>
-              <a:rPr lang="en-US" sz="2400" dirty="0" smtClean="0"/>
+              <a:rPr lang="en-US" sz="2400" dirty="0"/>
               <a:t>Roku</a:t>
             </a:r>
           </a:p>
           <a:p>
             <a:pPr marL="573658" lvl="1" indent="-342900"/>
             <a:r>
-              <a:rPr lang="en-US" sz="2000" dirty="0" smtClean="0"/>
+              <a:rPr lang="en-US" sz="2000" dirty="0"/>
               <a:t>Boxs</a:t>
             </a:r>
           </a:p>
           <a:p>
             <a:r>
-              <a:rPr lang="en-US" sz="2400" dirty="0" smtClean="0"/>
+              <a:rPr lang="en-US" sz="2400" dirty="0"/>
               <a:t>BrightScript</a:t>
             </a:r>
           </a:p>
           <a:p>
             <a:pPr marL="573658" lvl="1" indent="-342900" algn="just"/>
             <a:r>
-              <a:rPr lang="en-US" sz="2000" dirty="0" smtClean="0"/>
+              <a:rPr lang="en-US" sz="2000" dirty="0"/>
               <a:t>Based on VB and JavaScript</a:t>
             </a:r>
           </a:p>
           <a:p>
             <a:r>
-              <a:rPr lang="en-US" sz="2400" dirty="0" smtClean="0"/>
+              <a:rPr lang="en-US" sz="2400" dirty="0"/>
               <a:t>Existing tools</a:t>
             </a:r>
           </a:p>
           <a:p>
             <a:pPr marL="573658" lvl="1" indent="-342900"/>
             <a:r>
-              <a:rPr lang="en-US" sz="2000" dirty="0" smtClean="0"/>
+              <a:rPr lang="en-US" sz="2000" dirty="0"/>
               <a:t>Ide – Plugin for Eclipse </a:t>
             </a:r>
           </a:p>
           <a:p>
             <a:pPr marL="573658" lvl="1" indent="-342900"/>
             <a:r>
-              <a:rPr lang="en-US" sz="2000" dirty="0" smtClean="0"/>
+              <a:rPr lang="en-US" sz="2000" dirty="0"/>
               <a:t>Text editors</a:t>
             </a:r>
           </a:p>
           <a:p>
             <a:pPr marL="680021" lvl="2" indent="-285750"/>
             <a:r>
-              <a:rPr lang="en-US" sz="1800" dirty="0" smtClean="0"/>
+              <a:rPr lang="en-US" sz="1800" dirty="0"/>
               <a:t>Syntax Highlight: Sublime, Atom</a:t>
             </a:r>
           </a:p>
           <a:p>
             <a:pPr marL="573658" lvl="1" indent="-342900"/>
             <a:r>
-              <a:rPr lang="en-US" sz="2000" dirty="0" smtClean="0"/>
+              <a:rPr lang="en-US" sz="2000" dirty="0"/>
               <a:t>Deploy</a:t>
             </a:r>
           </a:p>
           <a:p>
             <a:pPr marL="680021" lvl="2" indent="-285750"/>
             <a:r>
-              <a:rPr lang="en-US" sz="1800" dirty="0" smtClean="0"/>
+              <a:rPr lang="en-US" sz="1800" dirty="0"/>
               <a:t>Make file / Coffee script</a:t>
             </a:r>
           </a:p>
@@ -8981,7 +8132,7 @@
             <a:pPr marL="0" indent="0">
               <a:buNone/>
             </a:pPr>
-            <a:endParaRPr lang="en-US" sz="2400" dirty="0" smtClean="0"/>
+            <a:endParaRPr lang="en-US" sz="2400" dirty="0"/>
           </a:p>
           <a:p>
             <a:pPr marL="342900" indent="-342900">
@@ -9147,13 +8298,6 @@
   <p:clrMapOvr>
     <a:masterClrMapping/>
   </p:clrMapOvr>
-  <p:timing>
-    <p:tnLst>
-      <p:par>
-        <p:cTn id="1" dur="indefinite" restart="never" nodeType="tmRoot"/>
-      </p:par>
-    </p:tnLst>
-  </p:timing>
 </p:sld>
 </file>
 
@@ -9199,10 +8343,9 @@
               <a:t>1 – </a:t>
             </a:r>
             <a:r>
-              <a:rPr lang="en-US" dirty="0" smtClean="0"/>
+              <a:rPr lang="en-US" dirty="0"/>
               <a:t>Introduction </a:t>
             </a:r>
-            <a:endParaRPr lang="en-US" dirty="0"/>
           </a:p>
         </p:txBody>
       </p:sp>
@@ -9227,21 +8370,21 @@
           <a:lstStyle/>
           <a:p>
             <a:r>
-              <a:rPr lang="en-US" sz="2400" dirty="0" smtClean="0"/>
+              <a:rPr lang="en-US" sz="2400" dirty="0"/>
               <a:t>Sky</a:t>
             </a:r>
           </a:p>
           <a:p>
             <a:pPr marL="573658" lvl="1" indent="-342900"/>
             <a:r>
-              <a:rPr lang="en-US" sz="2200" dirty="0" smtClean="0"/>
+              <a:rPr lang="en-US" sz="2200" dirty="0"/>
               <a:t>Now Tv</a:t>
             </a:r>
           </a:p>
           <a:p>
             <a:pPr marL="573658" lvl="1" indent="-342900"/>
             <a:r>
-              <a:rPr lang="en-US" sz="2200" dirty="0" smtClean="0"/>
+              <a:rPr lang="en-US" sz="2200" dirty="0"/>
               <a:t>Sky Store</a:t>
             </a:r>
           </a:p>
@@ -9392,13 +8535,6 @@
   <p:clrMapOvr>
     <a:masterClrMapping/>
   </p:clrMapOvr>
-  <p:timing>
-    <p:tnLst>
-      <p:par>
-        <p:cTn id="1" dur="indefinite" restart="never" nodeType="tmRoot"/>
-      </p:par>
-    </p:tnLst>
-  </p:timing>
 </p:sld>
 </file>
 
@@ -9444,10 +8580,9 @@
               <a:t>1 - </a:t>
             </a:r>
             <a:r>
-              <a:rPr lang="en-US" dirty="0" smtClean="0"/>
+              <a:rPr lang="en-US" dirty="0"/>
               <a:t>Introduction </a:t>
             </a:r>
-            <a:endParaRPr lang="en-US" dirty="0"/>
           </a:p>
         </p:txBody>
       </p:sp>
@@ -9475,7 +8610,7 @@
               <a:rPr lang="en-US" sz="2400" dirty="0"/>
               <a:t>Architecture</a:t>
             </a:r>
-            <a:endParaRPr lang="en-US" sz="2200" dirty="0" smtClean="0"/>
+            <a:endParaRPr lang="en-US" sz="2200" dirty="0"/>
           </a:p>
           <a:p>
             <a:pPr marL="342900" indent="-342900">
@@ -9557,13 +8692,6 @@
   <p:clrMapOvr>
     <a:masterClrMapping/>
   </p:clrMapOvr>
-  <p:timing>
-    <p:tnLst>
-      <p:par>
-        <p:cTn id="1" dur="indefinite" restart="never" nodeType="tmRoot"/>
-      </p:par>
-    </p:tnLst>
-  </p:timing>
 </p:sld>
 </file>
 
@@ -9605,17 +8733,16 @@
           <a:lstStyle/>
           <a:p>
             <a:r>
-              <a:rPr lang="en-US" dirty="0" smtClean="0"/>
+              <a:rPr lang="en-US" dirty="0"/>
               <a:t>2 - Compilers</a:t>
             </a:r>
             <a:br>
-              <a:rPr lang="en-US" dirty="0" smtClean="0"/>
+              <a:rPr lang="en-US" dirty="0"/>
             </a:br>
             <a:r>
-              <a:rPr lang="en-US" dirty="0" smtClean="0"/>
+              <a:rPr lang="en-US" dirty="0"/>
               <a:t> </a:t>
             </a:r>
-            <a:endParaRPr lang="en-US" dirty="0"/>
           </a:p>
         </p:txBody>
       </p:sp>
@@ -9640,13 +8767,13 @@
           <a:lstStyle/>
           <a:p>
             <a:r>
-              <a:rPr lang="en-US" sz="2200" dirty="0" smtClean="0"/>
+              <a:rPr lang="en-US" sz="2200" dirty="0"/>
               <a:t>Scanner</a:t>
             </a:r>
           </a:p>
           <a:p>
             <a:r>
-              <a:rPr lang="en-US" sz="2200" dirty="0" smtClean="0"/>
+              <a:rPr lang="en-US" sz="2200" dirty="0"/>
               <a:t>Parser</a:t>
             </a:r>
             <a:endParaRPr lang="en-US" sz="2400" dirty="0"/>
@@ -9808,13 +8935,6 @@
   <p:clrMapOvr>
     <a:masterClrMapping/>
   </p:clrMapOvr>
-  <p:timing>
-    <p:tnLst>
-      <p:par>
-        <p:cTn id="1" dur="indefinite" restart="never" nodeType="tmRoot"/>
-      </p:par>
-    </p:tnLst>
-  </p:timing>
 </p:sld>
 </file>
 
@@ -9856,17 +8976,16 @@
           <a:lstStyle/>
           <a:p>
             <a:r>
-              <a:rPr lang="en-US" dirty="0" smtClean="0"/>
+              <a:rPr lang="en-US" dirty="0"/>
               <a:t>2 - Compilers</a:t>
             </a:r>
             <a:br>
-              <a:rPr lang="en-US" dirty="0" smtClean="0"/>
+              <a:rPr lang="en-US" dirty="0"/>
             </a:br>
             <a:r>
-              <a:rPr lang="en-US" dirty="0" smtClean="0"/>
+              <a:rPr lang="en-US" dirty="0"/>
               <a:t> </a:t>
             </a:r>
-            <a:endParaRPr lang="en-US" dirty="0"/>
           </a:p>
         </p:txBody>
       </p:sp>
@@ -9891,35 +9010,35 @@
           <a:lstStyle/>
           <a:p>
             <a:r>
-              <a:rPr lang="en-US" sz="2200" dirty="0" smtClean="0"/>
+              <a:rPr lang="en-US" sz="2200" dirty="0"/>
               <a:t>Scanner</a:t>
             </a:r>
           </a:p>
           <a:p>
             <a:pPr lvl="1"/>
             <a:r>
-              <a:rPr lang="en-US" sz="2000" dirty="0" smtClean="0"/>
+              <a:rPr lang="en-US" sz="2000" dirty="0"/>
               <a:t>Regular Expressions</a:t>
             </a:r>
           </a:p>
           <a:p>
             <a:pPr lvl="1"/>
             <a:r>
-              <a:rPr lang="en-US" sz="2000" dirty="0" smtClean="0"/>
+              <a:rPr lang="en-US" sz="2000" dirty="0"/>
               <a:t>FSA </a:t>
             </a:r>
           </a:p>
           <a:p>
             <a:pPr lvl="2"/>
             <a:r>
-              <a:rPr lang="en-US" sz="1800" dirty="0" smtClean="0"/>
+              <a:rPr lang="en-US" sz="1800" dirty="0"/>
               <a:t>Finite State Autómata</a:t>
             </a:r>
           </a:p>
           <a:p>
             <a:pPr lvl="1"/>
             <a:r>
-              <a:rPr lang="en-US" sz="2000" dirty="0" smtClean="0"/>
+              <a:rPr lang="en-US" sz="2000" dirty="0"/>
               <a:t>Generates Tokens</a:t>
             </a:r>
           </a:p>
@@ -10005,13 +9124,6 @@
   <p:clrMapOvr>
     <a:masterClrMapping/>
   </p:clrMapOvr>
-  <p:timing>
-    <p:tnLst>
-      <p:par>
-        <p:cTn id="1" dur="indefinite" restart="never" nodeType="tmRoot"/>
-      </p:par>
-    </p:tnLst>
-  </p:timing>
 </p:sld>
 </file>
 
@@ -10053,17 +9165,16 @@
           <a:lstStyle/>
           <a:p>
             <a:r>
-              <a:rPr lang="en-US" dirty="0" smtClean="0"/>
+              <a:rPr lang="en-US" dirty="0"/>
               <a:t>2 - Compilers</a:t>
             </a:r>
             <a:br>
-              <a:rPr lang="en-US" dirty="0" smtClean="0"/>
+              <a:rPr lang="en-US" dirty="0"/>
             </a:br>
             <a:r>
-              <a:rPr lang="en-US" dirty="0" smtClean="0"/>
+              <a:rPr lang="en-US" dirty="0"/>
               <a:t> </a:t>
             </a:r>
-            <a:endParaRPr lang="en-US" dirty="0"/>
           </a:p>
         </p:txBody>
       </p:sp>
@@ -10088,21 +9199,21 @@
           <a:lstStyle/>
           <a:p>
             <a:r>
-              <a:rPr lang="en-US" sz="2200" dirty="0" smtClean="0"/>
+              <a:rPr lang="en-US" sz="2200" dirty="0"/>
               <a:t>Parser</a:t>
             </a:r>
           </a:p>
           <a:p>
             <a:pPr lvl="1"/>
             <a:r>
-              <a:rPr lang="en-US" sz="2000" dirty="0" smtClean="0"/>
+              <a:rPr lang="en-US" sz="2000" dirty="0"/>
               <a:t>LALR(1) </a:t>
             </a:r>
           </a:p>
           <a:p>
             <a:pPr lvl="2"/>
             <a:r>
-              <a:rPr lang="en-US" sz="1800" dirty="0" smtClean="0"/>
+              <a:rPr lang="en-US" sz="1800" dirty="0"/>
               <a:t>Look-Ahead token, Left-to-Right - rightmost derivation</a:t>
             </a:r>
           </a:p>
@@ -10110,32 +9221,20 @@
             <a:pPr lvl="1"/>
             <a:r>
               <a:rPr lang="pt-PT" sz="2000" dirty="0"/>
-              <a:t>symbol → symbol symbol ···</a:t>
-            </a:r>
-            <a:r>
-              <a:rPr lang="pt-PT" sz="2000" dirty="0" smtClean="0"/>
-              <a:t>symbol</a:t>
-            </a:r>
-            <a:endParaRPr lang="en-US" sz="2000" dirty="0" smtClean="0"/>
+              <a:t>symbol → symbol symbol ···symbol</a:t>
+            </a:r>
+            <a:endParaRPr lang="en-US" sz="2000" dirty="0"/>
           </a:p>
           <a:p>
             <a:pPr lvl="1"/>
             <a:r>
-              <a:rPr lang="en-US" sz="2000" dirty="0" smtClean="0"/>
-              <a:t>Generates </a:t>
-            </a:r>
-            <a:r>
-              <a:rPr lang="en-US" sz="2000" dirty="0" smtClean="0"/>
-              <a:t>AST (Abstract Syntax Tree</a:t>
-            </a:r>
-            <a:r>
-              <a:rPr lang="en-US" sz="2000" dirty="0" smtClean="0"/>
-              <a:t>)</a:t>
+              <a:rPr lang="en-US" sz="2000" dirty="0"/>
+              <a:t>Generates AST (Abstract Syntax Tree)</a:t>
             </a:r>
           </a:p>
           <a:p>
             <a:pPr lvl="1"/>
-            <a:endParaRPr lang="en-US" sz="2000" dirty="0" smtClean="0"/>
+            <a:endParaRPr lang="en-US" sz="2000" dirty="0"/>
           </a:p>
           <a:p>
             <a:pPr marL="342900" indent="-342900">
@@ -10236,13 +9335,6 @@
   <p:clrMapOvr>
     <a:masterClrMapping/>
   </p:clrMapOvr>
-  <p:timing>
-    <p:tnLst>
-      <p:par>
-        <p:cTn id="1" dur="indefinite" restart="never" nodeType="tmRoot"/>
-      </p:par>
-    </p:tnLst>
-  </p:timing>
 </p:sld>
 </file>
 
@@ -10285,31 +9377,11 @@
           <a:p>
             <a:r>
               <a:rPr lang="pt-PT" dirty="0"/>
-              <a:t>3</a:t>
-            </a:r>
-            <a:r>
-              <a:rPr lang="pt-PT" dirty="0" smtClean="0"/>
-              <a:t> </a:t>
-            </a:r>
-            <a:r>
-              <a:rPr lang="pt-PT" dirty="0"/>
-              <a:t>- </a:t>
-            </a:r>
-            <a:r>
-              <a:rPr lang="pt-PT" dirty="0" smtClean="0"/>
-              <a:t>Code </a:t>
-            </a:r>
-            <a:r>
-              <a:rPr lang="pt-PT" dirty="0"/>
-              <a:t>Generation Tools</a:t>
+              <a:t>3 - Code Generation Tools</a:t>
             </a:r>
             <a:br>
               <a:rPr lang="pt-PT" dirty="0"/>
             </a:br>
-            <a:r>
-              <a:rPr lang="pt-PT" dirty="0"/>
-              <a:t/>
-            </a:r>
             <a:br>
               <a:rPr lang="pt-PT" dirty="0"/>
             </a:br>
@@ -10341,33 +9413,23 @@
           <a:lstStyle/>
           <a:p>
             <a:r>
-              <a:rPr lang="pt-PT" sz="2200" dirty="0" smtClean="0"/>
-              <a:t>GPlex </a:t>
-            </a:r>
-            <a:r>
               <a:rPr lang="pt-PT" sz="2200" dirty="0"/>
-              <a:t>- Gardens Point LEX </a:t>
-            </a:r>
-            <a:endParaRPr lang="pt-PT" sz="2200" dirty="0" smtClean="0"/>
+              <a:t>GPlex - Gardens Point LEX </a:t>
+            </a:r>
           </a:p>
           <a:p>
             <a:pPr lvl="1"/>
             <a:r>
-              <a:rPr lang="pt-PT" sz="2000" dirty="0" smtClean="0"/>
+              <a:rPr lang="pt-PT" sz="2000" dirty="0"/>
               <a:t>Generates a Scanner in C#</a:t>
             </a:r>
           </a:p>
           <a:p>
             <a:pPr lvl="1"/>
             <a:r>
-              <a:rPr lang="pt-PT" sz="2000" dirty="0" smtClean="0"/>
-              <a:t>Uses </a:t>
-            </a:r>
-            <a:r>
               <a:rPr lang="pt-PT" sz="2000" dirty="0"/>
-              <a:t>Lex speciﬁcation</a:t>
-            </a:r>
-            <a:endParaRPr lang="pt-PT" sz="2000" dirty="0" smtClean="0"/>
+              <a:t>Uses Lex speciﬁcation</a:t>
+            </a:r>
           </a:p>
           <a:p>
             <a:pPr lvl="1"/>
@@ -10375,7 +9437,6 @@
               <a:rPr lang="pt-PT" sz="2000" dirty="0"/>
               <a:t>Deterministic Finite Automaton (DFA) </a:t>
             </a:r>
-            <a:endParaRPr lang="pt-PT" sz="2000" dirty="0" smtClean="0"/>
           </a:p>
           <a:p>
             <a:pPr marL="342900" indent="-342900">
@@ -10453,81 +9514,57 @@
           <a:lstStyle/>
           <a:p>
             <a:r>
-              <a:rPr lang="pl-PL" sz="2000" b="1" dirty="0" smtClean="0"/>
+              <a:rPr lang="pl-PL" sz="2000" b="1" dirty="0"/>
               <a:t>Ident</a:t>
             </a:r>
             <a:r>
-              <a:rPr lang="pt-PT" sz="2000" b="1" dirty="0" smtClean="0"/>
+              <a:rPr lang="pt-PT" sz="2000" b="1" dirty="0"/>
               <a:t>	</a:t>
             </a:r>
             <a:r>
-              <a:rPr lang="pl-PL" sz="2000" b="1" dirty="0" smtClean="0"/>
-              <a:t>[</a:t>
-            </a:r>
-            <a:r>
               <a:rPr lang="pl-PL" sz="2000" b="1" dirty="0"/>
-              <a:t>a-zA-Z_][a-zA-Z0-9_]*</a:t>
-            </a:r>
-          </a:p>
-          <a:p>
-            <a:r>
-              <a:rPr lang="pl-PL" sz="2000" b="1" dirty="0" smtClean="0"/>
+              <a:t>[a-zA-Z_][a-zA-Z0-9_]*</a:t>
+            </a:r>
+          </a:p>
+          <a:p>
+            <a:r>
+              <a:rPr lang="pl-PL" sz="2000" b="1" dirty="0"/>
               <a:t>Num</a:t>
             </a:r>
             <a:r>
-              <a:rPr lang="pt-PT" sz="2000" b="1" dirty="0" smtClean="0"/>
+              <a:rPr lang="pt-PT" sz="2000" b="1" dirty="0"/>
               <a:t>	</a:t>
             </a:r>
             <a:r>
-              <a:rPr lang="pl-PL" sz="2000" b="1" dirty="0" smtClean="0"/>
-              <a:t>[0-9</a:t>
-            </a:r>
-            <a:r>
               <a:rPr lang="pl-PL" sz="2000" b="1" dirty="0"/>
-              <a:t>]+</a:t>
-            </a:r>
-          </a:p>
-          <a:p>
-            <a:r>
-              <a:rPr lang="pl-PL" sz="2000" b="1" dirty="0" smtClean="0"/>
+              <a:t>[0-9]+</a:t>
+            </a:r>
+          </a:p>
+          <a:p>
+            <a:r>
+              <a:rPr lang="pl-PL" sz="2000" b="1" dirty="0"/>
               <a:t>Real</a:t>
             </a:r>
             <a:r>
-              <a:rPr lang="pt-PT" sz="2000" b="1" dirty="0" smtClean="0"/>
+              <a:rPr lang="pt-PT" sz="2000" b="1" dirty="0"/>
               <a:t>	</a:t>
             </a:r>
             <a:r>
-              <a:rPr lang="pl-PL" sz="2000" b="1" dirty="0" smtClean="0"/>
-              <a:t>([</a:t>
-            </a:r>
-            <a:r>
               <a:rPr lang="pl-PL" sz="2000" b="1" dirty="0"/>
-              <a:t>0-9]+"."[0-9]*)|([0-9]*"."[0-9</a:t>
-            </a:r>
-            <a:r>
-              <a:rPr lang="pl-PL" sz="2000" b="1" dirty="0" smtClean="0"/>
-              <a:t>]+)</a:t>
-            </a:r>
-            <a:r>
-              <a:rPr lang="pt-PT" sz="2000" b="1" dirty="0" smtClean="0"/>
+              <a:t>([0-9]+"."[0-9]*)|([0-9]*"."[0-9]+)</a:t>
+            </a:r>
+            <a:r>
+              <a:rPr lang="pt-PT" sz="2000" b="1" dirty="0"/>
               <a:t> </a:t>
             </a:r>
           </a:p>
           <a:p>
-            <a:endParaRPr lang="pt-PT" sz="2000" b="1" dirty="0" smtClean="0"/>
-          </a:p>
-          <a:p>
-            <a:r>
-              <a:rPr lang="pt-PT" sz="2000" b="1" dirty="0" smtClean="0"/>
-              <a:t>Number 	{Num</a:t>
-            </a:r>
+            <a:endParaRPr lang="pt-PT" sz="2000" b="1" dirty="0"/>
+          </a:p>
+          <a:p>
             <a:r>
               <a:rPr lang="pt-PT" sz="2000" b="1" dirty="0"/>
-              <a:t>}|{Real</a:t>
-            </a:r>
-            <a:r>
-              <a:rPr lang="pt-PT" sz="2000" b="1" dirty="0" smtClean="0"/>
-              <a:t>}</a:t>
+              <a:t>Number 	{Num}|{Real}</a:t>
             </a:r>
           </a:p>
           <a:p>
@@ -10536,29 +9573,13 @@
           <a:p>
             <a:r>
               <a:rPr lang="en-GB" sz="2000" b="1" dirty="0"/>
-              <a:t>{Number</a:t>
-            </a:r>
-            <a:r>
-              <a:rPr lang="en-GB" sz="2000" b="1" dirty="0" smtClean="0"/>
-              <a:t>}</a:t>
-            </a:r>
+              <a:t>{Number}	{ return (int)Tokens.bsNumber; }</a:t>
+            </a:r>
+          </a:p>
+          <a:p>
             <a:r>
               <a:rPr lang="en-GB" sz="2000" b="1" dirty="0"/>
-              <a:t>	{ return (int)Tokens.bsNumber; }</a:t>
-            </a:r>
-          </a:p>
-          <a:p>
-            <a:r>
-              <a:rPr lang="en-GB" sz="2000" b="1" dirty="0"/>
-              <a:t>{Ident</a:t>
-            </a:r>
-            <a:r>
-              <a:rPr lang="en-GB" sz="2000" b="1" dirty="0" smtClean="0"/>
-              <a:t>}</a:t>
-            </a:r>
-            <a:r>
-              <a:rPr lang="en-GB" sz="2000" b="1" dirty="0"/>
-              <a:t>	{ return (int)Tokens.bsIdent; }</a:t>
+              <a:t>{Ident}	{ return (int)Tokens.bsIdent; }</a:t>
             </a:r>
           </a:p>
         </p:txBody>
@@ -10573,13 +9594,6 @@
   <p:clrMapOvr>
     <a:masterClrMapping/>
   </p:clrMapOvr>
-  <p:timing>
-    <p:tnLst>
-      <p:par>
-        <p:cTn id="1" dur="indefinite" restart="never" nodeType="tmRoot"/>
-      </p:par>
-    </p:tnLst>
-  </p:timing>
 </p:sld>
 </file>
 

--- a/doc/10-Apresentação.pptx
+++ b/doc/10-Apresentação.pptx
@@ -3712,8 +3712,28 @@
           <a:p>
             <a:pPr lvl="1"/>
             <a:r>
+              <a:rPr lang="pt-PT" sz="2000" dirty="0" err="1"/>
+              <a:t>Contex</a:t>
+            </a:r>
+            <a:r>
               <a:rPr lang="pt-PT" sz="2000" dirty="0"/>
-              <a:t>symbol → symbol symbol ···symbol</a:t>
+              <a:t>-Free </a:t>
+            </a:r>
+            <a:r>
+              <a:rPr lang="pt-PT" sz="2000" dirty="0" err="1"/>
+              <a:t>Grammars</a:t>
+            </a:r>
+            <a:r>
+              <a:rPr lang="pt-PT" sz="2000" dirty="0"/>
+              <a:t>: </a:t>
+            </a:r>
+            <a:r>
+              <a:rPr lang="pt-PT" sz="2000" dirty="0" err="1"/>
+              <a:t>symbol</a:t>
+            </a:r>
+            <a:r>
+              <a:rPr lang="pt-PT" sz="2000" dirty="0"/>
+              <a:t> → symbol symbol ···symbol</a:t>
             </a:r>
           </a:p>
           <a:p>
@@ -9220,10 +9240,30 @@
           <a:p>
             <a:pPr lvl="1"/>
             <a:r>
+              <a:rPr lang="pt-PT" sz="2000" dirty="0" err="1"/>
+              <a:t>Context</a:t>
+            </a:r>
+            <a:r>
               <a:rPr lang="pt-PT" sz="2000" dirty="0"/>
-              <a:t>symbol → symbol symbol ···symbol</a:t>
-            </a:r>
-            <a:endParaRPr lang="en-US" sz="2000" dirty="0"/>
+              <a:t>-Free </a:t>
+            </a:r>
+            <a:r>
+              <a:rPr lang="pt-PT" sz="2000" dirty="0" err="1"/>
+              <a:t>Grammars</a:t>
+            </a:r>
+            <a:endParaRPr lang="pt-PT" sz="2000" dirty="0"/>
+          </a:p>
+          <a:p>
+            <a:pPr lvl="2"/>
+            <a:r>
+              <a:rPr lang="pt-PT" sz="1800" dirty="0" err="1"/>
+              <a:t>symbol</a:t>
+            </a:r>
+            <a:r>
+              <a:rPr lang="pt-PT" sz="1800" dirty="0"/>
+              <a:t> → symbol symbol ···symbol</a:t>
+            </a:r>
+            <a:endParaRPr lang="en-US" sz="1800" dirty="0"/>
           </a:p>
           <a:p>
             <a:pPr lvl="1"/>
@@ -9307,7 +9347,7 @@
         </p:blipFill>
         <p:spPr bwMode="auto">
           <a:xfrm>
-            <a:off x="988348" y="3483802"/>
+            <a:off x="988348" y="3662083"/>
             <a:ext cx="7692879" cy="2243757"/>
           </a:xfrm>
           <a:prstGeom prst="rect">
